--- a/Proje Sunum.pptx
+++ b/Proje Sunum.pptx
@@ -117,7 +117,7 @@
   </p:defaultTextStyle>
   <p:extLst>
     <p:ext uri="{EFAFB233-063F-42B5-8137-9DF3F51BA10A}">
-      <p15:sldGuideLst xmlns:p15="http://schemas.microsoft.com/office/powerpoint/2012/main" xmlns=""/>
+      <p15:sldGuideLst xmlns="" xmlns:p15="http://schemas.microsoft.com/office/powerpoint/2012/main"/>
     </p:ext>
   </p:extLst>
 </p:presentation>
@@ -370,7 +370,7 @@
     </p:spTree>
     <p:extLst>
       <p:ext uri="{BB962C8B-B14F-4D97-AF65-F5344CB8AC3E}">
-        <p14:creationId xmlns:p14="http://schemas.microsoft.com/office/powerpoint/2010/main" xmlns="" val="2254084792"/>
+        <p14:creationId xmlns="" xmlns:p14="http://schemas.microsoft.com/office/powerpoint/2010/main" val="2254084792"/>
       </p:ext>
     </p:extLst>
   </p:cSld>
@@ -642,7 +642,7 @@
     </p:spTree>
     <p:extLst>
       <p:ext uri="{BB962C8B-B14F-4D97-AF65-F5344CB8AC3E}">
-        <p14:creationId xmlns:p14="http://schemas.microsoft.com/office/powerpoint/2010/main" xmlns="" val="2654568743"/>
+        <p14:creationId xmlns="" xmlns:p14="http://schemas.microsoft.com/office/powerpoint/2010/main" val="2654568743"/>
       </p:ext>
     </p:extLst>
   </p:cSld>
@@ -837,7 +837,7 @@
     </p:spTree>
     <p:extLst>
       <p:ext uri="{BB962C8B-B14F-4D97-AF65-F5344CB8AC3E}">
-        <p14:creationId xmlns:p14="http://schemas.microsoft.com/office/powerpoint/2010/main" xmlns="" val="3586117780"/>
+        <p14:creationId xmlns="" xmlns:p14="http://schemas.microsoft.com/office/powerpoint/2010/main" val="3586117780"/>
       </p:ext>
     </p:extLst>
   </p:cSld>
@@ -1205,7 +1205,7 @@
     </p:spTree>
     <p:extLst>
       <p:ext uri="{BB962C8B-B14F-4D97-AF65-F5344CB8AC3E}">
-        <p14:creationId xmlns:p14="http://schemas.microsoft.com/office/powerpoint/2010/main" xmlns="" val="862634667"/>
+        <p14:creationId xmlns="" xmlns:p14="http://schemas.microsoft.com/office/powerpoint/2010/main" val="862634667"/>
       </p:ext>
     </p:extLst>
   </p:cSld>
@@ -1453,7 +1453,7 @@
     </p:spTree>
     <p:extLst>
       <p:ext uri="{BB962C8B-B14F-4D97-AF65-F5344CB8AC3E}">
-        <p14:creationId xmlns:p14="http://schemas.microsoft.com/office/powerpoint/2010/main" xmlns="" val="4257264900"/>
+        <p14:creationId xmlns="" xmlns:p14="http://schemas.microsoft.com/office/powerpoint/2010/main" val="4257264900"/>
       </p:ext>
     </p:extLst>
   </p:cSld>
@@ -2077,7 +2077,7 @@
     </p:spTree>
     <p:extLst>
       <p:ext uri="{BB962C8B-B14F-4D97-AF65-F5344CB8AC3E}">
-        <p14:creationId xmlns:p14="http://schemas.microsoft.com/office/powerpoint/2010/main" xmlns="" val="836080638"/>
+        <p14:creationId xmlns="" xmlns:p14="http://schemas.microsoft.com/office/powerpoint/2010/main" val="836080638"/>
       </p:ext>
     </p:extLst>
   </p:cSld>
@@ -2926,7 +2926,7 @@
     </p:spTree>
     <p:extLst>
       <p:ext uri="{BB962C8B-B14F-4D97-AF65-F5344CB8AC3E}">
-        <p14:creationId xmlns:p14="http://schemas.microsoft.com/office/powerpoint/2010/main" xmlns="" val="3323339623"/>
+        <p14:creationId xmlns="" xmlns:p14="http://schemas.microsoft.com/office/powerpoint/2010/main" val="3323339623"/>
       </p:ext>
     </p:extLst>
   </p:cSld>
@@ -3096,7 +3096,7 @@
     </p:spTree>
     <p:extLst>
       <p:ext uri="{BB962C8B-B14F-4D97-AF65-F5344CB8AC3E}">
-        <p14:creationId xmlns:p14="http://schemas.microsoft.com/office/powerpoint/2010/main" xmlns="" val="1832952344"/>
+        <p14:creationId xmlns="" xmlns:p14="http://schemas.microsoft.com/office/powerpoint/2010/main" val="1832952344"/>
       </p:ext>
     </p:extLst>
   </p:cSld>
@@ -3276,7 +3276,7 @@
     </p:spTree>
     <p:extLst>
       <p:ext uri="{BB962C8B-B14F-4D97-AF65-F5344CB8AC3E}">
-        <p14:creationId xmlns:p14="http://schemas.microsoft.com/office/powerpoint/2010/main" xmlns="" val="2940627593"/>
+        <p14:creationId xmlns="" xmlns:p14="http://schemas.microsoft.com/office/powerpoint/2010/main" val="2940627593"/>
       </p:ext>
     </p:extLst>
   </p:cSld>
@@ -3446,7 +3446,7 @@
     </p:spTree>
     <p:extLst>
       <p:ext uri="{BB962C8B-B14F-4D97-AF65-F5344CB8AC3E}">
-        <p14:creationId xmlns:p14="http://schemas.microsoft.com/office/powerpoint/2010/main" xmlns="" val="3689649559"/>
+        <p14:creationId xmlns="" xmlns:p14="http://schemas.microsoft.com/office/powerpoint/2010/main" val="3689649559"/>
       </p:ext>
     </p:extLst>
   </p:cSld>
@@ -3694,7 +3694,7 @@
     </p:spTree>
     <p:extLst>
       <p:ext uri="{BB962C8B-B14F-4D97-AF65-F5344CB8AC3E}">
-        <p14:creationId xmlns:p14="http://schemas.microsoft.com/office/powerpoint/2010/main" xmlns="" val="837868047"/>
+        <p14:creationId xmlns="" xmlns:p14="http://schemas.microsoft.com/office/powerpoint/2010/main" val="837868047"/>
       </p:ext>
     </p:extLst>
   </p:cSld>
@@ -3985,7 +3985,7 @@
     </p:spTree>
     <p:extLst>
       <p:ext uri="{BB962C8B-B14F-4D97-AF65-F5344CB8AC3E}">
-        <p14:creationId xmlns:p14="http://schemas.microsoft.com/office/powerpoint/2010/main" xmlns="" val="4000229937"/>
+        <p14:creationId xmlns="" xmlns:p14="http://schemas.microsoft.com/office/powerpoint/2010/main" val="4000229937"/>
       </p:ext>
     </p:extLst>
   </p:cSld>
@@ -4428,7 +4428,7 @@
     </p:spTree>
     <p:extLst>
       <p:ext uri="{BB962C8B-B14F-4D97-AF65-F5344CB8AC3E}">
-        <p14:creationId xmlns:p14="http://schemas.microsoft.com/office/powerpoint/2010/main" xmlns="" val="3196192440"/>
+        <p14:creationId xmlns="" xmlns:p14="http://schemas.microsoft.com/office/powerpoint/2010/main" val="3196192440"/>
       </p:ext>
     </p:extLst>
   </p:cSld>
@@ -4547,7 +4547,7 @@
     </p:spTree>
     <p:extLst>
       <p:ext uri="{BB962C8B-B14F-4D97-AF65-F5344CB8AC3E}">
-        <p14:creationId xmlns:p14="http://schemas.microsoft.com/office/powerpoint/2010/main" xmlns="" val="125619223"/>
+        <p14:creationId xmlns="" xmlns:p14="http://schemas.microsoft.com/office/powerpoint/2010/main" val="125619223"/>
       </p:ext>
     </p:extLst>
   </p:cSld>
@@ -4644,7 +4644,7 @@
     </p:spTree>
     <p:extLst>
       <p:ext uri="{BB962C8B-B14F-4D97-AF65-F5344CB8AC3E}">
-        <p14:creationId xmlns:p14="http://schemas.microsoft.com/office/powerpoint/2010/main" xmlns="" val="3418342862"/>
+        <p14:creationId xmlns="" xmlns:p14="http://schemas.microsoft.com/office/powerpoint/2010/main" val="3418342862"/>
       </p:ext>
     </p:extLst>
   </p:cSld>
@@ -4923,7 +4923,7 @@
     </p:spTree>
     <p:extLst>
       <p:ext uri="{BB962C8B-B14F-4D97-AF65-F5344CB8AC3E}">
-        <p14:creationId xmlns:p14="http://schemas.microsoft.com/office/powerpoint/2010/main" xmlns="" val="2893213198"/>
+        <p14:creationId xmlns="" xmlns:p14="http://schemas.microsoft.com/office/powerpoint/2010/main" val="2893213198"/>
       </p:ext>
     </p:extLst>
   </p:cSld>
@@ -5195,7 +5195,7 @@
     </p:spTree>
     <p:extLst>
       <p:ext uri="{BB962C8B-B14F-4D97-AF65-F5344CB8AC3E}">
-        <p14:creationId xmlns:p14="http://schemas.microsoft.com/office/powerpoint/2010/main" xmlns="" val="2355492052"/>
+        <p14:creationId xmlns="" xmlns:p14="http://schemas.microsoft.com/office/powerpoint/2010/main" val="2355492052"/>
       </p:ext>
     </p:extLst>
   </p:cSld>
@@ -5239,7 +5239,7 @@
           <a:blip r:embed="rId19">
             <a:extLst>
               <a:ext uri="{28A0092B-C50C-407E-A947-70E740481C1C}">
-                <a14:useLocalDpi xmlns:a14="http://schemas.microsoft.com/office/drawing/2010/main" xmlns="" val="0"/>
+                <a14:useLocalDpi xmlns="" xmlns:a14="http://schemas.microsoft.com/office/drawing/2010/main" val="0"/>
               </a:ext>
             </a:extLst>
           </a:blip>
@@ -5268,7 +5268,7 @@
           <a:blip r:embed="rId20">
             <a:extLst>
               <a:ext uri="{28A0092B-C50C-407E-A947-70E740481C1C}">
-                <a14:useLocalDpi xmlns:a14="http://schemas.microsoft.com/office/drawing/2010/main" xmlns="" val="0"/>
+                <a14:useLocalDpi xmlns="" xmlns:a14="http://schemas.microsoft.com/office/drawing/2010/main" val="0"/>
               </a:ext>
             </a:extLst>
           </a:blip>
@@ -5360,7 +5360,7 @@
           <a:blip r:embed="rId21">
             <a:extLst>
               <a:ext uri="{28A0092B-C50C-407E-A947-70E740481C1C}">
-                <a14:useLocalDpi xmlns:a14="http://schemas.microsoft.com/office/drawing/2010/main" xmlns="" val="0"/>
+                <a14:useLocalDpi xmlns="" xmlns:a14="http://schemas.microsoft.com/office/drawing/2010/main" val="0"/>
               </a:ext>
             </a:extLst>
           </a:blip>
@@ -5389,7 +5389,7 @@
           <a:blip r:embed="rId22">
             <a:extLst>
               <a:ext uri="{28A0092B-C50C-407E-A947-70E740481C1C}">
-                <a14:useLocalDpi xmlns:a14="http://schemas.microsoft.com/office/drawing/2010/main" xmlns="" val="0"/>
+                <a14:useLocalDpi xmlns="" xmlns:a14="http://schemas.microsoft.com/office/drawing/2010/main" val="0"/>
               </a:ext>
             </a:extLst>
           </a:blip>
@@ -5661,7 +5661,7 @@
     </p:spTree>
     <p:extLst>
       <p:ext uri="{BB962C8B-B14F-4D97-AF65-F5344CB8AC3E}">
-        <p14:creationId xmlns:p14="http://schemas.microsoft.com/office/powerpoint/2010/main" xmlns="" val="2073951621"/>
+        <p14:creationId xmlns="" xmlns:p14="http://schemas.microsoft.com/office/powerpoint/2010/main" val="2073951621"/>
       </p:ext>
     </p:extLst>
   </p:cSld>
@@ -6136,10 +6136,10 @@
           <p:cNvPr id="19" name="Rectangle 18">
             <a:extLst>
               <a:ext uri="{FF2B5EF4-FFF2-40B4-BE49-F238E27FC236}">
-                <a16:creationId xmlns:a16="http://schemas.microsoft.com/office/drawing/2014/main" xmlns="" id="{DE27238C-8EAF-4098-86E6-7723B7DAE601}"/>
+                <a16:creationId xmlns="" xmlns:a16="http://schemas.microsoft.com/office/drawing/2014/main" id="{DE27238C-8EAF-4098-86E6-7723B7DAE601}"/>
               </a:ext>
               <a:ext uri="{C183D7F6-B498-43B3-948B-1728B52AA6E4}">
-                <adec:decorative xmlns:adec="http://schemas.microsoft.com/office/drawing/2017/decorative" xmlns="" val="1"/>
+                <adec:decorative xmlns="" xmlns:adec="http://schemas.microsoft.com/office/drawing/2017/decorative" val="1"/>
               </a:ext>
             </a:extLst>
           </p:cNvPr>
@@ -6149,7 +6149,7 @@
           <p:nvPr>
             <p:extLst>
               <p:ext uri="{386F3935-93C4-4BCD-93E2-E3B085C9AB24}">
-                <p16:designElem xmlns:p16="http://schemas.microsoft.com/office/powerpoint/2015/main" xmlns="" val="1"/>
+                <p16:designElem xmlns="" xmlns:p16="http://schemas.microsoft.com/office/powerpoint/2015/main" val="1"/>
               </p:ext>
             </p:extLst>
           </p:nvPr>
@@ -6199,10 +6199,10 @@
           <p:cNvPr id="21" name="Freeform 36">
             <a:extLst>
               <a:ext uri="{FF2B5EF4-FFF2-40B4-BE49-F238E27FC236}">
-                <a16:creationId xmlns:a16="http://schemas.microsoft.com/office/drawing/2014/main" xmlns="" id="{992F97B1-1891-4FCC-9E5F-BA97EDB48F89}"/>
+                <a16:creationId xmlns="" xmlns:a16="http://schemas.microsoft.com/office/drawing/2014/main" id="{992F97B1-1891-4FCC-9E5F-BA97EDB48F89}"/>
               </a:ext>
               <a:ext uri="{C183D7F6-B498-43B3-948B-1728B52AA6E4}">
-                <adec:decorative xmlns:adec="http://schemas.microsoft.com/office/drawing/2017/decorative" xmlns="" val="1"/>
+                <adec:decorative xmlns="" xmlns:adec="http://schemas.microsoft.com/office/drawing/2017/decorative" val="1"/>
               </a:ext>
             </a:extLst>
           </p:cNvPr>
@@ -6212,7 +6212,7 @@
           <p:nvPr>
             <p:extLst>
               <p:ext uri="{386F3935-93C4-4BCD-93E2-E3B085C9AB24}">
-                <p16:designElem xmlns:p16="http://schemas.microsoft.com/office/powerpoint/2015/main" xmlns="" val="1"/>
+                <p16:designElem xmlns="" xmlns:p16="http://schemas.microsoft.com/office/powerpoint/2015/main" val="1"/>
               </p:ext>
             </p:extLst>
           </p:nvPr>
@@ -6553,10 +6553,10 @@
           <p:cNvPr id="23" name="Freeform: Shape 22">
             <a:extLst>
               <a:ext uri="{FF2B5EF4-FFF2-40B4-BE49-F238E27FC236}">
-                <a16:creationId xmlns:a16="http://schemas.microsoft.com/office/drawing/2014/main" xmlns="" id="{78C6C821-FEE1-4EB6-9590-C021440C77DE}"/>
+                <a16:creationId xmlns="" xmlns:a16="http://schemas.microsoft.com/office/drawing/2014/main" id="{78C6C821-FEE1-4EB6-9590-C021440C77DE}"/>
               </a:ext>
               <a:ext uri="{C183D7F6-B498-43B3-948B-1728B52AA6E4}">
-                <adec:decorative xmlns:adec="http://schemas.microsoft.com/office/drawing/2017/decorative" xmlns="" val="1"/>
+                <adec:decorative xmlns="" xmlns:adec="http://schemas.microsoft.com/office/drawing/2017/decorative" val="1"/>
               </a:ext>
             </a:extLst>
           </p:cNvPr>
@@ -6566,7 +6566,7 @@
           <p:nvPr>
             <p:extLst>
               <p:ext uri="{386F3935-93C4-4BCD-93E2-E3B085C9AB24}">
-                <p16:designElem xmlns:p16="http://schemas.microsoft.com/office/powerpoint/2015/main" xmlns="" val="1"/>
+                <p16:designElem xmlns="" xmlns:p16="http://schemas.microsoft.com/office/powerpoint/2015/main" val="1"/>
               </p:ext>
             </p:extLst>
           </p:nvPr>
@@ -7311,10 +7311,10 @@
           <p:cNvPr id="25" name="Rectangle 24">
             <a:extLst>
               <a:ext uri="{FF2B5EF4-FFF2-40B4-BE49-F238E27FC236}">
-                <a16:creationId xmlns:a16="http://schemas.microsoft.com/office/drawing/2014/main" xmlns="" id="{B61A74B3-E247-44D4-8C48-FAE8E2056401}"/>
+                <a16:creationId xmlns="" xmlns:a16="http://schemas.microsoft.com/office/drawing/2014/main" id="{B61A74B3-E247-44D4-8C48-FAE8E2056401}"/>
               </a:ext>
               <a:ext uri="{C183D7F6-B498-43B3-948B-1728B52AA6E4}">
-                <adec:decorative xmlns:adec="http://schemas.microsoft.com/office/drawing/2017/decorative" xmlns="" val="1"/>
+                <adec:decorative xmlns="" xmlns:adec="http://schemas.microsoft.com/office/drawing/2017/decorative" val="1"/>
               </a:ext>
             </a:extLst>
           </p:cNvPr>
@@ -7324,7 +7324,7 @@
           <p:nvPr>
             <p:extLst>
               <p:ext uri="{386F3935-93C4-4BCD-93E2-E3B085C9AB24}">
-                <p16:designElem xmlns:p16="http://schemas.microsoft.com/office/powerpoint/2015/main" xmlns="" val="1"/>
+                <p16:designElem xmlns="" xmlns:p16="http://schemas.microsoft.com/office/powerpoint/2015/main" val="1"/>
               </p:ext>
             </p:extLst>
           </p:nvPr>
@@ -7362,7 +7362,7 @@
     </p:spTree>
     <p:extLst>
       <p:ext uri="{BB962C8B-B14F-4D97-AF65-F5344CB8AC3E}">
-        <p14:creationId xmlns:p14="http://schemas.microsoft.com/office/powerpoint/2010/main" xmlns="" val="2299734367"/>
+        <p14:creationId xmlns="" xmlns:p14="http://schemas.microsoft.com/office/powerpoint/2010/main" val="2299734367"/>
       </p:ext>
     </p:extLst>
   </p:cSld>
@@ -7597,10 +7597,10 @@
           <p:cNvPr id="8" name="Rectangle 7">
             <a:extLst>
               <a:ext uri="{FF2B5EF4-FFF2-40B4-BE49-F238E27FC236}">
-                <a16:creationId xmlns:a16="http://schemas.microsoft.com/office/drawing/2014/main" xmlns="" id="{0D9B8FD4-CDEB-4EB4-B4DE-C89E11938958}"/>
+                <a16:creationId xmlns="" xmlns:a16="http://schemas.microsoft.com/office/drawing/2014/main" id="{0D9B8FD4-CDEB-4EB4-B4DE-C89E11938958}"/>
               </a:ext>
               <a:ext uri="{C183D7F6-B498-43B3-948B-1728B52AA6E4}">
-                <adec:decorative xmlns:adec="http://schemas.microsoft.com/office/drawing/2017/decorative" xmlns="" val="1"/>
+                <adec:decorative xmlns="" xmlns:adec="http://schemas.microsoft.com/office/drawing/2017/decorative" val="1"/>
               </a:ext>
             </a:extLst>
           </p:cNvPr>
@@ -7610,7 +7610,7 @@
           <p:nvPr>
             <p:extLst>
               <p:ext uri="{386F3935-93C4-4BCD-93E2-E3B085C9AB24}">
-                <p16:designElem xmlns:p16="http://schemas.microsoft.com/office/powerpoint/2015/main" xmlns="" val="1"/>
+                <p16:designElem xmlns="" xmlns:p16="http://schemas.microsoft.com/office/powerpoint/2015/main" val="1"/>
               </p:ext>
             </p:extLst>
           </p:nvPr>
@@ -7657,10 +7657,10 @@
           <p:cNvPr id="10" name="Freeform 36">
             <a:extLst>
               <a:ext uri="{FF2B5EF4-FFF2-40B4-BE49-F238E27FC236}">
-                <a16:creationId xmlns:a16="http://schemas.microsoft.com/office/drawing/2014/main" xmlns="" id="{5A2E3D1D-9E9F-4739-BA14-D4D7FA9FBDD1}"/>
+                <a16:creationId xmlns="" xmlns:a16="http://schemas.microsoft.com/office/drawing/2014/main" id="{5A2E3D1D-9E9F-4739-BA14-D4D7FA9FBDD1}"/>
               </a:ext>
               <a:ext uri="{C183D7F6-B498-43B3-948B-1728B52AA6E4}">
-                <adec:decorative xmlns:adec="http://schemas.microsoft.com/office/drawing/2017/decorative" xmlns="" val="1"/>
+                <adec:decorative xmlns="" xmlns:adec="http://schemas.microsoft.com/office/drawing/2017/decorative" val="1"/>
               </a:ext>
             </a:extLst>
           </p:cNvPr>
@@ -7670,7 +7670,7 @@
           <p:nvPr>
             <p:extLst>
               <p:ext uri="{386F3935-93C4-4BCD-93E2-E3B085C9AB24}">
-                <p16:designElem xmlns:p16="http://schemas.microsoft.com/office/powerpoint/2015/main" xmlns="" val="1"/>
+                <p16:designElem xmlns="" xmlns:p16="http://schemas.microsoft.com/office/powerpoint/2015/main" val="1"/>
               </p:ext>
             </p:extLst>
           </p:nvPr>
@@ -8009,10 +8009,10 @@
           <p:cNvPr id="12" name="Freeform: Shape 11">
             <a:extLst>
               <a:ext uri="{FF2B5EF4-FFF2-40B4-BE49-F238E27FC236}">
-                <a16:creationId xmlns:a16="http://schemas.microsoft.com/office/drawing/2014/main" xmlns="" id="{1FFB365B-E9DC-4859-B8AB-CB83EEBE4E28}"/>
+                <a16:creationId xmlns="" xmlns:a16="http://schemas.microsoft.com/office/drawing/2014/main" id="{1FFB365B-E9DC-4859-B8AB-CB83EEBE4E28}"/>
               </a:ext>
               <a:ext uri="{C183D7F6-B498-43B3-948B-1728B52AA6E4}">
-                <adec:decorative xmlns:adec="http://schemas.microsoft.com/office/drawing/2017/decorative" xmlns="" val="1"/>
+                <adec:decorative xmlns="" xmlns:adec="http://schemas.microsoft.com/office/drawing/2017/decorative" val="1"/>
               </a:ext>
             </a:extLst>
           </p:cNvPr>
@@ -8022,7 +8022,7 @@
           <p:nvPr>
             <p:extLst>
               <p:ext uri="{386F3935-93C4-4BCD-93E2-E3B085C9AB24}">
-                <p16:designElem xmlns:p16="http://schemas.microsoft.com/office/powerpoint/2015/main" xmlns="" val="1"/>
+                <p16:designElem xmlns="" xmlns:p16="http://schemas.microsoft.com/office/powerpoint/2015/main" val="1"/>
               </p:ext>
             </p:extLst>
           </p:nvPr>
@@ -8499,10 +8499,10 @@
           <p:cNvPr id="14" name="Rectangle 13">
             <a:extLst>
               <a:ext uri="{FF2B5EF4-FFF2-40B4-BE49-F238E27FC236}">
-                <a16:creationId xmlns:a16="http://schemas.microsoft.com/office/drawing/2014/main" xmlns="" id="{8ADAB9C8-EB37-4914-A699-C716FC8FE4FE}"/>
+                <a16:creationId xmlns="" xmlns:a16="http://schemas.microsoft.com/office/drawing/2014/main" id="{8ADAB9C8-EB37-4914-A699-C716FC8FE4FE}"/>
               </a:ext>
               <a:ext uri="{C183D7F6-B498-43B3-948B-1728B52AA6E4}">
-                <adec:decorative xmlns:adec="http://schemas.microsoft.com/office/drawing/2017/decorative" xmlns="" val="1"/>
+                <adec:decorative xmlns="" xmlns:adec="http://schemas.microsoft.com/office/drawing/2017/decorative" val="1"/>
               </a:ext>
             </a:extLst>
           </p:cNvPr>
@@ -8512,7 +8512,7 @@
           <p:nvPr>
             <p:extLst>
               <p:ext uri="{386F3935-93C4-4BCD-93E2-E3B085C9AB24}">
-                <p16:designElem xmlns:p16="http://schemas.microsoft.com/office/powerpoint/2015/main" xmlns="" val="1"/>
+                <p16:designElem xmlns="" xmlns:p16="http://schemas.microsoft.com/office/powerpoint/2015/main" val="1"/>
               </p:ext>
             </p:extLst>
           </p:nvPr>
@@ -8552,7 +8552,7 @@
           <p:cNvPr id="2" name="Başlık 1">
             <a:extLst>
               <a:ext uri="{FF2B5EF4-FFF2-40B4-BE49-F238E27FC236}">
-                <a16:creationId xmlns:a16="http://schemas.microsoft.com/office/drawing/2014/main" xmlns="" id="{4E45D578-62A4-A5B2-85EF-AB3D77337321}"/>
+                <a16:creationId xmlns="" xmlns:a16="http://schemas.microsoft.com/office/drawing/2014/main" id="{4E45D578-62A4-A5B2-85EF-AB3D77337321}"/>
               </a:ext>
             </a:extLst>
           </p:cNvPr>
@@ -8640,7 +8640,7 @@
           <p:cNvPr id="3" name="İçerik Yer Tutucusu 2">
             <a:extLst>
               <a:ext uri="{FF2B5EF4-FFF2-40B4-BE49-F238E27FC236}">
-                <a16:creationId xmlns:a16="http://schemas.microsoft.com/office/drawing/2014/main" xmlns="" id="{B4A53707-5E94-4D00-D72C-B15639E860D3}"/>
+                <a16:creationId xmlns="" xmlns:a16="http://schemas.microsoft.com/office/drawing/2014/main" id="{B4A53707-5E94-4D00-D72C-B15639E860D3}"/>
               </a:ext>
             </a:extLst>
           </p:cNvPr>
@@ -9305,7 +9305,7 @@
     </p:spTree>
     <p:extLst>
       <p:ext uri="{BB962C8B-B14F-4D97-AF65-F5344CB8AC3E}">
-        <p14:creationId xmlns:p14="http://schemas.microsoft.com/office/powerpoint/2010/main" xmlns="" val="686345420"/>
+        <p14:creationId xmlns="" xmlns:p14="http://schemas.microsoft.com/office/powerpoint/2010/main" val="686345420"/>
       </p:ext>
     </p:extLst>
   </p:cSld>
@@ -9368,10 +9368,10 @@
           <p:cNvPr id="8" name="Rectangle 7">
             <a:extLst>
               <a:ext uri="{FF2B5EF4-FFF2-40B4-BE49-F238E27FC236}">
-                <a16:creationId xmlns:a16="http://schemas.microsoft.com/office/drawing/2014/main" xmlns="" id="{0D9B8FD4-CDEB-4EB4-B4DE-C89E11938958}"/>
+                <a16:creationId xmlns="" xmlns:a16="http://schemas.microsoft.com/office/drawing/2014/main" id="{0D9B8FD4-CDEB-4EB4-B4DE-C89E11938958}"/>
               </a:ext>
               <a:ext uri="{C183D7F6-B498-43B3-948B-1728B52AA6E4}">
-                <adec:decorative xmlns:adec="http://schemas.microsoft.com/office/drawing/2017/decorative" xmlns="" val="1"/>
+                <adec:decorative xmlns="" xmlns:adec="http://schemas.microsoft.com/office/drawing/2017/decorative" val="1"/>
               </a:ext>
             </a:extLst>
           </p:cNvPr>
@@ -9381,7 +9381,7 @@
           <p:nvPr>
             <p:extLst>
               <p:ext uri="{386F3935-93C4-4BCD-93E2-E3B085C9AB24}">
-                <p16:designElem xmlns:p16="http://schemas.microsoft.com/office/powerpoint/2015/main" xmlns="" val="1"/>
+                <p16:designElem xmlns="" xmlns:p16="http://schemas.microsoft.com/office/powerpoint/2015/main" val="1"/>
               </p:ext>
             </p:extLst>
           </p:nvPr>
@@ -9428,10 +9428,10 @@
           <p:cNvPr id="10" name="Freeform 36">
             <a:extLst>
               <a:ext uri="{FF2B5EF4-FFF2-40B4-BE49-F238E27FC236}">
-                <a16:creationId xmlns:a16="http://schemas.microsoft.com/office/drawing/2014/main" xmlns="" id="{5A2E3D1D-9E9F-4739-BA14-D4D7FA9FBDD1}"/>
+                <a16:creationId xmlns="" xmlns:a16="http://schemas.microsoft.com/office/drawing/2014/main" id="{5A2E3D1D-9E9F-4739-BA14-D4D7FA9FBDD1}"/>
               </a:ext>
               <a:ext uri="{C183D7F6-B498-43B3-948B-1728B52AA6E4}">
-                <adec:decorative xmlns:adec="http://schemas.microsoft.com/office/drawing/2017/decorative" xmlns="" val="1"/>
+                <adec:decorative xmlns="" xmlns:adec="http://schemas.microsoft.com/office/drawing/2017/decorative" val="1"/>
               </a:ext>
             </a:extLst>
           </p:cNvPr>
@@ -9441,7 +9441,7 @@
           <p:nvPr>
             <p:extLst>
               <p:ext uri="{386F3935-93C4-4BCD-93E2-E3B085C9AB24}">
-                <p16:designElem xmlns:p16="http://schemas.microsoft.com/office/powerpoint/2015/main" xmlns="" val="1"/>
+                <p16:designElem xmlns="" xmlns:p16="http://schemas.microsoft.com/office/powerpoint/2015/main" val="1"/>
               </p:ext>
             </p:extLst>
           </p:nvPr>
@@ -9780,10 +9780,10 @@
           <p:cNvPr id="12" name="Freeform: Shape 11">
             <a:extLst>
               <a:ext uri="{FF2B5EF4-FFF2-40B4-BE49-F238E27FC236}">
-                <a16:creationId xmlns:a16="http://schemas.microsoft.com/office/drawing/2014/main" xmlns="" id="{1FFB365B-E9DC-4859-B8AB-CB83EEBE4E28}"/>
+                <a16:creationId xmlns="" xmlns:a16="http://schemas.microsoft.com/office/drawing/2014/main" id="{1FFB365B-E9DC-4859-B8AB-CB83EEBE4E28}"/>
               </a:ext>
               <a:ext uri="{C183D7F6-B498-43B3-948B-1728B52AA6E4}">
-                <adec:decorative xmlns:adec="http://schemas.microsoft.com/office/drawing/2017/decorative" xmlns="" val="1"/>
+                <adec:decorative xmlns="" xmlns:adec="http://schemas.microsoft.com/office/drawing/2017/decorative" val="1"/>
               </a:ext>
             </a:extLst>
           </p:cNvPr>
@@ -9793,7 +9793,7 @@
           <p:nvPr>
             <p:extLst>
               <p:ext uri="{386F3935-93C4-4BCD-93E2-E3B085C9AB24}">
-                <p16:designElem xmlns:p16="http://schemas.microsoft.com/office/powerpoint/2015/main" xmlns="" val="1"/>
+                <p16:designElem xmlns="" xmlns:p16="http://schemas.microsoft.com/office/powerpoint/2015/main" val="1"/>
               </p:ext>
             </p:extLst>
           </p:nvPr>
@@ -10270,10 +10270,10 @@
           <p:cNvPr id="14" name="Rectangle 13">
             <a:extLst>
               <a:ext uri="{FF2B5EF4-FFF2-40B4-BE49-F238E27FC236}">
-                <a16:creationId xmlns:a16="http://schemas.microsoft.com/office/drawing/2014/main" xmlns="" id="{8ADAB9C8-EB37-4914-A699-C716FC8FE4FE}"/>
+                <a16:creationId xmlns="" xmlns:a16="http://schemas.microsoft.com/office/drawing/2014/main" id="{8ADAB9C8-EB37-4914-A699-C716FC8FE4FE}"/>
               </a:ext>
               <a:ext uri="{C183D7F6-B498-43B3-948B-1728B52AA6E4}">
-                <adec:decorative xmlns:adec="http://schemas.microsoft.com/office/drawing/2017/decorative" xmlns="" val="1"/>
+                <adec:decorative xmlns="" xmlns:adec="http://schemas.microsoft.com/office/drawing/2017/decorative" val="1"/>
               </a:ext>
             </a:extLst>
           </p:cNvPr>
@@ -10283,7 +10283,7 @@
           <p:nvPr>
             <p:extLst>
               <p:ext uri="{386F3935-93C4-4BCD-93E2-E3B085C9AB24}">
-                <p16:designElem xmlns:p16="http://schemas.microsoft.com/office/powerpoint/2015/main" xmlns="" val="1"/>
+                <p16:designElem xmlns="" xmlns:p16="http://schemas.microsoft.com/office/powerpoint/2015/main" val="1"/>
               </p:ext>
             </p:extLst>
           </p:nvPr>
@@ -10323,7 +10323,7 @@
           <p:cNvPr id="2" name="Başlık 1">
             <a:extLst>
               <a:ext uri="{FF2B5EF4-FFF2-40B4-BE49-F238E27FC236}">
-                <a16:creationId xmlns:a16="http://schemas.microsoft.com/office/drawing/2014/main" xmlns="" id="{4E45D578-62A4-A5B2-85EF-AB3D77337321}"/>
+                <a16:creationId xmlns="" xmlns:a16="http://schemas.microsoft.com/office/drawing/2014/main" id="{4E45D578-62A4-A5B2-85EF-AB3D77337321}"/>
               </a:ext>
             </a:extLst>
           </p:cNvPr>
@@ -10395,7 +10395,7 @@
           <p:cNvPr id="3" name="İçerik Yer Tutucusu 2">
             <a:extLst>
               <a:ext uri="{FF2B5EF4-FFF2-40B4-BE49-F238E27FC236}">
-                <a16:creationId xmlns:a16="http://schemas.microsoft.com/office/drawing/2014/main" xmlns="" id="{B4A53707-5E94-4D00-D72C-B15639E860D3}"/>
+                <a16:creationId xmlns="" xmlns:a16="http://schemas.microsoft.com/office/drawing/2014/main" id="{B4A53707-5E94-4D00-D72C-B15639E860D3}"/>
               </a:ext>
             </a:extLst>
           </p:cNvPr>
@@ -10696,7 +10696,7 @@
     </p:spTree>
     <p:extLst>
       <p:ext uri="{BB962C8B-B14F-4D97-AF65-F5344CB8AC3E}">
-        <p14:creationId xmlns:p14="http://schemas.microsoft.com/office/powerpoint/2010/main" xmlns="" val="746760588"/>
+        <p14:creationId xmlns="" xmlns:p14="http://schemas.microsoft.com/office/powerpoint/2010/main" val="746760588"/>
       </p:ext>
     </p:extLst>
   </p:cSld>
@@ -10806,10 +10806,10 @@
           <p:cNvPr id="19" name="Rectangle 18">
             <a:extLst>
               <a:ext uri="{FF2B5EF4-FFF2-40B4-BE49-F238E27FC236}">
-                <a16:creationId xmlns:a16="http://schemas.microsoft.com/office/drawing/2014/main" xmlns="" id="{74CD14DB-BB81-479F-A1FC-1C75640E9F84}"/>
+                <a16:creationId xmlns="" xmlns:a16="http://schemas.microsoft.com/office/drawing/2014/main" id="{74CD14DB-BB81-479F-A1FC-1C75640E9F84}"/>
               </a:ext>
               <a:ext uri="{C183D7F6-B498-43B3-948B-1728B52AA6E4}">
-                <adec:decorative xmlns:adec="http://schemas.microsoft.com/office/drawing/2017/decorative" xmlns="" val="1"/>
+                <adec:decorative xmlns="" xmlns:adec="http://schemas.microsoft.com/office/drawing/2017/decorative" val="1"/>
               </a:ext>
             </a:extLst>
           </p:cNvPr>
@@ -10819,7 +10819,7 @@
           <p:nvPr>
             <p:extLst>
               <p:ext uri="{386F3935-93C4-4BCD-93E2-E3B085C9AB24}">
-                <p16:designElem xmlns:p16="http://schemas.microsoft.com/office/powerpoint/2015/main" xmlns="" val="1"/>
+                <p16:designElem xmlns="" xmlns:p16="http://schemas.microsoft.com/office/powerpoint/2015/main" val="1"/>
               </p:ext>
             </p:extLst>
           </p:nvPr>
@@ -10895,10 +10895,10 @@
           <p:cNvPr id="21" name="Rectangle 20">
             <a:extLst>
               <a:ext uri="{FF2B5EF4-FFF2-40B4-BE49-F238E27FC236}">
-                <a16:creationId xmlns:a16="http://schemas.microsoft.com/office/drawing/2014/main" xmlns="" id="{C943A91B-7CA7-4592-A975-73B1BF8C4C74}"/>
+                <a16:creationId xmlns="" xmlns:a16="http://schemas.microsoft.com/office/drawing/2014/main" id="{C943A91B-7CA7-4592-A975-73B1BF8C4C74}"/>
               </a:ext>
               <a:ext uri="{C183D7F6-B498-43B3-948B-1728B52AA6E4}">
-                <adec:decorative xmlns:adec="http://schemas.microsoft.com/office/drawing/2017/decorative" xmlns="" val="1"/>
+                <adec:decorative xmlns="" xmlns:adec="http://schemas.microsoft.com/office/drawing/2017/decorative" val="1"/>
               </a:ext>
             </a:extLst>
           </p:cNvPr>
@@ -10908,7 +10908,7 @@
           <p:nvPr>
             <p:extLst>
               <p:ext uri="{386F3935-93C4-4BCD-93E2-E3B085C9AB24}">
-                <p16:designElem xmlns:p16="http://schemas.microsoft.com/office/powerpoint/2015/main" xmlns="" val="1"/>
+                <p16:designElem xmlns="" xmlns:p16="http://schemas.microsoft.com/office/powerpoint/2015/main" val="1"/>
               </p:ext>
             </p:extLst>
           </p:nvPr>
@@ -10948,10 +10948,10 @@
           <p:cNvPr id="23" name="Freeform 7">
             <a:extLst>
               <a:ext uri="{FF2B5EF4-FFF2-40B4-BE49-F238E27FC236}">
-                <a16:creationId xmlns:a16="http://schemas.microsoft.com/office/drawing/2014/main" xmlns="" id="{EC471314-E46A-414B-8D91-74880E84F187}"/>
+                <a16:creationId xmlns="" xmlns:a16="http://schemas.microsoft.com/office/drawing/2014/main" id="{EC471314-E46A-414B-8D91-74880E84F187}"/>
               </a:ext>
               <a:ext uri="{C183D7F6-B498-43B3-948B-1728B52AA6E4}">
-                <adec:decorative xmlns:adec="http://schemas.microsoft.com/office/drawing/2017/decorative" xmlns="" val="1"/>
+                <adec:decorative xmlns="" xmlns:adec="http://schemas.microsoft.com/office/drawing/2017/decorative" val="1"/>
               </a:ext>
             </a:extLst>
           </p:cNvPr>
@@ -10961,7 +10961,7 @@
           <p:nvPr>
             <p:extLst>
               <p:ext uri="{386F3935-93C4-4BCD-93E2-E3B085C9AB24}">
-                <p16:designElem xmlns:p16="http://schemas.microsoft.com/office/powerpoint/2015/main" xmlns="" val="1"/>
+                <p16:designElem xmlns="" xmlns:p16="http://schemas.microsoft.com/office/powerpoint/2015/main" val="1"/>
               </p:ext>
             </p:extLst>
           </p:nvPr>
@@ -11337,10 +11337,10 @@
           <p:cNvPr id="25" name="Freeform: Shape 24">
             <a:extLst>
               <a:ext uri="{FF2B5EF4-FFF2-40B4-BE49-F238E27FC236}">
-                <a16:creationId xmlns:a16="http://schemas.microsoft.com/office/drawing/2014/main" xmlns="" id="{6A681326-1C9D-44A3-A627-3871BDAE4127}"/>
+                <a16:creationId xmlns="" xmlns:a16="http://schemas.microsoft.com/office/drawing/2014/main" id="{6A681326-1C9D-44A3-A627-3871BDAE4127}"/>
               </a:ext>
               <a:ext uri="{C183D7F6-B498-43B3-948B-1728B52AA6E4}">
-                <adec:decorative xmlns:adec="http://schemas.microsoft.com/office/drawing/2017/decorative" xmlns="" val="1"/>
+                <adec:decorative xmlns="" xmlns:adec="http://schemas.microsoft.com/office/drawing/2017/decorative" val="1"/>
               </a:ext>
             </a:extLst>
           </p:cNvPr>
@@ -11350,7 +11350,7 @@
           <p:nvPr>
             <p:extLst>
               <p:ext uri="{386F3935-93C4-4BCD-93E2-E3B085C9AB24}">
-                <p16:designElem xmlns:p16="http://schemas.microsoft.com/office/powerpoint/2015/main" xmlns="" val="1"/>
+                <p16:designElem xmlns="" xmlns:p16="http://schemas.microsoft.com/office/powerpoint/2015/main" val="1"/>
               </p:ext>
             </p:extLst>
           </p:nvPr>
@@ -11800,7 +11800,7 @@
           <p:cNvPr id="2" name="Başlık 1">
             <a:extLst>
               <a:ext uri="{FF2B5EF4-FFF2-40B4-BE49-F238E27FC236}">
-                <a16:creationId xmlns:a16="http://schemas.microsoft.com/office/drawing/2014/main" xmlns="" id="{44093D04-AA21-04E4-1AA2-2DAC7455E62E}"/>
+                <a16:creationId xmlns="" xmlns:a16="http://schemas.microsoft.com/office/drawing/2014/main" id="{44093D04-AA21-04E4-1AA2-2DAC7455E62E}"/>
               </a:ext>
             </a:extLst>
           </p:cNvPr>
@@ -11841,7 +11841,7 @@
           <p:cNvPr id="3" name="İçerik Yer Tutucusu 2">
             <a:extLst>
               <a:ext uri="{FF2B5EF4-FFF2-40B4-BE49-F238E27FC236}">
-                <a16:creationId xmlns:a16="http://schemas.microsoft.com/office/drawing/2014/main" xmlns="" id="{EC727538-DD4C-013E-4C69-13314DC1F01E}"/>
+                <a16:creationId xmlns="" xmlns:a16="http://schemas.microsoft.com/office/drawing/2014/main" id="{EC727538-DD4C-013E-4C69-13314DC1F01E}"/>
               </a:ext>
             </a:extLst>
           </p:cNvPr>
@@ -11960,7 +11960,7 @@
           <p:cNvPr id="4" name="Resim 8">
             <a:extLst>
               <a:ext uri="{FF2B5EF4-FFF2-40B4-BE49-F238E27FC236}">
-                <a16:creationId xmlns:a16="http://schemas.microsoft.com/office/drawing/2014/main" xmlns="" id="{919A568A-B331-432D-3E04-DE6EDE0E5392}"/>
+                <a16:creationId xmlns="" xmlns:a16="http://schemas.microsoft.com/office/drawing/2014/main" id="{919A568A-B331-432D-3E04-DE6EDE0E5392}"/>
               </a:ext>
             </a:extLst>
           </p:cNvPr>
@@ -11988,7 +11988,7 @@
     </p:spTree>
     <p:extLst>
       <p:ext uri="{BB962C8B-B14F-4D97-AF65-F5344CB8AC3E}">
-        <p14:creationId xmlns:p14="http://schemas.microsoft.com/office/powerpoint/2010/main" xmlns="" val="483292212"/>
+        <p14:creationId xmlns="" xmlns:p14="http://schemas.microsoft.com/office/powerpoint/2010/main" val="483292212"/>
       </p:ext>
     </p:extLst>
   </p:cSld>
@@ -12051,10 +12051,10 @@
           <p:cNvPr id="8" name="Rectangle 7">
             <a:extLst>
               <a:ext uri="{FF2B5EF4-FFF2-40B4-BE49-F238E27FC236}">
-                <a16:creationId xmlns:a16="http://schemas.microsoft.com/office/drawing/2014/main" xmlns="" id="{0D9B8FD4-CDEB-4EB4-B4DE-C89E11938958}"/>
+                <a16:creationId xmlns="" xmlns:a16="http://schemas.microsoft.com/office/drawing/2014/main" id="{0D9B8FD4-CDEB-4EB4-B4DE-C89E11938958}"/>
               </a:ext>
               <a:ext uri="{C183D7F6-B498-43B3-948B-1728B52AA6E4}">
-                <adec:decorative xmlns:adec="http://schemas.microsoft.com/office/drawing/2017/decorative" xmlns="" val="1"/>
+                <adec:decorative xmlns="" xmlns:adec="http://schemas.microsoft.com/office/drawing/2017/decorative" val="1"/>
               </a:ext>
             </a:extLst>
           </p:cNvPr>
@@ -12064,7 +12064,7 @@
           <p:nvPr>
             <p:extLst>
               <p:ext uri="{386F3935-93C4-4BCD-93E2-E3B085C9AB24}">
-                <p16:designElem xmlns:p16="http://schemas.microsoft.com/office/powerpoint/2015/main" xmlns="" val="1"/>
+                <p16:designElem xmlns="" xmlns:p16="http://schemas.microsoft.com/office/powerpoint/2015/main" val="1"/>
               </p:ext>
             </p:extLst>
           </p:nvPr>
@@ -12111,10 +12111,10 @@
           <p:cNvPr id="10" name="Freeform 36">
             <a:extLst>
               <a:ext uri="{FF2B5EF4-FFF2-40B4-BE49-F238E27FC236}">
-                <a16:creationId xmlns:a16="http://schemas.microsoft.com/office/drawing/2014/main" xmlns="" id="{5A2E3D1D-9E9F-4739-BA14-D4D7FA9FBDD1}"/>
+                <a16:creationId xmlns="" xmlns:a16="http://schemas.microsoft.com/office/drawing/2014/main" id="{5A2E3D1D-9E9F-4739-BA14-D4D7FA9FBDD1}"/>
               </a:ext>
               <a:ext uri="{C183D7F6-B498-43B3-948B-1728B52AA6E4}">
-                <adec:decorative xmlns:adec="http://schemas.microsoft.com/office/drawing/2017/decorative" xmlns="" val="1"/>
+                <adec:decorative xmlns="" xmlns:adec="http://schemas.microsoft.com/office/drawing/2017/decorative" val="1"/>
               </a:ext>
             </a:extLst>
           </p:cNvPr>
@@ -12124,7 +12124,7 @@
           <p:nvPr>
             <p:extLst>
               <p:ext uri="{386F3935-93C4-4BCD-93E2-E3B085C9AB24}">
-                <p16:designElem xmlns:p16="http://schemas.microsoft.com/office/powerpoint/2015/main" xmlns="" val="1"/>
+                <p16:designElem xmlns="" xmlns:p16="http://schemas.microsoft.com/office/powerpoint/2015/main" val="1"/>
               </p:ext>
             </p:extLst>
           </p:nvPr>
@@ -12463,10 +12463,10 @@
           <p:cNvPr id="12" name="Freeform: Shape 11">
             <a:extLst>
               <a:ext uri="{FF2B5EF4-FFF2-40B4-BE49-F238E27FC236}">
-                <a16:creationId xmlns:a16="http://schemas.microsoft.com/office/drawing/2014/main" xmlns="" id="{1FFB365B-E9DC-4859-B8AB-CB83EEBE4E28}"/>
+                <a16:creationId xmlns="" xmlns:a16="http://schemas.microsoft.com/office/drawing/2014/main" id="{1FFB365B-E9DC-4859-B8AB-CB83EEBE4E28}"/>
               </a:ext>
               <a:ext uri="{C183D7F6-B498-43B3-948B-1728B52AA6E4}">
-                <adec:decorative xmlns:adec="http://schemas.microsoft.com/office/drawing/2017/decorative" xmlns="" val="1"/>
+                <adec:decorative xmlns="" xmlns:adec="http://schemas.microsoft.com/office/drawing/2017/decorative" val="1"/>
               </a:ext>
             </a:extLst>
           </p:cNvPr>
@@ -12476,7 +12476,7 @@
           <p:nvPr>
             <p:extLst>
               <p:ext uri="{386F3935-93C4-4BCD-93E2-E3B085C9AB24}">
-                <p16:designElem xmlns:p16="http://schemas.microsoft.com/office/powerpoint/2015/main" xmlns="" val="1"/>
+                <p16:designElem xmlns="" xmlns:p16="http://schemas.microsoft.com/office/powerpoint/2015/main" val="1"/>
               </p:ext>
             </p:extLst>
           </p:nvPr>
@@ -12953,10 +12953,10 @@
           <p:cNvPr id="14" name="Rectangle 13">
             <a:extLst>
               <a:ext uri="{FF2B5EF4-FFF2-40B4-BE49-F238E27FC236}">
-                <a16:creationId xmlns:a16="http://schemas.microsoft.com/office/drawing/2014/main" xmlns="" id="{8ADAB9C8-EB37-4914-A699-C716FC8FE4FE}"/>
+                <a16:creationId xmlns="" xmlns:a16="http://schemas.microsoft.com/office/drawing/2014/main" id="{8ADAB9C8-EB37-4914-A699-C716FC8FE4FE}"/>
               </a:ext>
               <a:ext uri="{C183D7F6-B498-43B3-948B-1728B52AA6E4}">
-                <adec:decorative xmlns:adec="http://schemas.microsoft.com/office/drawing/2017/decorative" xmlns="" val="1"/>
+                <adec:decorative xmlns="" xmlns:adec="http://schemas.microsoft.com/office/drawing/2017/decorative" val="1"/>
               </a:ext>
             </a:extLst>
           </p:cNvPr>
@@ -12966,7 +12966,7 @@
           <p:nvPr>
             <p:extLst>
               <p:ext uri="{386F3935-93C4-4BCD-93E2-E3B085C9AB24}">
-                <p16:designElem xmlns:p16="http://schemas.microsoft.com/office/powerpoint/2015/main" xmlns="" val="1"/>
+                <p16:designElem xmlns="" xmlns:p16="http://schemas.microsoft.com/office/powerpoint/2015/main" val="1"/>
               </p:ext>
             </p:extLst>
           </p:nvPr>
@@ -13006,7 +13006,7 @@
           <p:cNvPr id="2" name="Başlık 1">
             <a:extLst>
               <a:ext uri="{FF2B5EF4-FFF2-40B4-BE49-F238E27FC236}">
-                <a16:creationId xmlns:a16="http://schemas.microsoft.com/office/drawing/2014/main" xmlns="" id="{4E45D578-62A4-A5B2-85EF-AB3D77337321}"/>
+                <a16:creationId xmlns="" xmlns:a16="http://schemas.microsoft.com/office/drawing/2014/main" id="{4E45D578-62A4-A5B2-85EF-AB3D77337321}"/>
               </a:ext>
             </a:extLst>
           </p:cNvPr>
@@ -13077,7 +13077,7 @@
           <p:cNvPr id="3" name="İçerik Yer Tutucusu 2">
             <a:extLst>
               <a:ext uri="{FF2B5EF4-FFF2-40B4-BE49-F238E27FC236}">
-                <a16:creationId xmlns:a16="http://schemas.microsoft.com/office/drawing/2014/main" xmlns="" id="{B4A53707-5E94-4D00-D72C-B15639E860D3}"/>
+                <a16:creationId xmlns="" xmlns:a16="http://schemas.microsoft.com/office/drawing/2014/main" id="{B4A53707-5E94-4D00-D72C-B15639E860D3}"/>
               </a:ext>
             </a:extLst>
           </p:cNvPr>
@@ -13169,24 +13169,32 @@
               </a:buClr>
             </a:pPr>
             <a:r>
-              <a:rPr lang="tr-TR" dirty="0">
+              <a:rPr lang="tr-TR" dirty="0" smtClean="0">
                 <a:solidFill>
                   <a:schemeClr val="bg1"/>
                 </a:solidFill>
                 <a:ea typeface="+mj-lt"/>
                 <a:cs typeface="+mj-lt"/>
               </a:rPr>
-              <a:t>en</a:t>
-            </a:r>
-            <a:br>
-              <a:rPr lang="tr-TR" dirty="0">
+              <a:t>e</a:t>
+            </a:r>
+            <a:r>
+              <a:rPr lang="tr-TR" dirty="0" smtClean="0">
                 <a:solidFill>
                   <a:schemeClr val="bg1"/>
                 </a:solidFill>
                 <a:ea typeface="+mj-lt"/>
                 <a:cs typeface="+mj-lt"/>
               </a:rPr>
-            </a:br>
+              <a:t>n </a:t>
+            </a:r>
+          </a:p>
+          <a:p>
+            <a:pPr>
+              <a:buClr>
+                <a:srgbClr val="8AD0D6"/>
+              </a:buClr>
+            </a:pPr>
             <a:r>
               <a:rPr lang="tr-TR" dirty="0" err="1" smtClean="0">
                 <a:solidFill>
@@ -13205,19 +13213,26 @@
                 <a:ea typeface="+mj-lt"/>
                 <a:cs typeface="+mj-lt"/>
               </a:rPr>
-              <a:t> </a:t>
-            </a:r>
-            <a:r>
-              <a:rPr lang="tr-TR" dirty="0">
+              <a:t> t</a:t>
+            </a:r>
+          </a:p>
+          <a:p>
+            <a:pPr>
+              <a:buClr>
+                <a:srgbClr val="8AD0D6"/>
+              </a:buClr>
+            </a:pPr>
+            <a:r>
+              <a:rPr lang="tr-TR" dirty="0" err="1" smtClean="0">
                 <a:solidFill>
                   <a:schemeClr val="bg1"/>
                 </a:solidFill>
                 <a:ea typeface="+mj-lt"/>
                 <a:cs typeface="+mj-lt"/>
               </a:rPr>
-              <a:t>t</a:t>
-            </a:r>
-            <a:br>
+              <a:t>hostname</a:t>
+            </a:r>
+            <a:r>
               <a:rPr lang="tr-TR" dirty="0">
                 <a:solidFill>
                   <a:schemeClr val="bg1"/>
@@ -13225,7 +13240,8 @@
                 <a:ea typeface="+mj-lt"/>
                 <a:cs typeface="+mj-lt"/>
               </a:rPr>
-            </a:br>
+              <a:t> </a:t>
+            </a:r>
             <a:r>
               <a:rPr lang="tr-TR" dirty="0" err="1" smtClean="0">
                 <a:solidFill>
@@ -13234,39 +13250,53 @@
                 <a:ea typeface="+mj-lt"/>
                 <a:cs typeface="+mj-lt"/>
               </a:rPr>
-              <a:t>hostname</a:t>
-            </a:r>
-            <a:r>
-              <a:rPr lang="tr-TR" dirty="0">
+              <a:t>izmir</a:t>
+            </a:r>
+            <a:endParaRPr lang="tr-TR" dirty="0">
+              <a:solidFill>
+                <a:schemeClr val="bg1"/>
+              </a:solidFill>
+              <a:ea typeface="+mj-lt"/>
+              <a:cs typeface="+mj-lt"/>
+            </a:endParaRPr>
+          </a:p>
+          <a:p>
+            <a:pPr>
+              <a:buClr>
+                <a:srgbClr val="8AD0D6"/>
+              </a:buClr>
+            </a:pPr>
+            <a:r>
+              <a:rPr lang="tr-TR" dirty="0" err="1" smtClean="0">
                 <a:solidFill>
                   <a:schemeClr val="bg1"/>
                 </a:solidFill>
                 <a:ea typeface="+mj-lt"/>
                 <a:cs typeface="+mj-lt"/>
               </a:rPr>
-              <a:t> </a:t>
-            </a:r>
-            <a:r>
-              <a:rPr lang="tr-TR" dirty="0" err="1">
+              <a:t>enable</a:t>
+            </a:r>
+            <a:r>
+              <a:rPr lang="tr-TR" dirty="0" smtClean="0">
                 <a:solidFill>
                   <a:schemeClr val="bg1"/>
                 </a:solidFill>
                 <a:ea typeface="+mj-lt"/>
                 <a:cs typeface="+mj-lt"/>
               </a:rPr>
-              <a:t>izmir</a:t>
-            </a:r>
-            <a:r>
-              <a:rPr lang="tr-TR" dirty="0">
+              <a:t> </a:t>
+            </a:r>
+            <a:r>
+              <a:rPr lang="tr-TR" dirty="0" err="1">
                 <a:solidFill>
                   <a:schemeClr val="bg1"/>
                 </a:solidFill>
                 <a:ea typeface="+mj-lt"/>
                 <a:cs typeface="+mj-lt"/>
               </a:rPr>
-              <a:t/>
-            </a:r>
-            <a:br>
+              <a:t>password</a:t>
+            </a:r>
+            <a:r>
               <a:rPr lang="tr-TR" dirty="0">
                 <a:solidFill>
                   <a:schemeClr val="bg1"/>
@@ -13274,7 +13304,22 @@
                 <a:ea typeface="+mj-lt"/>
                 <a:cs typeface="+mj-lt"/>
               </a:rPr>
-            </a:br>
+              <a:t> sunum    </a:t>
+            </a:r>
+            <a:endParaRPr lang="tr-TR" dirty="0" smtClean="0">
+              <a:solidFill>
+                <a:schemeClr val="bg1"/>
+              </a:solidFill>
+              <a:ea typeface="+mj-lt"/>
+              <a:cs typeface="+mj-lt"/>
+            </a:endParaRPr>
+          </a:p>
+          <a:p>
+            <a:pPr>
+              <a:buClr>
+                <a:srgbClr val="8AD0D6"/>
+              </a:buClr>
+            </a:pPr>
             <a:r>
               <a:rPr lang="tr-TR" dirty="0" err="1" smtClean="0">
                 <a:solidFill>
@@ -13303,7 +13348,7 @@
                 <a:ea typeface="+mj-lt"/>
                 <a:cs typeface="+mj-lt"/>
               </a:rPr>
-              <a:t>password</a:t>
+              <a:t>secret</a:t>
             </a:r>
             <a:r>
               <a:rPr lang="tr-TR" dirty="0">
@@ -13313,77 +13358,32 @@
                 <a:ea typeface="+mj-lt"/>
                 <a:cs typeface="+mj-lt"/>
               </a:rPr>
-              <a:t> sunum    </a:t>
-            </a:r>
-            <a:r>
-              <a:rPr lang="tr-TR" dirty="0" err="1">
+              <a:t> </a:t>
+            </a:r>
+            <a:r>
+              <a:rPr lang="tr-TR" dirty="0" err="1" smtClean="0">
                 <a:solidFill>
                   <a:schemeClr val="bg1"/>
                 </a:solidFill>
                 <a:ea typeface="+mj-lt"/>
                 <a:cs typeface="+mj-lt"/>
               </a:rPr>
-              <a:t>enable</a:t>
-            </a:r>
-            <a:r>
-              <a:rPr lang="tr-TR" dirty="0">
-                <a:solidFill>
-                  <a:schemeClr val="bg1"/>
-                </a:solidFill>
-                <a:ea typeface="+mj-lt"/>
-                <a:cs typeface="+mj-lt"/>
-              </a:rPr>
-              <a:t> </a:t>
-            </a:r>
-            <a:r>
-              <a:rPr lang="tr-TR" dirty="0" err="1">
-                <a:solidFill>
-                  <a:schemeClr val="bg1"/>
-                </a:solidFill>
-                <a:ea typeface="+mj-lt"/>
-                <a:cs typeface="+mj-lt"/>
-              </a:rPr>
-              <a:t>secret</a:t>
-            </a:r>
-            <a:r>
-              <a:rPr lang="tr-TR" dirty="0">
-                <a:solidFill>
-                  <a:schemeClr val="bg1"/>
-                </a:solidFill>
-                <a:ea typeface="+mj-lt"/>
-                <a:cs typeface="+mj-lt"/>
-              </a:rPr>
-              <a:t> </a:t>
-            </a:r>
-            <a:r>
-              <a:rPr lang="tr-TR" dirty="0" err="1">
-                <a:solidFill>
-                  <a:schemeClr val="bg1"/>
-                </a:solidFill>
-                <a:ea typeface="+mj-lt"/>
-                <a:cs typeface="+mj-lt"/>
-              </a:rPr>
               <a:t>namik</a:t>
             </a:r>
-            <a:r>
-              <a:rPr lang="tr-TR" dirty="0">
-                <a:solidFill>
-                  <a:schemeClr val="bg1"/>
-                </a:solidFill>
-                <a:ea typeface="+mj-lt"/>
-                <a:cs typeface="+mj-lt"/>
-              </a:rPr>
-              <a:t/>
-            </a:r>
-            <a:br>
-              <a:rPr lang="tr-TR" dirty="0">
-                <a:solidFill>
-                  <a:schemeClr val="bg1"/>
-                </a:solidFill>
-                <a:ea typeface="+mj-lt"/>
-                <a:cs typeface="+mj-lt"/>
-              </a:rPr>
-            </a:br>
+            <a:endParaRPr lang="tr-TR" dirty="0">
+              <a:solidFill>
+                <a:schemeClr val="bg1"/>
+              </a:solidFill>
+              <a:ea typeface="+mj-lt"/>
+              <a:cs typeface="+mj-lt"/>
+            </a:endParaRPr>
+          </a:p>
+          <a:p>
+            <a:pPr>
+              <a:buClr>
+                <a:srgbClr val="8AD0D6"/>
+              </a:buClr>
+            </a:pPr>
             <a:r>
               <a:rPr lang="tr-TR" dirty="0" smtClean="0">
                 <a:solidFill>
@@ -13450,7 +13450,7 @@
           <p:cNvPr id="6" name="Resim 6" descr="metin içeren bir resim&#10;&#10;Açıklama otomatik olarak oluşturuldu">
             <a:extLst>
               <a:ext uri="{FF2B5EF4-FFF2-40B4-BE49-F238E27FC236}">
-                <a16:creationId xmlns:a16="http://schemas.microsoft.com/office/drawing/2014/main" xmlns="" id="{40729E82-1BFB-EF34-C945-D837B0ABF1CC}"/>
+                <a16:creationId xmlns="" xmlns:a16="http://schemas.microsoft.com/office/drawing/2014/main" id="{40729E82-1BFB-EF34-C945-D837B0ABF1CC}"/>
               </a:ext>
             </a:extLst>
           </p:cNvPr>
@@ -13478,7 +13478,7 @@
     </p:spTree>
     <p:extLst>
       <p:ext uri="{BB962C8B-B14F-4D97-AF65-F5344CB8AC3E}">
-        <p14:creationId xmlns:p14="http://schemas.microsoft.com/office/powerpoint/2010/main" xmlns="" val="880301623"/>
+        <p14:creationId xmlns="" xmlns:p14="http://schemas.microsoft.com/office/powerpoint/2010/main" val="880301623"/>
       </p:ext>
     </p:extLst>
   </p:cSld>
@@ -13541,10 +13541,10 @@
           <p:cNvPr id="8" name="Rectangle 7">
             <a:extLst>
               <a:ext uri="{FF2B5EF4-FFF2-40B4-BE49-F238E27FC236}">
-                <a16:creationId xmlns:a16="http://schemas.microsoft.com/office/drawing/2014/main" xmlns="" id="{0D9B8FD4-CDEB-4EB4-B4DE-C89E11938958}"/>
+                <a16:creationId xmlns="" xmlns:a16="http://schemas.microsoft.com/office/drawing/2014/main" id="{0D9B8FD4-CDEB-4EB4-B4DE-C89E11938958}"/>
               </a:ext>
               <a:ext uri="{C183D7F6-B498-43B3-948B-1728B52AA6E4}">
-                <adec:decorative xmlns:adec="http://schemas.microsoft.com/office/drawing/2017/decorative" xmlns="" val="1"/>
+                <adec:decorative xmlns="" xmlns:adec="http://schemas.microsoft.com/office/drawing/2017/decorative" val="1"/>
               </a:ext>
             </a:extLst>
           </p:cNvPr>
@@ -13554,7 +13554,7 @@
           <p:nvPr>
             <p:extLst>
               <p:ext uri="{386F3935-93C4-4BCD-93E2-E3B085C9AB24}">
-                <p16:designElem xmlns:p16="http://schemas.microsoft.com/office/powerpoint/2015/main" xmlns="" val="1"/>
+                <p16:designElem xmlns="" xmlns:p16="http://schemas.microsoft.com/office/powerpoint/2015/main" val="1"/>
               </p:ext>
             </p:extLst>
           </p:nvPr>
@@ -13601,10 +13601,10 @@
           <p:cNvPr id="10" name="Freeform 36">
             <a:extLst>
               <a:ext uri="{FF2B5EF4-FFF2-40B4-BE49-F238E27FC236}">
-                <a16:creationId xmlns:a16="http://schemas.microsoft.com/office/drawing/2014/main" xmlns="" id="{5A2E3D1D-9E9F-4739-BA14-D4D7FA9FBDD1}"/>
+                <a16:creationId xmlns="" xmlns:a16="http://schemas.microsoft.com/office/drawing/2014/main" id="{5A2E3D1D-9E9F-4739-BA14-D4D7FA9FBDD1}"/>
               </a:ext>
               <a:ext uri="{C183D7F6-B498-43B3-948B-1728B52AA6E4}">
-                <adec:decorative xmlns:adec="http://schemas.microsoft.com/office/drawing/2017/decorative" xmlns="" val="1"/>
+                <adec:decorative xmlns="" xmlns:adec="http://schemas.microsoft.com/office/drawing/2017/decorative" val="1"/>
               </a:ext>
             </a:extLst>
           </p:cNvPr>
@@ -13614,7 +13614,7 @@
           <p:nvPr>
             <p:extLst>
               <p:ext uri="{386F3935-93C4-4BCD-93E2-E3B085C9AB24}">
-                <p16:designElem xmlns:p16="http://schemas.microsoft.com/office/powerpoint/2015/main" xmlns="" val="1"/>
+                <p16:designElem xmlns="" xmlns:p16="http://schemas.microsoft.com/office/powerpoint/2015/main" val="1"/>
               </p:ext>
             </p:extLst>
           </p:nvPr>
@@ -13953,10 +13953,10 @@
           <p:cNvPr id="12" name="Freeform: Shape 11">
             <a:extLst>
               <a:ext uri="{FF2B5EF4-FFF2-40B4-BE49-F238E27FC236}">
-                <a16:creationId xmlns:a16="http://schemas.microsoft.com/office/drawing/2014/main" xmlns="" id="{1FFB365B-E9DC-4859-B8AB-CB83EEBE4E28}"/>
+                <a16:creationId xmlns="" xmlns:a16="http://schemas.microsoft.com/office/drawing/2014/main" id="{1FFB365B-E9DC-4859-B8AB-CB83EEBE4E28}"/>
               </a:ext>
               <a:ext uri="{C183D7F6-B498-43B3-948B-1728B52AA6E4}">
-                <adec:decorative xmlns:adec="http://schemas.microsoft.com/office/drawing/2017/decorative" xmlns="" val="1"/>
+                <adec:decorative xmlns="" xmlns:adec="http://schemas.microsoft.com/office/drawing/2017/decorative" val="1"/>
               </a:ext>
             </a:extLst>
           </p:cNvPr>
@@ -13966,7 +13966,7 @@
           <p:nvPr>
             <p:extLst>
               <p:ext uri="{386F3935-93C4-4BCD-93E2-E3B085C9AB24}">
-                <p16:designElem xmlns:p16="http://schemas.microsoft.com/office/powerpoint/2015/main" xmlns="" val="1"/>
+                <p16:designElem xmlns="" xmlns:p16="http://schemas.microsoft.com/office/powerpoint/2015/main" val="1"/>
               </p:ext>
             </p:extLst>
           </p:nvPr>
@@ -14443,10 +14443,10 @@
           <p:cNvPr id="14" name="Rectangle 13">
             <a:extLst>
               <a:ext uri="{FF2B5EF4-FFF2-40B4-BE49-F238E27FC236}">
-                <a16:creationId xmlns:a16="http://schemas.microsoft.com/office/drawing/2014/main" xmlns="" id="{8ADAB9C8-EB37-4914-A699-C716FC8FE4FE}"/>
+                <a16:creationId xmlns="" xmlns:a16="http://schemas.microsoft.com/office/drawing/2014/main" id="{8ADAB9C8-EB37-4914-A699-C716FC8FE4FE}"/>
               </a:ext>
               <a:ext uri="{C183D7F6-B498-43B3-948B-1728B52AA6E4}">
-                <adec:decorative xmlns:adec="http://schemas.microsoft.com/office/drawing/2017/decorative" xmlns="" val="1"/>
+                <adec:decorative xmlns="" xmlns:adec="http://schemas.microsoft.com/office/drawing/2017/decorative" val="1"/>
               </a:ext>
             </a:extLst>
           </p:cNvPr>
@@ -14456,7 +14456,7 @@
           <p:nvPr>
             <p:extLst>
               <p:ext uri="{386F3935-93C4-4BCD-93E2-E3B085C9AB24}">
-                <p16:designElem xmlns:p16="http://schemas.microsoft.com/office/powerpoint/2015/main" xmlns="" val="1"/>
+                <p16:designElem xmlns="" xmlns:p16="http://schemas.microsoft.com/office/powerpoint/2015/main" val="1"/>
               </p:ext>
             </p:extLst>
           </p:nvPr>
@@ -14496,7 +14496,7 @@
           <p:cNvPr id="2" name="Başlık 1">
             <a:extLst>
               <a:ext uri="{FF2B5EF4-FFF2-40B4-BE49-F238E27FC236}">
-                <a16:creationId xmlns:a16="http://schemas.microsoft.com/office/drawing/2014/main" xmlns="" id="{4E45D578-62A4-A5B2-85EF-AB3D77337321}"/>
+                <a16:creationId xmlns="" xmlns:a16="http://schemas.microsoft.com/office/drawing/2014/main" id="{4E45D578-62A4-A5B2-85EF-AB3D77337321}"/>
               </a:ext>
             </a:extLst>
           </p:cNvPr>
@@ -14584,7 +14584,7 @@
           <p:cNvPr id="3" name="İçerik Yer Tutucusu 2">
             <a:extLst>
               <a:ext uri="{FF2B5EF4-FFF2-40B4-BE49-F238E27FC236}">
-                <a16:creationId xmlns:a16="http://schemas.microsoft.com/office/drawing/2014/main" xmlns="" id="{B4A53707-5E94-4D00-D72C-B15639E860D3}"/>
+                <a16:creationId xmlns="" xmlns:a16="http://schemas.microsoft.com/office/drawing/2014/main" id="{B4A53707-5E94-4D00-D72C-B15639E860D3}"/>
               </a:ext>
             </a:extLst>
           </p:cNvPr>
@@ -15041,7 +15041,7 @@
           <p:cNvPr id="5" name="İçerik Yer Tutucusu 2">
             <a:extLst>
               <a:ext uri="{FF2B5EF4-FFF2-40B4-BE49-F238E27FC236}">
-                <a16:creationId xmlns:a16="http://schemas.microsoft.com/office/drawing/2014/main" xmlns="" id="{95B399E2-6035-6066-056D-804E1C081AEC}"/>
+                <a16:creationId xmlns="" xmlns:a16="http://schemas.microsoft.com/office/drawing/2014/main" id="{95B399E2-6035-6066-056D-804E1C081AEC}"/>
               </a:ext>
             </a:extLst>
           </p:cNvPr>
@@ -15347,7 +15347,7 @@
     </p:spTree>
     <p:extLst>
       <p:ext uri="{BB962C8B-B14F-4D97-AF65-F5344CB8AC3E}">
-        <p14:creationId xmlns:p14="http://schemas.microsoft.com/office/powerpoint/2010/main" xmlns="" val="1444931392"/>
+        <p14:creationId xmlns="" xmlns:p14="http://schemas.microsoft.com/office/powerpoint/2010/main" val="1444931392"/>
       </p:ext>
     </p:extLst>
   </p:cSld>
@@ -15410,10 +15410,10 @@
           <p:cNvPr id="8" name="Rectangle 7">
             <a:extLst>
               <a:ext uri="{FF2B5EF4-FFF2-40B4-BE49-F238E27FC236}">
-                <a16:creationId xmlns:a16="http://schemas.microsoft.com/office/drawing/2014/main" xmlns="" id="{0D9B8FD4-CDEB-4EB4-B4DE-C89E11938958}"/>
+                <a16:creationId xmlns="" xmlns:a16="http://schemas.microsoft.com/office/drawing/2014/main" id="{0D9B8FD4-CDEB-4EB4-B4DE-C89E11938958}"/>
               </a:ext>
               <a:ext uri="{C183D7F6-B498-43B3-948B-1728B52AA6E4}">
-                <adec:decorative xmlns:adec="http://schemas.microsoft.com/office/drawing/2017/decorative" xmlns="" val="1"/>
+                <adec:decorative xmlns="" xmlns:adec="http://schemas.microsoft.com/office/drawing/2017/decorative" val="1"/>
               </a:ext>
             </a:extLst>
           </p:cNvPr>
@@ -15423,7 +15423,7 @@
           <p:nvPr>
             <p:extLst>
               <p:ext uri="{386F3935-93C4-4BCD-93E2-E3B085C9AB24}">
-                <p16:designElem xmlns:p16="http://schemas.microsoft.com/office/powerpoint/2015/main" xmlns="" val="1"/>
+                <p16:designElem xmlns="" xmlns:p16="http://schemas.microsoft.com/office/powerpoint/2015/main" val="1"/>
               </p:ext>
             </p:extLst>
           </p:nvPr>
@@ -15470,10 +15470,10 @@
           <p:cNvPr id="10" name="Freeform 36">
             <a:extLst>
               <a:ext uri="{FF2B5EF4-FFF2-40B4-BE49-F238E27FC236}">
-                <a16:creationId xmlns:a16="http://schemas.microsoft.com/office/drawing/2014/main" xmlns="" id="{5A2E3D1D-9E9F-4739-BA14-D4D7FA9FBDD1}"/>
+                <a16:creationId xmlns="" xmlns:a16="http://schemas.microsoft.com/office/drawing/2014/main" id="{5A2E3D1D-9E9F-4739-BA14-D4D7FA9FBDD1}"/>
               </a:ext>
               <a:ext uri="{C183D7F6-B498-43B3-948B-1728B52AA6E4}">
-                <adec:decorative xmlns:adec="http://schemas.microsoft.com/office/drawing/2017/decorative" xmlns="" val="1"/>
+                <adec:decorative xmlns="" xmlns:adec="http://schemas.microsoft.com/office/drawing/2017/decorative" val="1"/>
               </a:ext>
             </a:extLst>
           </p:cNvPr>
@@ -15483,7 +15483,7 @@
           <p:nvPr>
             <p:extLst>
               <p:ext uri="{386F3935-93C4-4BCD-93E2-E3B085C9AB24}">
-                <p16:designElem xmlns:p16="http://schemas.microsoft.com/office/powerpoint/2015/main" xmlns="" val="1"/>
+                <p16:designElem xmlns="" xmlns:p16="http://schemas.microsoft.com/office/powerpoint/2015/main" val="1"/>
               </p:ext>
             </p:extLst>
           </p:nvPr>
@@ -15822,10 +15822,10 @@
           <p:cNvPr id="12" name="Freeform: Shape 11">
             <a:extLst>
               <a:ext uri="{FF2B5EF4-FFF2-40B4-BE49-F238E27FC236}">
-                <a16:creationId xmlns:a16="http://schemas.microsoft.com/office/drawing/2014/main" xmlns="" id="{1FFB365B-E9DC-4859-B8AB-CB83EEBE4E28}"/>
+                <a16:creationId xmlns="" xmlns:a16="http://schemas.microsoft.com/office/drawing/2014/main" id="{1FFB365B-E9DC-4859-B8AB-CB83EEBE4E28}"/>
               </a:ext>
               <a:ext uri="{C183D7F6-B498-43B3-948B-1728B52AA6E4}">
-                <adec:decorative xmlns:adec="http://schemas.microsoft.com/office/drawing/2017/decorative" xmlns="" val="1"/>
+                <adec:decorative xmlns="" xmlns:adec="http://schemas.microsoft.com/office/drawing/2017/decorative" val="1"/>
               </a:ext>
             </a:extLst>
           </p:cNvPr>
@@ -15835,7 +15835,7 @@
           <p:nvPr>
             <p:extLst>
               <p:ext uri="{386F3935-93C4-4BCD-93E2-E3B085C9AB24}">
-                <p16:designElem xmlns:p16="http://schemas.microsoft.com/office/powerpoint/2015/main" xmlns="" val="1"/>
+                <p16:designElem xmlns="" xmlns:p16="http://schemas.microsoft.com/office/powerpoint/2015/main" val="1"/>
               </p:ext>
             </p:extLst>
           </p:nvPr>
@@ -16312,10 +16312,10 @@
           <p:cNvPr id="14" name="Rectangle 13">
             <a:extLst>
               <a:ext uri="{FF2B5EF4-FFF2-40B4-BE49-F238E27FC236}">
-                <a16:creationId xmlns:a16="http://schemas.microsoft.com/office/drawing/2014/main" xmlns="" id="{8ADAB9C8-EB37-4914-A699-C716FC8FE4FE}"/>
+                <a16:creationId xmlns="" xmlns:a16="http://schemas.microsoft.com/office/drawing/2014/main" id="{8ADAB9C8-EB37-4914-A699-C716FC8FE4FE}"/>
               </a:ext>
               <a:ext uri="{C183D7F6-B498-43B3-948B-1728B52AA6E4}">
-                <adec:decorative xmlns:adec="http://schemas.microsoft.com/office/drawing/2017/decorative" xmlns="" val="1"/>
+                <adec:decorative xmlns="" xmlns:adec="http://schemas.microsoft.com/office/drawing/2017/decorative" val="1"/>
               </a:ext>
             </a:extLst>
           </p:cNvPr>
@@ -16325,7 +16325,7 @@
           <p:nvPr>
             <p:extLst>
               <p:ext uri="{386F3935-93C4-4BCD-93E2-E3B085C9AB24}">
-                <p16:designElem xmlns:p16="http://schemas.microsoft.com/office/powerpoint/2015/main" xmlns="" val="1"/>
+                <p16:designElem xmlns="" xmlns:p16="http://schemas.microsoft.com/office/powerpoint/2015/main" val="1"/>
               </p:ext>
             </p:extLst>
           </p:nvPr>
@@ -16365,7 +16365,7 @@
           <p:cNvPr id="2" name="Başlık 1">
             <a:extLst>
               <a:ext uri="{FF2B5EF4-FFF2-40B4-BE49-F238E27FC236}">
-                <a16:creationId xmlns:a16="http://schemas.microsoft.com/office/drawing/2014/main" xmlns="" id="{4E45D578-62A4-A5B2-85EF-AB3D77337321}"/>
+                <a16:creationId xmlns="" xmlns:a16="http://schemas.microsoft.com/office/drawing/2014/main" id="{4E45D578-62A4-A5B2-85EF-AB3D77337321}"/>
               </a:ext>
             </a:extLst>
           </p:cNvPr>
@@ -16421,7 +16421,7 @@
           <p:cNvPr id="3" name="İçerik Yer Tutucusu 2">
             <a:extLst>
               <a:ext uri="{FF2B5EF4-FFF2-40B4-BE49-F238E27FC236}">
-                <a16:creationId xmlns:a16="http://schemas.microsoft.com/office/drawing/2014/main" xmlns="" id="{B4A53707-5E94-4D00-D72C-B15639E860D3}"/>
+                <a16:creationId xmlns="" xmlns:a16="http://schemas.microsoft.com/office/drawing/2014/main" id="{B4A53707-5E94-4D00-D72C-B15639E860D3}"/>
               </a:ext>
             </a:extLst>
           </p:cNvPr>
@@ -17072,7 +17072,7 @@
     </p:spTree>
     <p:extLst>
       <p:ext uri="{BB962C8B-B14F-4D97-AF65-F5344CB8AC3E}">
-        <p14:creationId xmlns:p14="http://schemas.microsoft.com/office/powerpoint/2010/main" xmlns="" val="4268731730"/>
+        <p14:creationId xmlns="" xmlns:p14="http://schemas.microsoft.com/office/powerpoint/2010/main" val="4268731730"/>
       </p:ext>
     </p:extLst>
   </p:cSld>
@@ -17135,10 +17135,10 @@
           <p:cNvPr id="8" name="Rectangle 7">
             <a:extLst>
               <a:ext uri="{FF2B5EF4-FFF2-40B4-BE49-F238E27FC236}">
-                <a16:creationId xmlns:a16="http://schemas.microsoft.com/office/drawing/2014/main" xmlns="" id="{0D9B8FD4-CDEB-4EB4-B4DE-C89E11938958}"/>
+                <a16:creationId xmlns="" xmlns:a16="http://schemas.microsoft.com/office/drawing/2014/main" id="{0D9B8FD4-CDEB-4EB4-B4DE-C89E11938958}"/>
               </a:ext>
               <a:ext uri="{C183D7F6-B498-43B3-948B-1728B52AA6E4}">
-                <adec:decorative xmlns:adec="http://schemas.microsoft.com/office/drawing/2017/decorative" xmlns="" val="1"/>
+                <adec:decorative xmlns="" xmlns:adec="http://schemas.microsoft.com/office/drawing/2017/decorative" val="1"/>
               </a:ext>
             </a:extLst>
           </p:cNvPr>
@@ -17148,7 +17148,7 @@
           <p:nvPr>
             <p:extLst>
               <p:ext uri="{386F3935-93C4-4BCD-93E2-E3B085C9AB24}">
-                <p16:designElem xmlns:p16="http://schemas.microsoft.com/office/powerpoint/2015/main" xmlns="" val="1"/>
+                <p16:designElem xmlns="" xmlns:p16="http://schemas.microsoft.com/office/powerpoint/2015/main" val="1"/>
               </p:ext>
             </p:extLst>
           </p:nvPr>
@@ -17195,10 +17195,10 @@
           <p:cNvPr id="10" name="Freeform 36">
             <a:extLst>
               <a:ext uri="{FF2B5EF4-FFF2-40B4-BE49-F238E27FC236}">
-                <a16:creationId xmlns:a16="http://schemas.microsoft.com/office/drawing/2014/main" xmlns="" id="{5A2E3D1D-9E9F-4739-BA14-D4D7FA9FBDD1}"/>
+                <a16:creationId xmlns="" xmlns:a16="http://schemas.microsoft.com/office/drawing/2014/main" id="{5A2E3D1D-9E9F-4739-BA14-D4D7FA9FBDD1}"/>
               </a:ext>
               <a:ext uri="{C183D7F6-B498-43B3-948B-1728B52AA6E4}">
-                <adec:decorative xmlns:adec="http://schemas.microsoft.com/office/drawing/2017/decorative" xmlns="" val="1"/>
+                <adec:decorative xmlns="" xmlns:adec="http://schemas.microsoft.com/office/drawing/2017/decorative" val="1"/>
               </a:ext>
             </a:extLst>
           </p:cNvPr>
@@ -17208,7 +17208,7 @@
           <p:nvPr>
             <p:extLst>
               <p:ext uri="{386F3935-93C4-4BCD-93E2-E3B085C9AB24}">
-                <p16:designElem xmlns:p16="http://schemas.microsoft.com/office/powerpoint/2015/main" xmlns="" val="1"/>
+                <p16:designElem xmlns="" xmlns:p16="http://schemas.microsoft.com/office/powerpoint/2015/main" val="1"/>
               </p:ext>
             </p:extLst>
           </p:nvPr>
@@ -17547,10 +17547,10 @@
           <p:cNvPr id="12" name="Freeform: Shape 11">
             <a:extLst>
               <a:ext uri="{FF2B5EF4-FFF2-40B4-BE49-F238E27FC236}">
-                <a16:creationId xmlns:a16="http://schemas.microsoft.com/office/drawing/2014/main" xmlns="" id="{1FFB365B-E9DC-4859-B8AB-CB83EEBE4E28}"/>
+                <a16:creationId xmlns="" xmlns:a16="http://schemas.microsoft.com/office/drawing/2014/main" id="{1FFB365B-E9DC-4859-B8AB-CB83EEBE4E28}"/>
               </a:ext>
               <a:ext uri="{C183D7F6-B498-43B3-948B-1728B52AA6E4}">
-                <adec:decorative xmlns:adec="http://schemas.microsoft.com/office/drawing/2017/decorative" xmlns="" val="1"/>
+                <adec:decorative xmlns="" xmlns:adec="http://schemas.microsoft.com/office/drawing/2017/decorative" val="1"/>
               </a:ext>
             </a:extLst>
           </p:cNvPr>
@@ -17560,7 +17560,7 @@
           <p:nvPr>
             <p:extLst>
               <p:ext uri="{386F3935-93C4-4BCD-93E2-E3B085C9AB24}">
-                <p16:designElem xmlns:p16="http://schemas.microsoft.com/office/powerpoint/2015/main" xmlns="" val="1"/>
+                <p16:designElem xmlns="" xmlns:p16="http://schemas.microsoft.com/office/powerpoint/2015/main" val="1"/>
               </p:ext>
             </p:extLst>
           </p:nvPr>
@@ -18037,10 +18037,10 @@
           <p:cNvPr id="14" name="Rectangle 13">
             <a:extLst>
               <a:ext uri="{FF2B5EF4-FFF2-40B4-BE49-F238E27FC236}">
-                <a16:creationId xmlns:a16="http://schemas.microsoft.com/office/drawing/2014/main" xmlns="" id="{8ADAB9C8-EB37-4914-A699-C716FC8FE4FE}"/>
+                <a16:creationId xmlns="" xmlns:a16="http://schemas.microsoft.com/office/drawing/2014/main" id="{8ADAB9C8-EB37-4914-A699-C716FC8FE4FE}"/>
               </a:ext>
               <a:ext uri="{C183D7F6-B498-43B3-948B-1728B52AA6E4}">
-                <adec:decorative xmlns:adec="http://schemas.microsoft.com/office/drawing/2017/decorative" xmlns="" val="1"/>
+                <adec:decorative xmlns="" xmlns:adec="http://schemas.microsoft.com/office/drawing/2017/decorative" val="1"/>
               </a:ext>
             </a:extLst>
           </p:cNvPr>
@@ -18050,7 +18050,7 @@
           <p:nvPr>
             <p:extLst>
               <p:ext uri="{386F3935-93C4-4BCD-93E2-E3B085C9AB24}">
-                <p16:designElem xmlns:p16="http://schemas.microsoft.com/office/powerpoint/2015/main" xmlns="" val="1"/>
+                <p16:designElem xmlns="" xmlns:p16="http://schemas.microsoft.com/office/powerpoint/2015/main" val="1"/>
               </p:ext>
             </p:extLst>
           </p:nvPr>
@@ -18090,7 +18090,7 @@
           <p:cNvPr id="2" name="Başlık 1">
             <a:extLst>
               <a:ext uri="{FF2B5EF4-FFF2-40B4-BE49-F238E27FC236}">
-                <a16:creationId xmlns:a16="http://schemas.microsoft.com/office/drawing/2014/main" xmlns="" id="{4E45D578-62A4-A5B2-85EF-AB3D77337321}"/>
+                <a16:creationId xmlns="" xmlns:a16="http://schemas.microsoft.com/office/drawing/2014/main" id="{4E45D578-62A4-A5B2-85EF-AB3D77337321}"/>
               </a:ext>
             </a:extLst>
           </p:cNvPr>
@@ -18146,7 +18146,7 @@
           <p:cNvPr id="3" name="İçerik Yer Tutucusu 2">
             <a:extLst>
               <a:ext uri="{FF2B5EF4-FFF2-40B4-BE49-F238E27FC236}">
-                <a16:creationId xmlns:a16="http://schemas.microsoft.com/office/drawing/2014/main" xmlns="" id="{B4A53707-5E94-4D00-D72C-B15639E860D3}"/>
+                <a16:creationId xmlns="" xmlns:a16="http://schemas.microsoft.com/office/drawing/2014/main" id="{B4A53707-5E94-4D00-D72C-B15639E860D3}"/>
               </a:ext>
             </a:extLst>
           </p:cNvPr>
@@ -18578,7 +18578,7 @@
     </p:spTree>
     <p:extLst>
       <p:ext uri="{BB962C8B-B14F-4D97-AF65-F5344CB8AC3E}">
-        <p14:creationId xmlns:p14="http://schemas.microsoft.com/office/powerpoint/2010/main" xmlns="" val="3655957923"/>
+        <p14:creationId xmlns="" xmlns:p14="http://schemas.microsoft.com/office/powerpoint/2010/main" val="3655957923"/>
       </p:ext>
     </p:extLst>
   </p:cSld>
@@ -18641,10 +18641,10 @@
           <p:cNvPr id="8" name="Rectangle 7">
             <a:extLst>
               <a:ext uri="{FF2B5EF4-FFF2-40B4-BE49-F238E27FC236}">
-                <a16:creationId xmlns:a16="http://schemas.microsoft.com/office/drawing/2014/main" xmlns="" id="{0D9B8FD4-CDEB-4EB4-B4DE-C89E11938958}"/>
+                <a16:creationId xmlns="" xmlns:a16="http://schemas.microsoft.com/office/drawing/2014/main" id="{0D9B8FD4-CDEB-4EB4-B4DE-C89E11938958}"/>
               </a:ext>
               <a:ext uri="{C183D7F6-B498-43B3-948B-1728B52AA6E4}">
-                <adec:decorative xmlns:adec="http://schemas.microsoft.com/office/drawing/2017/decorative" xmlns="" val="1"/>
+                <adec:decorative xmlns="" xmlns:adec="http://schemas.microsoft.com/office/drawing/2017/decorative" val="1"/>
               </a:ext>
             </a:extLst>
           </p:cNvPr>
@@ -18654,7 +18654,7 @@
           <p:nvPr>
             <p:extLst>
               <p:ext uri="{386F3935-93C4-4BCD-93E2-E3B085C9AB24}">
-                <p16:designElem xmlns:p16="http://schemas.microsoft.com/office/powerpoint/2015/main" xmlns="" val="1"/>
+                <p16:designElem xmlns="" xmlns:p16="http://schemas.microsoft.com/office/powerpoint/2015/main" val="1"/>
               </p:ext>
             </p:extLst>
           </p:nvPr>
@@ -18701,10 +18701,10 @@
           <p:cNvPr id="10" name="Freeform 36">
             <a:extLst>
               <a:ext uri="{FF2B5EF4-FFF2-40B4-BE49-F238E27FC236}">
-                <a16:creationId xmlns:a16="http://schemas.microsoft.com/office/drawing/2014/main" xmlns="" id="{5A2E3D1D-9E9F-4739-BA14-D4D7FA9FBDD1}"/>
+                <a16:creationId xmlns="" xmlns:a16="http://schemas.microsoft.com/office/drawing/2014/main" id="{5A2E3D1D-9E9F-4739-BA14-D4D7FA9FBDD1}"/>
               </a:ext>
               <a:ext uri="{C183D7F6-B498-43B3-948B-1728B52AA6E4}">
-                <adec:decorative xmlns:adec="http://schemas.microsoft.com/office/drawing/2017/decorative" xmlns="" val="1"/>
+                <adec:decorative xmlns="" xmlns:adec="http://schemas.microsoft.com/office/drawing/2017/decorative" val="1"/>
               </a:ext>
             </a:extLst>
           </p:cNvPr>
@@ -18714,7 +18714,7 @@
           <p:nvPr>
             <p:extLst>
               <p:ext uri="{386F3935-93C4-4BCD-93E2-E3B085C9AB24}">
-                <p16:designElem xmlns:p16="http://schemas.microsoft.com/office/powerpoint/2015/main" xmlns="" val="1"/>
+                <p16:designElem xmlns="" xmlns:p16="http://schemas.microsoft.com/office/powerpoint/2015/main" val="1"/>
               </p:ext>
             </p:extLst>
           </p:nvPr>
@@ -19053,10 +19053,10 @@
           <p:cNvPr id="12" name="Freeform: Shape 11">
             <a:extLst>
               <a:ext uri="{FF2B5EF4-FFF2-40B4-BE49-F238E27FC236}">
-                <a16:creationId xmlns:a16="http://schemas.microsoft.com/office/drawing/2014/main" xmlns="" id="{1FFB365B-E9DC-4859-B8AB-CB83EEBE4E28}"/>
+                <a16:creationId xmlns="" xmlns:a16="http://schemas.microsoft.com/office/drawing/2014/main" id="{1FFB365B-E9DC-4859-B8AB-CB83EEBE4E28}"/>
               </a:ext>
               <a:ext uri="{C183D7F6-B498-43B3-948B-1728B52AA6E4}">
-                <adec:decorative xmlns:adec="http://schemas.microsoft.com/office/drawing/2017/decorative" xmlns="" val="1"/>
+                <adec:decorative xmlns="" xmlns:adec="http://schemas.microsoft.com/office/drawing/2017/decorative" val="1"/>
               </a:ext>
             </a:extLst>
           </p:cNvPr>
@@ -19066,7 +19066,7 @@
           <p:nvPr>
             <p:extLst>
               <p:ext uri="{386F3935-93C4-4BCD-93E2-E3B085C9AB24}">
-                <p16:designElem xmlns:p16="http://schemas.microsoft.com/office/powerpoint/2015/main" xmlns="" val="1"/>
+                <p16:designElem xmlns="" xmlns:p16="http://schemas.microsoft.com/office/powerpoint/2015/main" val="1"/>
               </p:ext>
             </p:extLst>
           </p:nvPr>
@@ -19543,10 +19543,10 @@
           <p:cNvPr id="14" name="Rectangle 13">
             <a:extLst>
               <a:ext uri="{FF2B5EF4-FFF2-40B4-BE49-F238E27FC236}">
-                <a16:creationId xmlns:a16="http://schemas.microsoft.com/office/drawing/2014/main" xmlns="" id="{8ADAB9C8-EB37-4914-A699-C716FC8FE4FE}"/>
+                <a16:creationId xmlns="" xmlns:a16="http://schemas.microsoft.com/office/drawing/2014/main" id="{8ADAB9C8-EB37-4914-A699-C716FC8FE4FE}"/>
               </a:ext>
               <a:ext uri="{C183D7F6-B498-43B3-948B-1728B52AA6E4}">
-                <adec:decorative xmlns:adec="http://schemas.microsoft.com/office/drawing/2017/decorative" xmlns="" val="1"/>
+                <adec:decorative xmlns="" xmlns:adec="http://schemas.microsoft.com/office/drawing/2017/decorative" val="1"/>
               </a:ext>
             </a:extLst>
           </p:cNvPr>
@@ -19556,7 +19556,7 @@
           <p:nvPr>
             <p:extLst>
               <p:ext uri="{386F3935-93C4-4BCD-93E2-E3B085C9AB24}">
-                <p16:designElem xmlns:p16="http://schemas.microsoft.com/office/powerpoint/2015/main" xmlns="" val="1"/>
+                <p16:designElem xmlns="" xmlns:p16="http://schemas.microsoft.com/office/powerpoint/2015/main" val="1"/>
               </p:ext>
             </p:extLst>
           </p:nvPr>
@@ -19596,7 +19596,7 @@
           <p:cNvPr id="2" name="Başlık 1">
             <a:extLst>
               <a:ext uri="{FF2B5EF4-FFF2-40B4-BE49-F238E27FC236}">
-                <a16:creationId xmlns:a16="http://schemas.microsoft.com/office/drawing/2014/main" xmlns="" id="{4E45D578-62A4-A5B2-85EF-AB3D77337321}"/>
+                <a16:creationId xmlns="" xmlns:a16="http://schemas.microsoft.com/office/drawing/2014/main" id="{4E45D578-62A4-A5B2-85EF-AB3D77337321}"/>
               </a:ext>
             </a:extLst>
           </p:cNvPr>
@@ -19660,7 +19660,7 @@
           <p:cNvPr id="3" name="İçerik Yer Tutucusu 2">
             <a:extLst>
               <a:ext uri="{FF2B5EF4-FFF2-40B4-BE49-F238E27FC236}">
-                <a16:creationId xmlns:a16="http://schemas.microsoft.com/office/drawing/2014/main" xmlns="" id="{B4A53707-5E94-4D00-D72C-B15639E860D3}"/>
+                <a16:creationId xmlns="" xmlns:a16="http://schemas.microsoft.com/office/drawing/2014/main" id="{B4A53707-5E94-4D00-D72C-B15639E860D3}"/>
               </a:ext>
             </a:extLst>
           </p:cNvPr>
@@ -20466,7 +20466,7 @@
     </p:spTree>
     <p:extLst>
       <p:ext uri="{BB962C8B-B14F-4D97-AF65-F5344CB8AC3E}">
-        <p14:creationId xmlns:p14="http://schemas.microsoft.com/office/powerpoint/2010/main" xmlns="" val="686345420"/>
+        <p14:creationId xmlns="" xmlns:p14="http://schemas.microsoft.com/office/powerpoint/2010/main" val="686345420"/>
       </p:ext>
     </p:extLst>
   </p:cSld>
@@ -20505,10 +20505,10 @@
           <p:cNvPr id="8" name="Rectangle 7">
             <a:extLst>
               <a:ext uri="{FF2B5EF4-FFF2-40B4-BE49-F238E27FC236}">
-                <a16:creationId xmlns:a16="http://schemas.microsoft.com/office/drawing/2014/main" xmlns="" id="{0D9B8FD4-CDEB-4EB4-B4DE-C89E11938958}"/>
+                <a16:creationId xmlns="" xmlns:a16="http://schemas.microsoft.com/office/drawing/2014/main" id="{0D9B8FD4-CDEB-4EB4-B4DE-C89E11938958}"/>
               </a:ext>
               <a:ext uri="{C183D7F6-B498-43B3-948B-1728B52AA6E4}">
-                <adec:decorative xmlns:adec="http://schemas.microsoft.com/office/drawing/2017/decorative" xmlns="" val="1"/>
+                <adec:decorative xmlns="" xmlns:adec="http://schemas.microsoft.com/office/drawing/2017/decorative" val="1"/>
               </a:ext>
             </a:extLst>
           </p:cNvPr>
@@ -20518,7 +20518,7 @@
           <p:nvPr>
             <p:extLst>
               <p:ext uri="{386F3935-93C4-4BCD-93E2-E3B085C9AB24}">
-                <p16:designElem xmlns:p16="http://schemas.microsoft.com/office/powerpoint/2015/main" xmlns="" val="1"/>
+                <p16:designElem xmlns="" xmlns:p16="http://schemas.microsoft.com/office/powerpoint/2015/main" val="1"/>
               </p:ext>
             </p:extLst>
           </p:nvPr>
@@ -20565,10 +20565,10 @@
           <p:cNvPr id="10" name="Freeform 36">
             <a:extLst>
               <a:ext uri="{FF2B5EF4-FFF2-40B4-BE49-F238E27FC236}">
-                <a16:creationId xmlns:a16="http://schemas.microsoft.com/office/drawing/2014/main" xmlns="" id="{5A2E3D1D-9E9F-4739-BA14-D4D7FA9FBDD1}"/>
+                <a16:creationId xmlns="" xmlns:a16="http://schemas.microsoft.com/office/drawing/2014/main" id="{5A2E3D1D-9E9F-4739-BA14-D4D7FA9FBDD1}"/>
               </a:ext>
               <a:ext uri="{C183D7F6-B498-43B3-948B-1728B52AA6E4}">
-                <adec:decorative xmlns:adec="http://schemas.microsoft.com/office/drawing/2017/decorative" xmlns="" val="1"/>
+                <adec:decorative xmlns="" xmlns:adec="http://schemas.microsoft.com/office/drawing/2017/decorative" val="1"/>
               </a:ext>
             </a:extLst>
           </p:cNvPr>
@@ -20578,7 +20578,7 @@
           <p:nvPr>
             <p:extLst>
               <p:ext uri="{386F3935-93C4-4BCD-93E2-E3B085C9AB24}">
-                <p16:designElem xmlns:p16="http://schemas.microsoft.com/office/powerpoint/2015/main" xmlns="" val="1"/>
+                <p16:designElem xmlns="" xmlns:p16="http://schemas.microsoft.com/office/powerpoint/2015/main" val="1"/>
               </p:ext>
             </p:extLst>
           </p:nvPr>
@@ -20917,10 +20917,10 @@
           <p:cNvPr id="12" name="Freeform: Shape 11">
             <a:extLst>
               <a:ext uri="{FF2B5EF4-FFF2-40B4-BE49-F238E27FC236}">
-                <a16:creationId xmlns:a16="http://schemas.microsoft.com/office/drawing/2014/main" xmlns="" id="{1FFB365B-E9DC-4859-B8AB-CB83EEBE4E28}"/>
+                <a16:creationId xmlns="" xmlns:a16="http://schemas.microsoft.com/office/drawing/2014/main" id="{1FFB365B-E9DC-4859-B8AB-CB83EEBE4E28}"/>
               </a:ext>
               <a:ext uri="{C183D7F6-B498-43B3-948B-1728B52AA6E4}">
-                <adec:decorative xmlns:adec="http://schemas.microsoft.com/office/drawing/2017/decorative" xmlns="" val="1"/>
+                <adec:decorative xmlns="" xmlns:adec="http://schemas.microsoft.com/office/drawing/2017/decorative" val="1"/>
               </a:ext>
             </a:extLst>
           </p:cNvPr>
@@ -20930,7 +20930,7 @@
           <p:nvPr>
             <p:extLst>
               <p:ext uri="{386F3935-93C4-4BCD-93E2-E3B085C9AB24}">
-                <p16:designElem xmlns:p16="http://schemas.microsoft.com/office/powerpoint/2015/main" xmlns="" val="1"/>
+                <p16:designElem xmlns="" xmlns:p16="http://schemas.microsoft.com/office/powerpoint/2015/main" val="1"/>
               </p:ext>
             </p:extLst>
           </p:nvPr>
@@ -21407,10 +21407,10 @@
           <p:cNvPr id="14" name="Rectangle 13">
             <a:extLst>
               <a:ext uri="{FF2B5EF4-FFF2-40B4-BE49-F238E27FC236}">
-                <a16:creationId xmlns:a16="http://schemas.microsoft.com/office/drawing/2014/main" xmlns="" id="{8ADAB9C8-EB37-4914-A699-C716FC8FE4FE}"/>
+                <a16:creationId xmlns="" xmlns:a16="http://schemas.microsoft.com/office/drawing/2014/main" id="{8ADAB9C8-EB37-4914-A699-C716FC8FE4FE}"/>
               </a:ext>
               <a:ext uri="{C183D7F6-B498-43B3-948B-1728B52AA6E4}">
-                <adec:decorative xmlns:adec="http://schemas.microsoft.com/office/drawing/2017/decorative" xmlns="" val="1"/>
+                <adec:decorative xmlns="" xmlns:adec="http://schemas.microsoft.com/office/drawing/2017/decorative" val="1"/>
               </a:ext>
             </a:extLst>
           </p:cNvPr>
@@ -21420,7 +21420,7 @@
           <p:nvPr>
             <p:extLst>
               <p:ext uri="{386F3935-93C4-4BCD-93E2-E3B085C9AB24}">
-                <p16:designElem xmlns:p16="http://schemas.microsoft.com/office/powerpoint/2015/main" xmlns="" val="1"/>
+                <p16:designElem xmlns="" xmlns:p16="http://schemas.microsoft.com/office/powerpoint/2015/main" val="1"/>
               </p:ext>
             </p:extLst>
           </p:nvPr>
@@ -21460,7 +21460,7 @@
           <p:cNvPr id="2" name="Başlık 1">
             <a:extLst>
               <a:ext uri="{FF2B5EF4-FFF2-40B4-BE49-F238E27FC236}">
-                <a16:creationId xmlns:a16="http://schemas.microsoft.com/office/drawing/2014/main" xmlns="" id="{4E45D578-62A4-A5B2-85EF-AB3D77337321}"/>
+                <a16:creationId xmlns="" xmlns:a16="http://schemas.microsoft.com/office/drawing/2014/main" id="{4E45D578-62A4-A5B2-85EF-AB3D77337321}"/>
               </a:ext>
             </a:extLst>
           </p:cNvPr>
@@ -21556,7 +21556,7 @@
           <p:cNvPr id="3" name="İçerik Yer Tutucusu 2">
             <a:extLst>
               <a:ext uri="{FF2B5EF4-FFF2-40B4-BE49-F238E27FC236}">
-                <a16:creationId xmlns:a16="http://schemas.microsoft.com/office/drawing/2014/main" xmlns="" id="{B4A53707-5E94-4D00-D72C-B15639E860D3}"/>
+                <a16:creationId xmlns="" xmlns:a16="http://schemas.microsoft.com/office/drawing/2014/main" id="{B4A53707-5E94-4D00-D72C-B15639E860D3}"/>
               </a:ext>
             </a:extLst>
           </p:cNvPr>
@@ -21956,7 +21956,7 @@
           <p:cNvPr id="5" name="İçerik Yer Tutucusu 2">
             <a:extLst>
               <a:ext uri="{FF2B5EF4-FFF2-40B4-BE49-F238E27FC236}">
-                <a16:creationId xmlns:a16="http://schemas.microsoft.com/office/drawing/2014/main" xmlns="" id="{95B399E2-6035-6066-056D-804E1C081AEC}"/>
+                <a16:creationId xmlns="" xmlns:a16="http://schemas.microsoft.com/office/drawing/2014/main" id="{95B399E2-6035-6066-056D-804E1C081AEC}"/>
               </a:ext>
             </a:extLst>
           </p:cNvPr>
@@ -22262,7 +22262,7 @@
     </p:spTree>
     <p:extLst>
       <p:ext uri="{BB962C8B-B14F-4D97-AF65-F5344CB8AC3E}">
-        <p14:creationId xmlns:p14="http://schemas.microsoft.com/office/powerpoint/2010/main" xmlns="" val="1444931392"/>
+        <p14:creationId xmlns="" xmlns:p14="http://schemas.microsoft.com/office/powerpoint/2010/main" val="1444931392"/>
       </p:ext>
     </p:extLst>
   </p:cSld>
@@ -22301,10 +22301,10 @@
           <p:cNvPr id="8" name="Rectangle 7">
             <a:extLst>
               <a:ext uri="{FF2B5EF4-FFF2-40B4-BE49-F238E27FC236}">
-                <a16:creationId xmlns:a16="http://schemas.microsoft.com/office/drawing/2014/main" xmlns="" id="{0D9B8FD4-CDEB-4EB4-B4DE-C89E11938958}"/>
+                <a16:creationId xmlns="" xmlns:a16="http://schemas.microsoft.com/office/drawing/2014/main" id="{0D9B8FD4-CDEB-4EB4-B4DE-C89E11938958}"/>
               </a:ext>
               <a:ext uri="{C183D7F6-B498-43B3-948B-1728B52AA6E4}">
-                <adec:decorative xmlns:adec="http://schemas.microsoft.com/office/drawing/2017/decorative" xmlns="" val="1"/>
+                <adec:decorative xmlns="" xmlns:adec="http://schemas.microsoft.com/office/drawing/2017/decorative" val="1"/>
               </a:ext>
             </a:extLst>
           </p:cNvPr>
@@ -22314,7 +22314,7 @@
           <p:nvPr>
             <p:extLst>
               <p:ext uri="{386F3935-93C4-4BCD-93E2-E3B085C9AB24}">
-                <p16:designElem xmlns:p16="http://schemas.microsoft.com/office/powerpoint/2015/main" xmlns="" val="1"/>
+                <p16:designElem xmlns="" xmlns:p16="http://schemas.microsoft.com/office/powerpoint/2015/main" val="1"/>
               </p:ext>
             </p:extLst>
           </p:nvPr>
@@ -22361,10 +22361,10 @@
           <p:cNvPr id="10" name="Freeform 36">
             <a:extLst>
               <a:ext uri="{FF2B5EF4-FFF2-40B4-BE49-F238E27FC236}">
-                <a16:creationId xmlns:a16="http://schemas.microsoft.com/office/drawing/2014/main" xmlns="" id="{5A2E3D1D-9E9F-4739-BA14-D4D7FA9FBDD1}"/>
+                <a16:creationId xmlns="" xmlns:a16="http://schemas.microsoft.com/office/drawing/2014/main" id="{5A2E3D1D-9E9F-4739-BA14-D4D7FA9FBDD1}"/>
               </a:ext>
               <a:ext uri="{C183D7F6-B498-43B3-948B-1728B52AA6E4}">
-                <adec:decorative xmlns:adec="http://schemas.microsoft.com/office/drawing/2017/decorative" xmlns="" val="1"/>
+                <adec:decorative xmlns="" xmlns:adec="http://schemas.microsoft.com/office/drawing/2017/decorative" val="1"/>
               </a:ext>
             </a:extLst>
           </p:cNvPr>
@@ -22374,7 +22374,7 @@
           <p:nvPr>
             <p:extLst>
               <p:ext uri="{386F3935-93C4-4BCD-93E2-E3B085C9AB24}">
-                <p16:designElem xmlns:p16="http://schemas.microsoft.com/office/powerpoint/2015/main" xmlns="" val="1"/>
+                <p16:designElem xmlns="" xmlns:p16="http://schemas.microsoft.com/office/powerpoint/2015/main" val="1"/>
               </p:ext>
             </p:extLst>
           </p:nvPr>
@@ -22713,10 +22713,10 @@
           <p:cNvPr id="12" name="Freeform: Shape 11">
             <a:extLst>
               <a:ext uri="{FF2B5EF4-FFF2-40B4-BE49-F238E27FC236}">
-                <a16:creationId xmlns:a16="http://schemas.microsoft.com/office/drawing/2014/main" xmlns="" id="{1FFB365B-E9DC-4859-B8AB-CB83EEBE4E28}"/>
+                <a16:creationId xmlns="" xmlns:a16="http://schemas.microsoft.com/office/drawing/2014/main" id="{1FFB365B-E9DC-4859-B8AB-CB83EEBE4E28}"/>
               </a:ext>
               <a:ext uri="{C183D7F6-B498-43B3-948B-1728B52AA6E4}">
-                <adec:decorative xmlns:adec="http://schemas.microsoft.com/office/drawing/2017/decorative" xmlns="" val="1"/>
+                <adec:decorative xmlns="" xmlns:adec="http://schemas.microsoft.com/office/drawing/2017/decorative" val="1"/>
               </a:ext>
             </a:extLst>
           </p:cNvPr>
@@ -22726,7 +22726,7 @@
           <p:nvPr>
             <p:extLst>
               <p:ext uri="{386F3935-93C4-4BCD-93E2-E3B085C9AB24}">
-                <p16:designElem xmlns:p16="http://schemas.microsoft.com/office/powerpoint/2015/main" xmlns="" val="1"/>
+                <p16:designElem xmlns="" xmlns:p16="http://schemas.microsoft.com/office/powerpoint/2015/main" val="1"/>
               </p:ext>
             </p:extLst>
           </p:nvPr>
@@ -23203,10 +23203,10 @@
           <p:cNvPr id="14" name="Rectangle 13">
             <a:extLst>
               <a:ext uri="{FF2B5EF4-FFF2-40B4-BE49-F238E27FC236}">
-                <a16:creationId xmlns:a16="http://schemas.microsoft.com/office/drawing/2014/main" xmlns="" id="{8ADAB9C8-EB37-4914-A699-C716FC8FE4FE}"/>
+                <a16:creationId xmlns="" xmlns:a16="http://schemas.microsoft.com/office/drawing/2014/main" id="{8ADAB9C8-EB37-4914-A699-C716FC8FE4FE}"/>
               </a:ext>
               <a:ext uri="{C183D7F6-B498-43B3-948B-1728B52AA6E4}">
-                <adec:decorative xmlns:adec="http://schemas.microsoft.com/office/drawing/2017/decorative" xmlns="" val="1"/>
+                <adec:decorative xmlns="" xmlns:adec="http://schemas.microsoft.com/office/drawing/2017/decorative" val="1"/>
               </a:ext>
             </a:extLst>
           </p:cNvPr>
@@ -23216,7 +23216,7 @@
           <p:nvPr>
             <p:extLst>
               <p:ext uri="{386F3935-93C4-4BCD-93E2-E3B085C9AB24}">
-                <p16:designElem xmlns:p16="http://schemas.microsoft.com/office/powerpoint/2015/main" xmlns="" val="1"/>
+                <p16:designElem xmlns="" xmlns:p16="http://schemas.microsoft.com/office/powerpoint/2015/main" val="1"/>
               </p:ext>
             </p:extLst>
           </p:nvPr>
@@ -23256,7 +23256,7 @@
           <p:cNvPr id="2" name="Başlık 1">
             <a:extLst>
               <a:ext uri="{FF2B5EF4-FFF2-40B4-BE49-F238E27FC236}">
-                <a16:creationId xmlns:a16="http://schemas.microsoft.com/office/drawing/2014/main" xmlns="" id="{4E45D578-62A4-A5B2-85EF-AB3D77337321}"/>
+                <a16:creationId xmlns="" xmlns:a16="http://schemas.microsoft.com/office/drawing/2014/main" id="{4E45D578-62A4-A5B2-85EF-AB3D77337321}"/>
               </a:ext>
             </a:extLst>
           </p:cNvPr>
@@ -23359,7 +23359,7 @@
           <p:cNvPr id="3" name="İçerik Yer Tutucusu 2">
             <a:extLst>
               <a:ext uri="{FF2B5EF4-FFF2-40B4-BE49-F238E27FC236}">
-                <a16:creationId xmlns:a16="http://schemas.microsoft.com/office/drawing/2014/main" xmlns="" id="{B4A53707-5E94-4D00-D72C-B15639E860D3}"/>
+                <a16:creationId xmlns="" xmlns:a16="http://schemas.microsoft.com/office/drawing/2014/main" id="{B4A53707-5E94-4D00-D72C-B15639E860D3}"/>
               </a:ext>
             </a:extLst>
           </p:cNvPr>
@@ -23814,7 +23814,7 @@
     </p:spTree>
     <p:extLst>
       <p:ext uri="{BB962C8B-B14F-4D97-AF65-F5344CB8AC3E}">
-        <p14:creationId xmlns:p14="http://schemas.microsoft.com/office/powerpoint/2010/main" xmlns="" val="3655957923"/>
+        <p14:creationId xmlns="" xmlns:p14="http://schemas.microsoft.com/office/powerpoint/2010/main" val="3655957923"/>
       </p:ext>
     </p:extLst>
   </p:cSld>
@@ -24091,7 +24091,7 @@
   <a:extraClrSchemeLst/>
   <a:extLst>
     <a:ext uri="{05A4C25C-085E-4340-85A3-A5531E510DB2}">
-      <thm15:themeFamily xmlns:thm15="http://schemas.microsoft.com/office/thememl/2012/main" xmlns="" name="Ion" id="{B8441ADB-2E43-4AF7-B97A-BD870242C6A8}" vid="{292E63A9-BB86-4E3D-B92A-7223C6510D2E}"/>
+      <thm15:themeFamily xmlns="" xmlns:thm15="http://schemas.microsoft.com/office/thememl/2012/main" name="Ion" id="{B8441ADB-2E43-4AF7-B97A-BD870242C6A8}" vid="{292E63A9-BB86-4E3D-B92A-7223C6510D2E}"/>
     </a:ext>
   </a:extLst>
 </a:theme>

--- a/Proje Sunum.pptx
+++ b/Proje Sunum.pptx
@@ -117,7 +117,7 @@
   </p:defaultTextStyle>
   <p:extLst>
     <p:ext uri="{EFAFB233-063F-42B5-8137-9DF3F51BA10A}">
-      <p15:sldGuideLst xmlns="" xmlns:p15="http://schemas.microsoft.com/office/powerpoint/2012/main"/>
+      <p15:sldGuideLst xmlns:p15="http://schemas.microsoft.com/office/powerpoint/2012/main" xmlns=""/>
     </p:ext>
   </p:extLst>
 </p:presentation>
@@ -318,7 +318,7 @@
             <a:fld id="{4AAD347D-5ACD-4C99-B74B-A9C85AD731AF}" type="datetimeFigureOut">
               <a:rPr lang="en-US" dirty="0"/>
               <a:pPr/>
-              <a:t>11/15/2022</a:t>
+              <a:t>11/17/2022</a:t>
             </a:fld>
             <a:endParaRPr lang="en-US" dirty="0"/>
           </a:p>
@@ -370,7 +370,7 @@
     </p:spTree>
     <p:extLst>
       <p:ext uri="{BB962C8B-B14F-4D97-AF65-F5344CB8AC3E}">
-        <p14:creationId xmlns="" xmlns:p14="http://schemas.microsoft.com/office/powerpoint/2010/main" val="2254084792"/>
+        <p14:creationId xmlns:p14="http://schemas.microsoft.com/office/powerpoint/2010/main" xmlns="" val="2254084792"/>
       </p:ext>
     </p:extLst>
   </p:cSld>
@@ -590,7 +590,7 @@
             <a:fld id="{4509A250-FF31-4206-8172-F9D3106AACB1}" type="datetimeFigureOut">
               <a:rPr lang="en-US" dirty="0"/>
               <a:pPr/>
-              <a:t>11/15/2022</a:t>
+              <a:t>11/17/2022</a:t>
             </a:fld>
             <a:endParaRPr lang="en-US" dirty="0"/>
           </a:p>
@@ -642,7 +642,7 @@
     </p:spTree>
     <p:extLst>
       <p:ext uri="{BB962C8B-B14F-4D97-AF65-F5344CB8AC3E}">
-        <p14:creationId xmlns="" xmlns:p14="http://schemas.microsoft.com/office/powerpoint/2010/main" val="2654568743"/>
+        <p14:creationId xmlns:p14="http://schemas.microsoft.com/office/powerpoint/2010/main" xmlns="" val="2654568743"/>
       </p:ext>
     </p:extLst>
   </p:cSld>
@@ -785,7 +785,7 @@
             <a:fld id="{4509A250-FF31-4206-8172-F9D3106AACB1}" type="datetimeFigureOut">
               <a:rPr lang="en-US" dirty="0"/>
               <a:pPr/>
-              <a:t>11/15/2022</a:t>
+              <a:t>11/17/2022</a:t>
             </a:fld>
             <a:endParaRPr lang="en-US" dirty="0"/>
           </a:p>
@@ -837,7 +837,7 @@
     </p:spTree>
     <p:extLst>
       <p:ext uri="{BB962C8B-B14F-4D97-AF65-F5344CB8AC3E}">
-        <p14:creationId xmlns="" xmlns:p14="http://schemas.microsoft.com/office/powerpoint/2010/main" val="3586117780"/>
+        <p14:creationId xmlns:p14="http://schemas.microsoft.com/office/powerpoint/2010/main" xmlns="" val="3586117780"/>
       </p:ext>
     </p:extLst>
   </p:cSld>
@@ -1059,7 +1059,7 @@
             <a:fld id="{4509A250-FF31-4206-8172-F9D3106AACB1}" type="datetimeFigureOut">
               <a:rPr lang="en-US" dirty="0"/>
               <a:pPr/>
-              <a:t>11/15/2022</a:t>
+              <a:t>11/17/2022</a:t>
             </a:fld>
             <a:endParaRPr lang="en-US" dirty="0"/>
           </a:p>
@@ -1205,7 +1205,7 @@
     </p:spTree>
     <p:extLst>
       <p:ext uri="{BB962C8B-B14F-4D97-AF65-F5344CB8AC3E}">
-        <p14:creationId xmlns="" xmlns:p14="http://schemas.microsoft.com/office/powerpoint/2010/main" val="862634667"/>
+        <p14:creationId xmlns:p14="http://schemas.microsoft.com/office/powerpoint/2010/main" xmlns="" val="862634667"/>
       </p:ext>
     </p:extLst>
   </p:cSld>
@@ -1401,7 +1401,7 @@
             <a:fld id="{4509A250-FF31-4206-8172-F9D3106AACB1}" type="datetimeFigureOut">
               <a:rPr lang="en-US" dirty="0"/>
               <a:pPr/>
-              <a:t>11/15/2022</a:t>
+              <a:t>11/17/2022</a:t>
             </a:fld>
             <a:endParaRPr lang="en-US" dirty="0"/>
           </a:p>
@@ -1453,7 +1453,7 @@
     </p:spTree>
     <p:extLst>
       <p:ext uri="{BB962C8B-B14F-4D97-AF65-F5344CB8AC3E}">
-        <p14:creationId xmlns="" xmlns:p14="http://schemas.microsoft.com/office/powerpoint/2010/main" val="4257264900"/>
+        <p14:creationId xmlns:p14="http://schemas.microsoft.com/office/powerpoint/2010/main" xmlns="" val="4257264900"/>
       </p:ext>
     </p:extLst>
   </p:cSld>
@@ -2025,7 +2025,7 @@
             <a:fld id="{4509A250-FF31-4206-8172-F9D3106AACB1}" type="datetimeFigureOut">
               <a:rPr lang="en-US" dirty="0"/>
               <a:pPr/>
-              <a:t>11/15/2022</a:t>
+              <a:t>11/17/2022</a:t>
             </a:fld>
             <a:endParaRPr lang="en-US" dirty="0"/>
           </a:p>
@@ -2077,7 +2077,7 @@
     </p:spTree>
     <p:extLst>
       <p:ext uri="{BB962C8B-B14F-4D97-AF65-F5344CB8AC3E}">
-        <p14:creationId xmlns="" xmlns:p14="http://schemas.microsoft.com/office/powerpoint/2010/main" val="836080638"/>
+        <p14:creationId xmlns:p14="http://schemas.microsoft.com/office/powerpoint/2010/main" xmlns="" val="836080638"/>
       </p:ext>
     </p:extLst>
   </p:cSld>
@@ -2874,7 +2874,7 @@
             <a:fld id="{4509A250-FF31-4206-8172-F9D3106AACB1}" type="datetimeFigureOut">
               <a:rPr lang="en-US" dirty="0"/>
               <a:pPr/>
-              <a:t>11/15/2022</a:t>
+              <a:t>11/17/2022</a:t>
             </a:fld>
             <a:endParaRPr lang="en-US" dirty="0"/>
           </a:p>
@@ -2926,7 +2926,7 @@
     </p:spTree>
     <p:extLst>
       <p:ext uri="{BB962C8B-B14F-4D97-AF65-F5344CB8AC3E}">
-        <p14:creationId xmlns="" xmlns:p14="http://schemas.microsoft.com/office/powerpoint/2010/main" val="3323339623"/>
+        <p14:creationId xmlns:p14="http://schemas.microsoft.com/office/powerpoint/2010/main" xmlns="" val="3323339623"/>
       </p:ext>
     </p:extLst>
   </p:cSld>
@@ -3044,7 +3044,7 @@
             <a:fld id="{4509A250-FF31-4206-8172-F9D3106AACB1}" type="datetimeFigureOut">
               <a:rPr lang="en-US" dirty="0"/>
               <a:pPr/>
-              <a:t>11/15/2022</a:t>
+              <a:t>11/17/2022</a:t>
             </a:fld>
             <a:endParaRPr lang="en-US" dirty="0"/>
           </a:p>
@@ -3096,7 +3096,7 @@
     </p:spTree>
     <p:extLst>
       <p:ext uri="{BB962C8B-B14F-4D97-AF65-F5344CB8AC3E}">
-        <p14:creationId xmlns="" xmlns:p14="http://schemas.microsoft.com/office/powerpoint/2010/main" val="1832952344"/>
+        <p14:creationId xmlns:p14="http://schemas.microsoft.com/office/powerpoint/2010/main" xmlns="" val="1832952344"/>
       </p:ext>
     </p:extLst>
   </p:cSld>
@@ -3224,7 +3224,7 @@
             <a:fld id="{4509A250-FF31-4206-8172-F9D3106AACB1}" type="datetimeFigureOut">
               <a:rPr lang="en-US" dirty="0"/>
               <a:pPr/>
-              <a:t>11/15/2022</a:t>
+              <a:t>11/17/2022</a:t>
             </a:fld>
             <a:endParaRPr lang="en-US" dirty="0"/>
           </a:p>
@@ -3276,7 +3276,7 @@
     </p:spTree>
     <p:extLst>
       <p:ext uri="{BB962C8B-B14F-4D97-AF65-F5344CB8AC3E}">
-        <p14:creationId xmlns="" xmlns:p14="http://schemas.microsoft.com/office/powerpoint/2010/main" val="2940627593"/>
+        <p14:creationId xmlns:p14="http://schemas.microsoft.com/office/powerpoint/2010/main" xmlns="" val="2940627593"/>
       </p:ext>
     </p:extLst>
   </p:cSld>
@@ -3394,7 +3394,7 @@
             <a:fld id="{4509A250-FF31-4206-8172-F9D3106AACB1}" type="datetimeFigureOut">
               <a:rPr lang="en-US" dirty="0"/>
               <a:pPr/>
-              <a:t>11/15/2022</a:t>
+              <a:t>11/17/2022</a:t>
             </a:fld>
             <a:endParaRPr lang="en-US" dirty="0"/>
           </a:p>
@@ -3446,7 +3446,7 @@
     </p:spTree>
     <p:extLst>
       <p:ext uri="{BB962C8B-B14F-4D97-AF65-F5344CB8AC3E}">
-        <p14:creationId xmlns="" xmlns:p14="http://schemas.microsoft.com/office/powerpoint/2010/main" val="3689649559"/>
+        <p14:creationId xmlns:p14="http://schemas.microsoft.com/office/powerpoint/2010/main" xmlns="" val="3689649559"/>
       </p:ext>
     </p:extLst>
   </p:cSld>
@@ -3642,7 +3642,7 @@
             <a:fld id="{9796027F-7875-4030-9381-8BD8C4F21935}" type="datetimeFigureOut">
               <a:rPr lang="en-US" dirty="0"/>
               <a:pPr/>
-              <a:t>11/15/2022</a:t>
+              <a:t>11/17/2022</a:t>
             </a:fld>
             <a:endParaRPr lang="en-US" dirty="0"/>
           </a:p>
@@ -3694,7 +3694,7 @@
     </p:spTree>
     <p:extLst>
       <p:ext uri="{BB962C8B-B14F-4D97-AF65-F5344CB8AC3E}">
-        <p14:creationId xmlns="" xmlns:p14="http://schemas.microsoft.com/office/powerpoint/2010/main" val="837868047"/>
+        <p14:creationId xmlns:p14="http://schemas.microsoft.com/office/powerpoint/2010/main" xmlns="" val="837868047"/>
       </p:ext>
     </p:extLst>
   </p:cSld>
@@ -3933,7 +3933,7 @@
             <a:fld id="{9796027F-7875-4030-9381-8BD8C4F21935}" type="datetimeFigureOut">
               <a:rPr lang="en-US" dirty="0"/>
               <a:pPr/>
-              <a:t>11/15/2022</a:t>
+              <a:t>11/17/2022</a:t>
             </a:fld>
             <a:endParaRPr lang="en-US" dirty="0"/>
           </a:p>
@@ -3985,7 +3985,7 @@
     </p:spTree>
     <p:extLst>
       <p:ext uri="{BB962C8B-B14F-4D97-AF65-F5344CB8AC3E}">
-        <p14:creationId xmlns="" xmlns:p14="http://schemas.microsoft.com/office/powerpoint/2010/main" val="4000229937"/>
+        <p14:creationId xmlns:p14="http://schemas.microsoft.com/office/powerpoint/2010/main" xmlns="" val="4000229937"/>
       </p:ext>
     </p:extLst>
   </p:cSld>
@@ -4376,7 +4376,7 @@
             <a:fld id="{9796027F-7875-4030-9381-8BD8C4F21935}" type="datetimeFigureOut">
               <a:rPr lang="en-US" dirty="0"/>
               <a:pPr/>
-              <a:t>11/15/2022</a:t>
+              <a:t>11/17/2022</a:t>
             </a:fld>
             <a:endParaRPr lang="en-US" dirty="0"/>
           </a:p>
@@ -4428,7 +4428,7 @@
     </p:spTree>
     <p:extLst>
       <p:ext uri="{BB962C8B-B14F-4D97-AF65-F5344CB8AC3E}">
-        <p14:creationId xmlns="" xmlns:p14="http://schemas.microsoft.com/office/powerpoint/2010/main" val="3196192440"/>
+        <p14:creationId xmlns:p14="http://schemas.microsoft.com/office/powerpoint/2010/main" xmlns="" val="3196192440"/>
       </p:ext>
     </p:extLst>
   </p:cSld>
@@ -4495,7 +4495,7 @@
             <a:fld id="{4509A250-FF31-4206-8172-F9D3106AACB1}" type="datetimeFigureOut">
               <a:rPr lang="en-US" dirty="0"/>
               <a:pPr/>
-              <a:t>11/15/2022</a:t>
+              <a:t>11/17/2022</a:t>
             </a:fld>
             <a:endParaRPr lang="en-US" dirty="0"/>
           </a:p>
@@ -4547,7 +4547,7 @@
     </p:spTree>
     <p:extLst>
       <p:ext uri="{BB962C8B-B14F-4D97-AF65-F5344CB8AC3E}">
-        <p14:creationId xmlns="" xmlns:p14="http://schemas.microsoft.com/office/powerpoint/2010/main" val="125619223"/>
+        <p14:creationId xmlns:p14="http://schemas.microsoft.com/office/powerpoint/2010/main" xmlns="" val="125619223"/>
       </p:ext>
     </p:extLst>
   </p:cSld>
@@ -4592,7 +4592,7 @@
             <a:fld id="{4509A250-FF31-4206-8172-F9D3106AACB1}" type="datetimeFigureOut">
               <a:rPr lang="en-US" dirty="0"/>
               <a:pPr/>
-              <a:t>11/15/2022</a:t>
+              <a:t>11/17/2022</a:t>
             </a:fld>
             <a:endParaRPr lang="en-US" dirty="0"/>
           </a:p>
@@ -4644,7 +4644,7 @@
     </p:spTree>
     <p:extLst>
       <p:ext uri="{BB962C8B-B14F-4D97-AF65-F5344CB8AC3E}">
-        <p14:creationId xmlns="" xmlns:p14="http://schemas.microsoft.com/office/powerpoint/2010/main" val="3418342862"/>
+        <p14:creationId xmlns:p14="http://schemas.microsoft.com/office/powerpoint/2010/main" xmlns="" val="3418342862"/>
       </p:ext>
     </p:extLst>
   </p:cSld>
@@ -4871,7 +4871,7 @@
             <a:fld id="{4509A250-FF31-4206-8172-F9D3106AACB1}" type="datetimeFigureOut">
               <a:rPr lang="en-US" dirty="0"/>
               <a:pPr/>
-              <a:t>11/15/2022</a:t>
+              <a:t>11/17/2022</a:t>
             </a:fld>
             <a:endParaRPr lang="en-US" dirty="0"/>
           </a:p>
@@ -4923,7 +4923,7 @@
     </p:spTree>
     <p:extLst>
       <p:ext uri="{BB962C8B-B14F-4D97-AF65-F5344CB8AC3E}">
-        <p14:creationId xmlns="" xmlns:p14="http://schemas.microsoft.com/office/powerpoint/2010/main" val="2893213198"/>
+        <p14:creationId xmlns:p14="http://schemas.microsoft.com/office/powerpoint/2010/main" xmlns="" val="2893213198"/>
       </p:ext>
     </p:extLst>
   </p:cSld>
@@ -5143,7 +5143,7 @@
             <a:fld id="{4509A250-FF31-4206-8172-F9D3106AACB1}" type="datetimeFigureOut">
               <a:rPr lang="en-US" dirty="0"/>
               <a:pPr/>
-              <a:t>11/15/2022</a:t>
+              <a:t>11/17/2022</a:t>
             </a:fld>
             <a:endParaRPr lang="en-US" dirty="0"/>
           </a:p>
@@ -5195,7 +5195,7 @@
     </p:spTree>
     <p:extLst>
       <p:ext uri="{BB962C8B-B14F-4D97-AF65-F5344CB8AC3E}">
-        <p14:creationId xmlns="" xmlns:p14="http://schemas.microsoft.com/office/powerpoint/2010/main" val="2355492052"/>
+        <p14:creationId xmlns:p14="http://schemas.microsoft.com/office/powerpoint/2010/main" xmlns="" val="2355492052"/>
       </p:ext>
     </p:extLst>
   </p:cSld>
@@ -5239,7 +5239,7 @@
           <a:blip r:embed="rId19">
             <a:extLst>
               <a:ext uri="{28A0092B-C50C-407E-A947-70E740481C1C}">
-                <a14:useLocalDpi xmlns="" xmlns:a14="http://schemas.microsoft.com/office/drawing/2010/main" val="0"/>
+                <a14:useLocalDpi xmlns:a14="http://schemas.microsoft.com/office/drawing/2010/main" xmlns="" val="0"/>
               </a:ext>
             </a:extLst>
           </a:blip>
@@ -5268,7 +5268,7 @@
           <a:blip r:embed="rId20">
             <a:extLst>
               <a:ext uri="{28A0092B-C50C-407E-A947-70E740481C1C}">
-                <a14:useLocalDpi xmlns="" xmlns:a14="http://schemas.microsoft.com/office/drawing/2010/main" val="0"/>
+                <a14:useLocalDpi xmlns:a14="http://schemas.microsoft.com/office/drawing/2010/main" xmlns="" val="0"/>
               </a:ext>
             </a:extLst>
           </a:blip>
@@ -5360,7 +5360,7 @@
           <a:blip r:embed="rId21">
             <a:extLst>
               <a:ext uri="{28A0092B-C50C-407E-A947-70E740481C1C}">
-                <a14:useLocalDpi xmlns="" xmlns:a14="http://schemas.microsoft.com/office/drawing/2010/main" val="0"/>
+                <a14:useLocalDpi xmlns:a14="http://schemas.microsoft.com/office/drawing/2010/main" xmlns="" val="0"/>
               </a:ext>
             </a:extLst>
           </a:blip>
@@ -5389,7 +5389,7 @@
           <a:blip r:embed="rId22">
             <a:extLst>
               <a:ext uri="{28A0092B-C50C-407E-A947-70E740481C1C}">
-                <a14:useLocalDpi xmlns="" xmlns:a14="http://schemas.microsoft.com/office/drawing/2010/main" val="0"/>
+                <a14:useLocalDpi xmlns:a14="http://schemas.microsoft.com/office/drawing/2010/main" xmlns="" val="0"/>
               </a:ext>
             </a:extLst>
           </a:blip>
@@ -5572,7 +5572,7 @@
             <a:fld id="{4AAD347D-5ACD-4C99-B74B-A9C85AD731AF}" type="datetimeFigureOut">
               <a:rPr lang="en-US" dirty="0"/>
               <a:pPr/>
-              <a:t>11/15/2022</a:t>
+              <a:t>11/17/2022</a:t>
             </a:fld>
             <a:endParaRPr lang="en-US" dirty="0"/>
           </a:p>
@@ -5661,7 +5661,7 @@
     </p:spTree>
     <p:extLst>
       <p:ext uri="{BB962C8B-B14F-4D97-AF65-F5344CB8AC3E}">
-        <p14:creationId xmlns="" xmlns:p14="http://schemas.microsoft.com/office/powerpoint/2010/main" val="2073951621"/>
+        <p14:creationId xmlns:p14="http://schemas.microsoft.com/office/powerpoint/2010/main" xmlns="" val="2073951621"/>
       </p:ext>
     </p:extLst>
   </p:cSld>
@@ -6136,10 +6136,10 @@
           <p:cNvPr id="19" name="Rectangle 18">
             <a:extLst>
               <a:ext uri="{FF2B5EF4-FFF2-40B4-BE49-F238E27FC236}">
-                <a16:creationId xmlns="" xmlns:a16="http://schemas.microsoft.com/office/drawing/2014/main" id="{DE27238C-8EAF-4098-86E6-7723B7DAE601}"/>
+                <a16:creationId xmlns:a16="http://schemas.microsoft.com/office/drawing/2014/main" xmlns="" id="{DE27238C-8EAF-4098-86E6-7723B7DAE601}"/>
               </a:ext>
               <a:ext uri="{C183D7F6-B498-43B3-948B-1728B52AA6E4}">
-                <adec:decorative xmlns="" xmlns:adec="http://schemas.microsoft.com/office/drawing/2017/decorative" val="1"/>
+                <adec:decorative xmlns:adec="http://schemas.microsoft.com/office/drawing/2017/decorative" xmlns="" val="1"/>
               </a:ext>
             </a:extLst>
           </p:cNvPr>
@@ -6149,7 +6149,7 @@
           <p:nvPr>
             <p:extLst>
               <p:ext uri="{386F3935-93C4-4BCD-93E2-E3B085C9AB24}">
-                <p16:designElem xmlns="" xmlns:p16="http://schemas.microsoft.com/office/powerpoint/2015/main" val="1"/>
+                <p16:designElem xmlns:p16="http://schemas.microsoft.com/office/powerpoint/2015/main" xmlns="" val="1"/>
               </p:ext>
             </p:extLst>
           </p:nvPr>
@@ -6199,10 +6199,10 @@
           <p:cNvPr id="21" name="Freeform 36">
             <a:extLst>
               <a:ext uri="{FF2B5EF4-FFF2-40B4-BE49-F238E27FC236}">
-                <a16:creationId xmlns="" xmlns:a16="http://schemas.microsoft.com/office/drawing/2014/main" id="{992F97B1-1891-4FCC-9E5F-BA97EDB48F89}"/>
+                <a16:creationId xmlns:a16="http://schemas.microsoft.com/office/drawing/2014/main" xmlns="" id="{992F97B1-1891-4FCC-9E5F-BA97EDB48F89}"/>
               </a:ext>
               <a:ext uri="{C183D7F6-B498-43B3-948B-1728B52AA6E4}">
-                <adec:decorative xmlns="" xmlns:adec="http://schemas.microsoft.com/office/drawing/2017/decorative" val="1"/>
+                <adec:decorative xmlns:adec="http://schemas.microsoft.com/office/drawing/2017/decorative" xmlns="" val="1"/>
               </a:ext>
             </a:extLst>
           </p:cNvPr>
@@ -6212,7 +6212,7 @@
           <p:nvPr>
             <p:extLst>
               <p:ext uri="{386F3935-93C4-4BCD-93E2-E3B085C9AB24}">
-                <p16:designElem xmlns="" xmlns:p16="http://schemas.microsoft.com/office/powerpoint/2015/main" val="1"/>
+                <p16:designElem xmlns:p16="http://schemas.microsoft.com/office/powerpoint/2015/main" xmlns="" val="1"/>
               </p:ext>
             </p:extLst>
           </p:nvPr>
@@ -6553,10 +6553,10 @@
           <p:cNvPr id="23" name="Freeform: Shape 22">
             <a:extLst>
               <a:ext uri="{FF2B5EF4-FFF2-40B4-BE49-F238E27FC236}">
-                <a16:creationId xmlns="" xmlns:a16="http://schemas.microsoft.com/office/drawing/2014/main" id="{78C6C821-FEE1-4EB6-9590-C021440C77DE}"/>
+                <a16:creationId xmlns:a16="http://schemas.microsoft.com/office/drawing/2014/main" xmlns="" id="{78C6C821-FEE1-4EB6-9590-C021440C77DE}"/>
               </a:ext>
               <a:ext uri="{C183D7F6-B498-43B3-948B-1728B52AA6E4}">
-                <adec:decorative xmlns="" xmlns:adec="http://schemas.microsoft.com/office/drawing/2017/decorative" val="1"/>
+                <adec:decorative xmlns:adec="http://schemas.microsoft.com/office/drawing/2017/decorative" xmlns="" val="1"/>
               </a:ext>
             </a:extLst>
           </p:cNvPr>
@@ -6566,7 +6566,7 @@
           <p:nvPr>
             <p:extLst>
               <p:ext uri="{386F3935-93C4-4BCD-93E2-E3B085C9AB24}">
-                <p16:designElem xmlns="" xmlns:p16="http://schemas.microsoft.com/office/powerpoint/2015/main" val="1"/>
+                <p16:designElem xmlns:p16="http://schemas.microsoft.com/office/powerpoint/2015/main" xmlns="" val="1"/>
               </p:ext>
             </p:extLst>
           </p:nvPr>
@@ -7311,10 +7311,10 @@
           <p:cNvPr id="25" name="Rectangle 24">
             <a:extLst>
               <a:ext uri="{FF2B5EF4-FFF2-40B4-BE49-F238E27FC236}">
-                <a16:creationId xmlns="" xmlns:a16="http://schemas.microsoft.com/office/drawing/2014/main" id="{B61A74B3-E247-44D4-8C48-FAE8E2056401}"/>
+                <a16:creationId xmlns:a16="http://schemas.microsoft.com/office/drawing/2014/main" xmlns="" id="{B61A74B3-E247-44D4-8C48-FAE8E2056401}"/>
               </a:ext>
               <a:ext uri="{C183D7F6-B498-43B3-948B-1728B52AA6E4}">
-                <adec:decorative xmlns="" xmlns:adec="http://schemas.microsoft.com/office/drawing/2017/decorative" val="1"/>
+                <adec:decorative xmlns:adec="http://schemas.microsoft.com/office/drawing/2017/decorative" xmlns="" val="1"/>
               </a:ext>
             </a:extLst>
           </p:cNvPr>
@@ -7324,7 +7324,7 @@
           <p:nvPr>
             <p:extLst>
               <p:ext uri="{386F3935-93C4-4BCD-93E2-E3B085C9AB24}">
-                <p16:designElem xmlns="" xmlns:p16="http://schemas.microsoft.com/office/powerpoint/2015/main" val="1"/>
+                <p16:designElem xmlns:p16="http://schemas.microsoft.com/office/powerpoint/2015/main" xmlns="" val="1"/>
               </p:ext>
             </p:extLst>
           </p:nvPr>
@@ -7362,7 +7362,7 @@
     </p:spTree>
     <p:extLst>
       <p:ext uri="{BB962C8B-B14F-4D97-AF65-F5344CB8AC3E}">
-        <p14:creationId xmlns="" xmlns:p14="http://schemas.microsoft.com/office/powerpoint/2010/main" val="2299734367"/>
+        <p14:creationId xmlns:p14="http://schemas.microsoft.com/office/powerpoint/2010/main" xmlns="" val="2299734367"/>
       </p:ext>
     </p:extLst>
   </p:cSld>
@@ -7597,10 +7597,10 @@
           <p:cNvPr id="8" name="Rectangle 7">
             <a:extLst>
               <a:ext uri="{FF2B5EF4-FFF2-40B4-BE49-F238E27FC236}">
-                <a16:creationId xmlns="" xmlns:a16="http://schemas.microsoft.com/office/drawing/2014/main" id="{0D9B8FD4-CDEB-4EB4-B4DE-C89E11938958}"/>
+                <a16:creationId xmlns:a16="http://schemas.microsoft.com/office/drawing/2014/main" xmlns="" id="{0D9B8FD4-CDEB-4EB4-B4DE-C89E11938958}"/>
               </a:ext>
               <a:ext uri="{C183D7F6-B498-43B3-948B-1728B52AA6E4}">
-                <adec:decorative xmlns="" xmlns:adec="http://schemas.microsoft.com/office/drawing/2017/decorative" val="1"/>
+                <adec:decorative xmlns:adec="http://schemas.microsoft.com/office/drawing/2017/decorative" xmlns="" val="1"/>
               </a:ext>
             </a:extLst>
           </p:cNvPr>
@@ -7610,7 +7610,7 @@
           <p:nvPr>
             <p:extLst>
               <p:ext uri="{386F3935-93C4-4BCD-93E2-E3B085C9AB24}">
-                <p16:designElem xmlns="" xmlns:p16="http://schemas.microsoft.com/office/powerpoint/2015/main" val="1"/>
+                <p16:designElem xmlns:p16="http://schemas.microsoft.com/office/powerpoint/2015/main" xmlns="" val="1"/>
               </p:ext>
             </p:extLst>
           </p:nvPr>
@@ -7657,10 +7657,10 @@
           <p:cNvPr id="10" name="Freeform 36">
             <a:extLst>
               <a:ext uri="{FF2B5EF4-FFF2-40B4-BE49-F238E27FC236}">
-                <a16:creationId xmlns="" xmlns:a16="http://schemas.microsoft.com/office/drawing/2014/main" id="{5A2E3D1D-9E9F-4739-BA14-D4D7FA9FBDD1}"/>
+                <a16:creationId xmlns:a16="http://schemas.microsoft.com/office/drawing/2014/main" xmlns="" id="{5A2E3D1D-9E9F-4739-BA14-D4D7FA9FBDD1}"/>
               </a:ext>
               <a:ext uri="{C183D7F6-B498-43B3-948B-1728B52AA6E4}">
-                <adec:decorative xmlns="" xmlns:adec="http://schemas.microsoft.com/office/drawing/2017/decorative" val="1"/>
+                <adec:decorative xmlns:adec="http://schemas.microsoft.com/office/drawing/2017/decorative" xmlns="" val="1"/>
               </a:ext>
             </a:extLst>
           </p:cNvPr>
@@ -7670,7 +7670,7 @@
           <p:nvPr>
             <p:extLst>
               <p:ext uri="{386F3935-93C4-4BCD-93E2-E3B085C9AB24}">
-                <p16:designElem xmlns="" xmlns:p16="http://schemas.microsoft.com/office/powerpoint/2015/main" val="1"/>
+                <p16:designElem xmlns:p16="http://schemas.microsoft.com/office/powerpoint/2015/main" xmlns="" val="1"/>
               </p:ext>
             </p:extLst>
           </p:nvPr>
@@ -8009,10 +8009,10 @@
           <p:cNvPr id="12" name="Freeform: Shape 11">
             <a:extLst>
               <a:ext uri="{FF2B5EF4-FFF2-40B4-BE49-F238E27FC236}">
-                <a16:creationId xmlns="" xmlns:a16="http://schemas.microsoft.com/office/drawing/2014/main" id="{1FFB365B-E9DC-4859-B8AB-CB83EEBE4E28}"/>
+                <a16:creationId xmlns:a16="http://schemas.microsoft.com/office/drawing/2014/main" xmlns="" id="{1FFB365B-E9DC-4859-B8AB-CB83EEBE4E28}"/>
               </a:ext>
               <a:ext uri="{C183D7F6-B498-43B3-948B-1728B52AA6E4}">
-                <adec:decorative xmlns="" xmlns:adec="http://schemas.microsoft.com/office/drawing/2017/decorative" val="1"/>
+                <adec:decorative xmlns:adec="http://schemas.microsoft.com/office/drawing/2017/decorative" xmlns="" val="1"/>
               </a:ext>
             </a:extLst>
           </p:cNvPr>
@@ -8022,7 +8022,7 @@
           <p:nvPr>
             <p:extLst>
               <p:ext uri="{386F3935-93C4-4BCD-93E2-E3B085C9AB24}">
-                <p16:designElem xmlns="" xmlns:p16="http://schemas.microsoft.com/office/powerpoint/2015/main" val="1"/>
+                <p16:designElem xmlns:p16="http://schemas.microsoft.com/office/powerpoint/2015/main" xmlns="" val="1"/>
               </p:ext>
             </p:extLst>
           </p:nvPr>
@@ -8499,10 +8499,10 @@
           <p:cNvPr id="14" name="Rectangle 13">
             <a:extLst>
               <a:ext uri="{FF2B5EF4-FFF2-40B4-BE49-F238E27FC236}">
-                <a16:creationId xmlns="" xmlns:a16="http://schemas.microsoft.com/office/drawing/2014/main" id="{8ADAB9C8-EB37-4914-A699-C716FC8FE4FE}"/>
+                <a16:creationId xmlns:a16="http://schemas.microsoft.com/office/drawing/2014/main" xmlns="" id="{8ADAB9C8-EB37-4914-A699-C716FC8FE4FE}"/>
               </a:ext>
               <a:ext uri="{C183D7F6-B498-43B3-948B-1728B52AA6E4}">
-                <adec:decorative xmlns="" xmlns:adec="http://schemas.microsoft.com/office/drawing/2017/decorative" val="1"/>
+                <adec:decorative xmlns:adec="http://schemas.microsoft.com/office/drawing/2017/decorative" xmlns="" val="1"/>
               </a:ext>
             </a:extLst>
           </p:cNvPr>
@@ -8512,7 +8512,7 @@
           <p:nvPr>
             <p:extLst>
               <p:ext uri="{386F3935-93C4-4BCD-93E2-E3B085C9AB24}">
-                <p16:designElem xmlns="" xmlns:p16="http://schemas.microsoft.com/office/powerpoint/2015/main" val="1"/>
+                <p16:designElem xmlns:p16="http://schemas.microsoft.com/office/powerpoint/2015/main" xmlns="" val="1"/>
               </p:ext>
             </p:extLst>
           </p:nvPr>
@@ -8552,7 +8552,7 @@
           <p:cNvPr id="2" name="Başlık 1">
             <a:extLst>
               <a:ext uri="{FF2B5EF4-FFF2-40B4-BE49-F238E27FC236}">
-                <a16:creationId xmlns="" xmlns:a16="http://schemas.microsoft.com/office/drawing/2014/main" id="{4E45D578-62A4-A5B2-85EF-AB3D77337321}"/>
+                <a16:creationId xmlns:a16="http://schemas.microsoft.com/office/drawing/2014/main" xmlns="" id="{4E45D578-62A4-A5B2-85EF-AB3D77337321}"/>
               </a:ext>
             </a:extLst>
           </p:cNvPr>
@@ -8640,7 +8640,7 @@
           <p:cNvPr id="3" name="İçerik Yer Tutucusu 2">
             <a:extLst>
               <a:ext uri="{FF2B5EF4-FFF2-40B4-BE49-F238E27FC236}">
-                <a16:creationId xmlns="" xmlns:a16="http://schemas.microsoft.com/office/drawing/2014/main" id="{B4A53707-5E94-4D00-D72C-B15639E860D3}"/>
+                <a16:creationId xmlns:a16="http://schemas.microsoft.com/office/drawing/2014/main" xmlns="" id="{B4A53707-5E94-4D00-D72C-B15639E860D3}"/>
               </a:ext>
             </a:extLst>
           </p:cNvPr>
@@ -9305,7 +9305,7 @@
     </p:spTree>
     <p:extLst>
       <p:ext uri="{BB962C8B-B14F-4D97-AF65-F5344CB8AC3E}">
-        <p14:creationId xmlns="" xmlns:p14="http://schemas.microsoft.com/office/powerpoint/2010/main" val="686345420"/>
+        <p14:creationId xmlns:p14="http://schemas.microsoft.com/office/powerpoint/2010/main" xmlns="" val="686345420"/>
       </p:ext>
     </p:extLst>
   </p:cSld>
@@ -9368,10 +9368,10 @@
           <p:cNvPr id="8" name="Rectangle 7">
             <a:extLst>
               <a:ext uri="{FF2B5EF4-FFF2-40B4-BE49-F238E27FC236}">
-                <a16:creationId xmlns="" xmlns:a16="http://schemas.microsoft.com/office/drawing/2014/main" id="{0D9B8FD4-CDEB-4EB4-B4DE-C89E11938958}"/>
+                <a16:creationId xmlns:a16="http://schemas.microsoft.com/office/drawing/2014/main" xmlns="" id="{0D9B8FD4-CDEB-4EB4-B4DE-C89E11938958}"/>
               </a:ext>
               <a:ext uri="{C183D7F6-B498-43B3-948B-1728B52AA6E4}">
-                <adec:decorative xmlns="" xmlns:adec="http://schemas.microsoft.com/office/drawing/2017/decorative" val="1"/>
+                <adec:decorative xmlns:adec="http://schemas.microsoft.com/office/drawing/2017/decorative" xmlns="" val="1"/>
               </a:ext>
             </a:extLst>
           </p:cNvPr>
@@ -9381,7 +9381,7 @@
           <p:nvPr>
             <p:extLst>
               <p:ext uri="{386F3935-93C4-4BCD-93E2-E3B085C9AB24}">
-                <p16:designElem xmlns="" xmlns:p16="http://schemas.microsoft.com/office/powerpoint/2015/main" val="1"/>
+                <p16:designElem xmlns:p16="http://schemas.microsoft.com/office/powerpoint/2015/main" xmlns="" val="1"/>
               </p:ext>
             </p:extLst>
           </p:nvPr>
@@ -9428,10 +9428,10 @@
           <p:cNvPr id="10" name="Freeform 36">
             <a:extLst>
               <a:ext uri="{FF2B5EF4-FFF2-40B4-BE49-F238E27FC236}">
-                <a16:creationId xmlns="" xmlns:a16="http://schemas.microsoft.com/office/drawing/2014/main" id="{5A2E3D1D-9E9F-4739-BA14-D4D7FA9FBDD1}"/>
+                <a16:creationId xmlns:a16="http://schemas.microsoft.com/office/drawing/2014/main" xmlns="" id="{5A2E3D1D-9E9F-4739-BA14-D4D7FA9FBDD1}"/>
               </a:ext>
               <a:ext uri="{C183D7F6-B498-43B3-948B-1728B52AA6E4}">
-                <adec:decorative xmlns="" xmlns:adec="http://schemas.microsoft.com/office/drawing/2017/decorative" val="1"/>
+                <adec:decorative xmlns:adec="http://schemas.microsoft.com/office/drawing/2017/decorative" xmlns="" val="1"/>
               </a:ext>
             </a:extLst>
           </p:cNvPr>
@@ -9441,7 +9441,7 @@
           <p:nvPr>
             <p:extLst>
               <p:ext uri="{386F3935-93C4-4BCD-93E2-E3B085C9AB24}">
-                <p16:designElem xmlns="" xmlns:p16="http://schemas.microsoft.com/office/powerpoint/2015/main" val="1"/>
+                <p16:designElem xmlns:p16="http://schemas.microsoft.com/office/powerpoint/2015/main" xmlns="" val="1"/>
               </p:ext>
             </p:extLst>
           </p:nvPr>
@@ -9780,10 +9780,10 @@
           <p:cNvPr id="12" name="Freeform: Shape 11">
             <a:extLst>
               <a:ext uri="{FF2B5EF4-FFF2-40B4-BE49-F238E27FC236}">
-                <a16:creationId xmlns="" xmlns:a16="http://schemas.microsoft.com/office/drawing/2014/main" id="{1FFB365B-E9DC-4859-B8AB-CB83EEBE4E28}"/>
+                <a16:creationId xmlns:a16="http://schemas.microsoft.com/office/drawing/2014/main" xmlns="" id="{1FFB365B-E9DC-4859-B8AB-CB83EEBE4E28}"/>
               </a:ext>
               <a:ext uri="{C183D7F6-B498-43B3-948B-1728B52AA6E4}">
-                <adec:decorative xmlns="" xmlns:adec="http://schemas.microsoft.com/office/drawing/2017/decorative" val="1"/>
+                <adec:decorative xmlns:adec="http://schemas.microsoft.com/office/drawing/2017/decorative" xmlns="" val="1"/>
               </a:ext>
             </a:extLst>
           </p:cNvPr>
@@ -9793,7 +9793,7 @@
           <p:nvPr>
             <p:extLst>
               <p:ext uri="{386F3935-93C4-4BCD-93E2-E3B085C9AB24}">
-                <p16:designElem xmlns="" xmlns:p16="http://schemas.microsoft.com/office/powerpoint/2015/main" val="1"/>
+                <p16:designElem xmlns:p16="http://schemas.microsoft.com/office/powerpoint/2015/main" xmlns="" val="1"/>
               </p:ext>
             </p:extLst>
           </p:nvPr>
@@ -10270,10 +10270,10 @@
           <p:cNvPr id="14" name="Rectangle 13">
             <a:extLst>
               <a:ext uri="{FF2B5EF4-FFF2-40B4-BE49-F238E27FC236}">
-                <a16:creationId xmlns="" xmlns:a16="http://schemas.microsoft.com/office/drawing/2014/main" id="{8ADAB9C8-EB37-4914-A699-C716FC8FE4FE}"/>
+                <a16:creationId xmlns:a16="http://schemas.microsoft.com/office/drawing/2014/main" xmlns="" id="{8ADAB9C8-EB37-4914-A699-C716FC8FE4FE}"/>
               </a:ext>
               <a:ext uri="{C183D7F6-B498-43B3-948B-1728B52AA6E4}">
-                <adec:decorative xmlns="" xmlns:adec="http://schemas.microsoft.com/office/drawing/2017/decorative" val="1"/>
+                <adec:decorative xmlns:adec="http://schemas.microsoft.com/office/drawing/2017/decorative" xmlns="" val="1"/>
               </a:ext>
             </a:extLst>
           </p:cNvPr>
@@ -10283,7 +10283,7 @@
           <p:nvPr>
             <p:extLst>
               <p:ext uri="{386F3935-93C4-4BCD-93E2-E3B085C9AB24}">
-                <p16:designElem xmlns="" xmlns:p16="http://schemas.microsoft.com/office/powerpoint/2015/main" val="1"/>
+                <p16:designElem xmlns:p16="http://schemas.microsoft.com/office/powerpoint/2015/main" xmlns="" val="1"/>
               </p:ext>
             </p:extLst>
           </p:nvPr>
@@ -10323,7 +10323,7 @@
           <p:cNvPr id="2" name="Başlık 1">
             <a:extLst>
               <a:ext uri="{FF2B5EF4-FFF2-40B4-BE49-F238E27FC236}">
-                <a16:creationId xmlns="" xmlns:a16="http://schemas.microsoft.com/office/drawing/2014/main" id="{4E45D578-62A4-A5B2-85EF-AB3D77337321}"/>
+                <a16:creationId xmlns:a16="http://schemas.microsoft.com/office/drawing/2014/main" xmlns="" id="{4E45D578-62A4-A5B2-85EF-AB3D77337321}"/>
               </a:ext>
             </a:extLst>
           </p:cNvPr>
@@ -10395,7 +10395,7 @@
           <p:cNvPr id="3" name="İçerik Yer Tutucusu 2">
             <a:extLst>
               <a:ext uri="{FF2B5EF4-FFF2-40B4-BE49-F238E27FC236}">
-                <a16:creationId xmlns="" xmlns:a16="http://schemas.microsoft.com/office/drawing/2014/main" id="{B4A53707-5E94-4D00-D72C-B15639E860D3}"/>
+                <a16:creationId xmlns:a16="http://schemas.microsoft.com/office/drawing/2014/main" xmlns="" id="{B4A53707-5E94-4D00-D72C-B15639E860D3}"/>
               </a:ext>
             </a:extLst>
           </p:cNvPr>
@@ -10696,7 +10696,7 @@
     </p:spTree>
     <p:extLst>
       <p:ext uri="{BB962C8B-B14F-4D97-AF65-F5344CB8AC3E}">
-        <p14:creationId xmlns="" xmlns:p14="http://schemas.microsoft.com/office/powerpoint/2010/main" val="746760588"/>
+        <p14:creationId xmlns:p14="http://schemas.microsoft.com/office/powerpoint/2010/main" xmlns="" val="746760588"/>
       </p:ext>
     </p:extLst>
   </p:cSld>
@@ -10806,10 +10806,10 @@
           <p:cNvPr id="19" name="Rectangle 18">
             <a:extLst>
               <a:ext uri="{FF2B5EF4-FFF2-40B4-BE49-F238E27FC236}">
-                <a16:creationId xmlns="" xmlns:a16="http://schemas.microsoft.com/office/drawing/2014/main" id="{74CD14DB-BB81-479F-A1FC-1C75640E9F84}"/>
+                <a16:creationId xmlns:a16="http://schemas.microsoft.com/office/drawing/2014/main" xmlns="" id="{74CD14DB-BB81-479F-A1FC-1C75640E9F84}"/>
               </a:ext>
               <a:ext uri="{C183D7F6-B498-43B3-948B-1728B52AA6E4}">
-                <adec:decorative xmlns="" xmlns:adec="http://schemas.microsoft.com/office/drawing/2017/decorative" val="1"/>
+                <adec:decorative xmlns:adec="http://schemas.microsoft.com/office/drawing/2017/decorative" xmlns="" val="1"/>
               </a:ext>
             </a:extLst>
           </p:cNvPr>
@@ -10819,7 +10819,7 @@
           <p:nvPr>
             <p:extLst>
               <p:ext uri="{386F3935-93C4-4BCD-93E2-E3B085C9AB24}">
-                <p16:designElem xmlns="" xmlns:p16="http://schemas.microsoft.com/office/powerpoint/2015/main" val="1"/>
+                <p16:designElem xmlns:p16="http://schemas.microsoft.com/office/powerpoint/2015/main" xmlns="" val="1"/>
               </p:ext>
             </p:extLst>
           </p:nvPr>
@@ -10895,10 +10895,10 @@
           <p:cNvPr id="21" name="Rectangle 20">
             <a:extLst>
               <a:ext uri="{FF2B5EF4-FFF2-40B4-BE49-F238E27FC236}">
-                <a16:creationId xmlns="" xmlns:a16="http://schemas.microsoft.com/office/drawing/2014/main" id="{C943A91B-7CA7-4592-A975-73B1BF8C4C74}"/>
+                <a16:creationId xmlns:a16="http://schemas.microsoft.com/office/drawing/2014/main" xmlns="" id="{C943A91B-7CA7-4592-A975-73B1BF8C4C74}"/>
               </a:ext>
               <a:ext uri="{C183D7F6-B498-43B3-948B-1728B52AA6E4}">
-                <adec:decorative xmlns="" xmlns:adec="http://schemas.microsoft.com/office/drawing/2017/decorative" val="1"/>
+                <adec:decorative xmlns:adec="http://schemas.microsoft.com/office/drawing/2017/decorative" xmlns="" val="1"/>
               </a:ext>
             </a:extLst>
           </p:cNvPr>
@@ -10908,7 +10908,7 @@
           <p:nvPr>
             <p:extLst>
               <p:ext uri="{386F3935-93C4-4BCD-93E2-E3B085C9AB24}">
-                <p16:designElem xmlns="" xmlns:p16="http://schemas.microsoft.com/office/powerpoint/2015/main" val="1"/>
+                <p16:designElem xmlns:p16="http://schemas.microsoft.com/office/powerpoint/2015/main" xmlns="" val="1"/>
               </p:ext>
             </p:extLst>
           </p:nvPr>
@@ -10948,10 +10948,10 @@
           <p:cNvPr id="23" name="Freeform 7">
             <a:extLst>
               <a:ext uri="{FF2B5EF4-FFF2-40B4-BE49-F238E27FC236}">
-                <a16:creationId xmlns="" xmlns:a16="http://schemas.microsoft.com/office/drawing/2014/main" id="{EC471314-E46A-414B-8D91-74880E84F187}"/>
+                <a16:creationId xmlns:a16="http://schemas.microsoft.com/office/drawing/2014/main" xmlns="" id="{EC471314-E46A-414B-8D91-74880E84F187}"/>
               </a:ext>
               <a:ext uri="{C183D7F6-B498-43B3-948B-1728B52AA6E4}">
-                <adec:decorative xmlns="" xmlns:adec="http://schemas.microsoft.com/office/drawing/2017/decorative" val="1"/>
+                <adec:decorative xmlns:adec="http://schemas.microsoft.com/office/drawing/2017/decorative" xmlns="" val="1"/>
               </a:ext>
             </a:extLst>
           </p:cNvPr>
@@ -10961,7 +10961,7 @@
           <p:nvPr>
             <p:extLst>
               <p:ext uri="{386F3935-93C4-4BCD-93E2-E3B085C9AB24}">
-                <p16:designElem xmlns="" xmlns:p16="http://schemas.microsoft.com/office/powerpoint/2015/main" val="1"/>
+                <p16:designElem xmlns:p16="http://schemas.microsoft.com/office/powerpoint/2015/main" xmlns="" val="1"/>
               </p:ext>
             </p:extLst>
           </p:nvPr>
@@ -11337,10 +11337,10 @@
           <p:cNvPr id="25" name="Freeform: Shape 24">
             <a:extLst>
               <a:ext uri="{FF2B5EF4-FFF2-40B4-BE49-F238E27FC236}">
-                <a16:creationId xmlns="" xmlns:a16="http://schemas.microsoft.com/office/drawing/2014/main" id="{6A681326-1C9D-44A3-A627-3871BDAE4127}"/>
+                <a16:creationId xmlns:a16="http://schemas.microsoft.com/office/drawing/2014/main" xmlns="" id="{6A681326-1C9D-44A3-A627-3871BDAE4127}"/>
               </a:ext>
               <a:ext uri="{C183D7F6-B498-43B3-948B-1728B52AA6E4}">
-                <adec:decorative xmlns="" xmlns:adec="http://schemas.microsoft.com/office/drawing/2017/decorative" val="1"/>
+                <adec:decorative xmlns:adec="http://schemas.microsoft.com/office/drawing/2017/decorative" xmlns="" val="1"/>
               </a:ext>
             </a:extLst>
           </p:cNvPr>
@@ -11350,7 +11350,7 @@
           <p:nvPr>
             <p:extLst>
               <p:ext uri="{386F3935-93C4-4BCD-93E2-E3B085C9AB24}">
-                <p16:designElem xmlns="" xmlns:p16="http://schemas.microsoft.com/office/powerpoint/2015/main" val="1"/>
+                <p16:designElem xmlns:p16="http://schemas.microsoft.com/office/powerpoint/2015/main" xmlns="" val="1"/>
               </p:ext>
             </p:extLst>
           </p:nvPr>
@@ -11800,7 +11800,7 @@
           <p:cNvPr id="2" name="Başlık 1">
             <a:extLst>
               <a:ext uri="{FF2B5EF4-FFF2-40B4-BE49-F238E27FC236}">
-                <a16:creationId xmlns="" xmlns:a16="http://schemas.microsoft.com/office/drawing/2014/main" id="{44093D04-AA21-04E4-1AA2-2DAC7455E62E}"/>
+                <a16:creationId xmlns:a16="http://schemas.microsoft.com/office/drawing/2014/main" xmlns="" id="{44093D04-AA21-04E4-1AA2-2DAC7455E62E}"/>
               </a:ext>
             </a:extLst>
           </p:cNvPr>
@@ -11841,7 +11841,7 @@
           <p:cNvPr id="3" name="İçerik Yer Tutucusu 2">
             <a:extLst>
               <a:ext uri="{FF2B5EF4-FFF2-40B4-BE49-F238E27FC236}">
-                <a16:creationId xmlns="" xmlns:a16="http://schemas.microsoft.com/office/drawing/2014/main" id="{EC727538-DD4C-013E-4C69-13314DC1F01E}"/>
+                <a16:creationId xmlns:a16="http://schemas.microsoft.com/office/drawing/2014/main" xmlns="" id="{EC727538-DD4C-013E-4C69-13314DC1F01E}"/>
               </a:ext>
             </a:extLst>
           </p:cNvPr>
@@ -11960,7 +11960,7 @@
           <p:cNvPr id="4" name="Resim 8">
             <a:extLst>
               <a:ext uri="{FF2B5EF4-FFF2-40B4-BE49-F238E27FC236}">
-                <a16:creationId xmlns="" xmlns:a16="http://schemas.microsoft.com/office/drawing/2014/main" id="{919A568A-B331-432D-3E04-DE6EDE0E5392}"/>
+                <a16:creationId xmlns:a16="http://schemas.microsoft.com/office/drawing/2014/main" xmlns="" id="{919A568A-B331-432D-3E04-DE6EDE0E5392}"/>
               </a:ext>
             </a:extLst>
           </p:cNvPr>
@@ -11988,7 +11988,7 @@
     </p:spTree>
     <p:extLst>
       <p:ext uri="{BB962C8B-B14F-4D97-AF65-F5344CB8AC3E}">
-        <p14:creationId xmlns="" xmlns:p14="http://schemas.microsoft.com/office/powerpoint/2010/main" val="483292212"/>
+        <p14:creationId xmlns:p14="http://schemas.microsoft.com/office/powerpoint/2010/main" xmlns="" val="483292212"/>
       </p:ext>
     </p:extLst>
   </p:cSld>
@@ -12051,10 +12051,10 @@
           <p:cNvPr id="8" name="Rectangle 7">
             <a:extLst>
               <a:ext uri="{FF2B5EF4-FFF2-40B4-BE49-F238E27FC236}">
-                <a16:creationId xmlns="" xmlns:a16="http://schemas.microsoft.com/office/drawing/2014/main" id="{0D9B8FD4-CDEB-4EB4-B4DE-C89E11938958}"/>
+                <a16:creationId xmlns:a16="http://schemas.microsoft.com/office/drawing/2014/main" xmlns="" id="{0D9B8FD4-CDEB-4EB4-B4DE-C89E11938958}"/>
               </a:ext>
               <a:ext uri="{C183D7F6-B498-43B3-948B-1728B52AA6E4}">
-                <adec:decorative xmlns="" xmlns:adec="http://schemas.microsoft.com/office/drawing/2017/decorative" val="1"/>
+                <adec:decorative xmlns:adec="http://schemas.microsoft.com/office/drawing/2017/decorative" xmlns="" val="1"/>
               </a:ext>
             </a:extLst>
           </p:cNvPr>
@@ -12064,7 +12064,7 @@
           <p:nvPr>
             <p:extLst>
               <p:ext uri="{386F3935-93C4-4BCD-93E2-E3B085C9AB24}">
-                <p16:designElem xmlns="" xmlns:p16="http://schemas.microsoft.com/office/powerpoint/2015/main" val="1"/>
+                <p16:designElem xmlns:p16="http://schemas.microsoft.com/office/powerpoint/2015/main" xmlns="" val="1"/>
               </p:ext>
             </p:extLst>
           </p:nvPr>
@@ -12111,10 +12111,10 @@
           <p:cNvPr id="10" name="Freeform 36">
             <a:extLst>
               <a:ext uri="{FF2B5EF4-FFF2-40B4-BE49-F238E27FC236}">
-                <a16:creationId xmlns="" xmlns:a16="http://schemas.microsoft.com/office/drawing/2014/main" id="{5A2E3D1D-9E9F-4739-BA14-D4D7FA9FBDD1}"/>
+                <a16:creationId xmlns:a16="http://schemas.microsoft.com/office/drawing/2014/main" xmlns="" id="{5A2E3D1D-9E9F-4739-BA14-D4D7FA9FBDD1}"/>
               </a:ext>
               <a:ext uri="{C183D7F6-B498-43B3-948B-1728B52AA6E4}">
-                <adec:decorative xmlns="" xmlns:adec="http://schemas.microsoft.com/office/drawing/2017/decorative" val="1"/>
+                <adec:decorative xmlns:adec="http://schemas.microsoft.com/office/drawing/2017/decorative" xmlns="" val="1"/>
               </a:ext>
             </a:extLst>
           </p:cNvPr>
@@ -12124,7 +12124,7 @@
           <p:nvPr>
             <p:extLst>
               <p:ext uri="{386F3935-93C4-4BCD-93E2-E3B085C9AB24}">
-                <p16:designElem xmlns="" xmlns:p16="http://schemas.microsoft.com/office/powerpoint/2015/main" val="1"/>
+                <p16:designElem xmlns:p16="http://schemas.microsoft.com/office/powerpoint/2015/main" xmlns="" val="1"/>
               </p:ext>
             </p:extLst>
           </p:nvPr>
@@ -12463,10 +12463,10 @@
           <p:cNvPr id="12" name="Freeform: Shape 11">
             <a:extLst>
               <a:ext uri="{FF2B5EF4-FFF2-40B4-BE49-F238E27FC236}">
-                <a16:creationId xmlns="" xmlns:a16="http://schemas.microsoft.com/office/drawing/2014/main" id="{1FFB365B-E9DC-4859-B8AB-CB83EEBE4E28}"/>
+                <a16:creationId xmlns:a16="http://schemas.microsoft.com/office/drawing/2014/main" xmlns="" id="{1FFB365B-E9DC-4859-B8AB-CB83EEBE4E28}"/>
               </a:ext>
               <a:ext uri="{C183D7F6-B498-43B3-948B-1728B52AA6E4}">
-                <adec:decorative xmlns="" xmlns:adec="http://schemas.microsoft.com/office/drawing/2017/decorative" val="1"/>
+                <adec:decorative xmlns:adec="http://schemas.microsoft.com/office/drawing/2017/decorative" xmlns="" val="1"/>
               </a:ext>
             </a:extLst>
           </p:cNvPr>
@@ -12476,7 +12476,7 @@
           <p:nvPr>
             <p:extLst>
               <p:ext uri="{386F3935-93C4-4BCD-93E2-E3B085C9AB24}">
-                <p16:designElem xmlns="" xmlns:p16="http://schemas.microsoft.com/office/powerpoint/2015/main" val="1"/>
+                <p16:designElem xmlns:p16="http://schemas.microsoft.com/office/powerpoint/2015/main" xmlns="" val="1"/>
               </p:ext>
             </p:extLst>
           </p:nvPr>
@@ -12953,10 +12953,10 @@
           <p:cNvPr id="14" name="Rectangle 13">
             <a:extLst>
               <a:ext uri="{FF2B5EF4-FFF2-40B4-BE49-F238E27FC236}">
-                <a16:creationId xmlns="" xmlns:a16="http://schemas.microsoft.com/office/drawing/2014/main" id="{8ADAB9C8-EB37-4914-A699-C716FC8FE4FE}"/>
+                <a16:creationId xmlns:a16="http://schemas.microsoft.com/office/drawing/2014/main" xmlns="" id="{8ADAB9C8-EB37-4914-A699-C716FC8FE4FE}"/>
               </a:ext>
               <a:ext uri="{C183D7F6-B498-43B3-948B-1728B52AA6E4}">
-                <adec:decorative xmlns="" xmlns:adec="http://schemas.microsoft.com/office/drawing/2017/decorative" val="1"/>
+                <adec:decorative xmlns:adec="http://schemas.microsoft.com/office/drawing/2017/decorative" xmlns="" val="1"/>
               </a:ext>
             </a:extLst>
           </p:cNvPr>
@@ -12966,7 +12966,7 @@
           <p:nvPr>
             <p:extLst>
               <p:ext uri="{386F3935-93C4-4BCD-93E2-E3B085C9AB24}">
-                <p16:designElem xmlns="" xmlns:p16="http://schemas.microsoft.com/office/powerpoint/2015/main" val="1"/>
+                <p16:designElem xmlns:p16="http://schemas.microsoft.com/office/powerpoint/2015/main" xmlns="" val="1"/>
               </p:ext>
             </p:extLst>
           </p:nvPr>
@@ -13006,7 +13006,7 @@
           <p:cNvPr id="2" name="Başlık 1">
             <a:extLst>
               <a:ext uri="{FF2B5EF4-FFF2-40B4-BE49-F238E27FC236}">
-                <a16:creationId xmlns="" xmlns:a16="http://schemas.microsoft.com/office/drawing/2014/main" id="{4E45D578-62A4-A5B2-85EF-AB3D77337321}"/>
+                <a16:creationId xmlns:a16="http://schemas.microsoft.com/office/drawing/2014/main" xmlns="" id="{4E45D578-62A4-A5B2-85EF-AB3D77337321}"/>
               </a:ext>
             </a:extLst>
           </p:cNvPr>
@@ -13077,7 +13077,7 @@
           <p:cNvPr id="3" name="İçerik Yer Tutucusu 2">
             <a:extLst>
               <a:ext uri="{FF2B5EF4-FFF2-40B4-BE49-F238E27FC236}">
-                <a16:creationId xmlns="" xmlns:a16="http://schemas.microsoft.com/office/drawing/2014/main" id="{B4A53707-5E94-4D00-D72C-B15639E860D3}"/>
+                <a16:creationId xmlns:a16="http://schemas.microsoft.com/office/drawing/2014/main" xmlns="" id="{B4A53707-5E94-4D00-D72C-B15639E860D3}"/>
               </a:ext>
             </a:extLst>
           </p:cNvPr>
@@ -13176,17 +13176,7 @@
                 <a:ea typeface="+mj-lt"/>
                 <a:cs typeface="+mj-lt"/>
               </a:rPr>
-              <a:t>e</a:t>
-            </a:r>
-            <a:r>
-              <a:rPr lang="tr-TR" dirty="0" smtClean="0">
-                <a:solidFill>
-                  <a:schemeClr val="bg1"/>
-                </a:solidFill>
-                <a:ea typeface="+mj-lt"/>
-                <a:cs typeface="+mj-lt"/>
-              </a:rPr>
-              <a:t>n </a:t>
+              <a:t>en </a:t>
             </a:r>
           </a:p>
           <a:p>
@@ -13450,7 +13440,7 @@
           <p:cNvPr id="6" name="Resim 6" descr="metin içeren bir resim&#10;&#10;Açıklama otomatik olarak oluşturuldu">
             <a:extLst>
               <a:ext uri="{FF2B5EF4-FFF2-40B4-BE49-F238E27FC236}">
-                <a16:creationId xmlns="" xmlns:a16="http://schemas.microsoft.com/office/drawing/2014/main" id="{40729E82-1BFB-EF34-C945-D837B0ABF1CC}"/>
+                <a16:creationId xmlns:a16="http://schemas.microsoft.com/office/drawing/2014/main" xmlns="" id="{40729E82-1BFB-EF34-C945-D837B0ABF1CC}"/>
               </a:ext>
             </a:extLst>
           </p:cNvPr>
@@ -13478,7 +13468,7 @@
     </p:spTree>
     <p:extLst>
       <p:ext uri="{BB962C8B-B14F-4D97-AF65-F5344CB8AC3E}">
-        <p14:creationId xmlns="" xmlns:p14="http://schemas.microsoft.com/office/powerpoint/2010/main" val="880301623"/>
+        <p14:creationId xmlns:p14="http://schemas.microsoft.com/office/powerpoint/2010/main" xmlns="" val="880301623"/>
       </p:ext>
     </p:extLst>
   </p:cSld>
@@ -13541,10 +13531,10 @@
           <p:cNvPr id="8" name="Rectangle 7">
             <a:extLst>
               <a:ext uri="{FF2B5EF4-FFF2-40B4-BE49-F238E27FC236}">
-                <a16:creationId xmlns="" xmlns:a16="http://schemas.microsoft.com/office/drawing/2014/main" id="{0D9B8FD4-CDEB-4EB4-B4DE-C89E11938958}"/>
+                <a16:creationId xmlns:a16="http://schemas.microsoft.com/office/drawing/2014/main" xmlns="" id="{0D9B8FD4-CDEB-4EB4-B4DE-C89E11938958}"/>
               </a:ext>
               <a:ext uri="{C183D7F6-B498-43B3-948B-1728B52AA6E4}">
-                <adec:decorative xmlns="" xmlns:adec="http://schemas.microsoft.com/office/drawing/2017/decorative" val="1"/>
+                <adec:decorative xmlns:adec="http://schemas.microsoft.com/office/drawing/2017/decorative" xmlns="" val="1"/>
               </a:ext>
             </a:extLst>
           </p:cNvPr>
@@ -13554,7 +13544,7 @@
           <p:nvPr>
             <p:extLst>
               <p:ext uri="{386F3935-93C4-4BCD-93E2-E3B085C9AB24}">
-                <p16:designElem xmlns="" xmlns:p16="http://schemas.microsoft.com/office/powerpoint/2015/main" val="1"/>
+                <p16:designElem xmlns:p16="http://schemas.microsoft.com/office/powerpoint/2015/main" xmlns="" val="1"/>
               </p:ext>
             </p:extLst>
           </p:nvPr>
@@ -13601,10 +13591,10 @@
           <p:cNvPr id="10" name="Freeform 36">
             <a:extLst>
               <a:ext uri="{FF2B5EF4-FFF2-40B4-BE49-F238E27FC236}">
-                <a16:creationId xmlns="" xmlns:a16="http://schemas.microsoft.com/office/drawing/2014/main" id="{5A2E3D1D-9E9F-4739-BA14-D4D7FA9FBDD1}"/>
+                <a16:creationId xmlns:a16="http://schemas.microsoft.com/office/drawing/2014/main" xmlns="" id="{5A2E3D1D-9E9F-4739-BA14-D4D7FA9FBDD1}"/>
               </a:ext>
               <a:ext uri="{C183D7F6-B498-43B3-948B-1728B52AA6E4}">
-                <adec:decorative xmlns="" xmlns:adec="http://schemas.microsoft.com/office/drawing/2017/decorative" val="1"/>
+                <adec:decorative xmlns:adec="http://schemas.microsoft.com/office/drawing/2017/decorative" xmlns="" val="1"/>
               </a:ext>
             </a:extLst>
           </p:cNvPr>
@@ -13614,7 +13604,7 @@
           <p:nvPr>
             <p:extLst>
               <p:ext uri="{386F3935-93C4-4BCD-93E2-E3B085C9AB24}">
-                <p16:designElem xmlns="" xmlns:p16="http://schemas.microsoft.com/office/powerpoint/2015/main" val="1"/>
+                <p16:designElem xmlns:p16="http://schemas.microsoft.com/office/powerpoint/2015/main" xmlns="" val="1"/>
               </p:ext>
             </p:extLst>
           </p:nvPr>
@@ -13953,10 +13943,10 @@
           <p:cNvPr id="12" name="Freeform: Shape 11">
             <a:extLst>
               <a:ext uri="{FF2B5EF4-FFF2-40B4-BE49-F238E27FC236}">
-                <a16:creationId xmlns="" xmlns:a16="http://schemas.microsoft.com/office/drawing/2014/main" id="{1FFB365B-E9DC-4859-B8AB-CB83EEBE4E28}"/>
+                <a16:creationId xmlns:a16="http://schemas.microsoft.com/office/drawing/2014/main" xmlns="" id="{1FFB365B-E9DC-4859-B8AB-CB83EEBE4E28}"/>
               </a:ext>
               <a:ext uri="{C183D7F6-B498-43B3-948B-1728B52AA6E4}">
-                <adec:decorative xmlns="" xmlns:adec="http://schemas.microsoft.com/office/drawing/2017/decorative" val="1"/>
+                <adec:decorative xmlns:adec="http://schemas.microsoft.com/office/drawing/2017/decorative" xmlns="" val="1"/>
               </a:ext>
             </a:extLst>
           </p:cNvPr>
@@ -13966,7 +13956,7 @@
           <p:nvPr>
             <p:extLst>
               <p:ext uri="{386F3935-93C4-4BCD-93E2-E3B085C9AB24}">
-                <p16:designElem xmlns="" xmlns:p16="http://schemas.microsoft.com/office/powerpoint/2015/main" val="1"/>
+                <p16:designElem xmlns:p16="http://schemas.microsoft.com/office/powerpoint/2015/main" xmlns="" val="1"/>
               </p:ext>
             </p:extLst>
           </p:nvPr>
@@ -14443,10 +14433,10 @@
           <p:cNvPr id="14" name="Rectangle 13">
             <a:extLst>
               <a:ext uri="{FF2B5EF4-FFF2-40B4-BE49-F238E27FC236}">
-                <a16:creationId xmlns="" xmlns:a16="http://schemas.microsoft.com/office/drawing/2014/main" id="{8ADAB9C8-EB37-4914-A699-C716FC8FE4FE}"/>
+                <a16:creationId xmlns:a16="http://schemas.microsoft.com/office/drawing/2014/main" xmlns="" id="{8ADAB9C8-EB37-4914-A699-C716FC8FE4FE}"/>
               </a:ext>
               <a:ext uri="{C183D7F6-B498-43B3-948B-1728B52AA6E4}">
-                <adec:decorative xmlns="" xmlns:adec="http://schemas.microsoft.com/office/drawing/2017/decorative" val="1"/>
+                <adec:decorative xmlns:adec="http://schemas.microsoft.com/office/drawing/2017/decorative" xmlns="" val="1"/>
               </a:ext>
             </a:extLst>
           </p:cNvPr>
@@ -14456,7 +14446,7 @@
           <p:nvPr>
             <p:extLst>
               <p:ext uri="{386F3935-93C4-4BCD-93E2-E3B085C9AB24}">
-                <p16:designElem xmlns="" xmlns:p16="http://schemas.microsoft.com/office/powerpoint/2015/main" val="1"/>
+                <p16:designElem xmlns:p16="http://schemas.microsoft.com/office/powerpoint/2015/main" xmlns="" val="1"/>
               </p:ext>
             </p:extLst>
           </p:nvPr>
@@ -14496,7 +14486,7 @@
           <p:cNvPr id="2" name="Başlık 1">
             <a:extLst>
               <a:ext uri="{FF2B5EF4-FFF2-40B4-BE49-F238E27FC236}">
-                <a16:creationId xmlns="" xmlns:a16="http://schemas.microsoft.com/office/drawing/2014/main" id="{4E45D578-62A4-A5B2-85EF-AB3D77337321}"/>
+                <a16:creationId xmlns:a16="http://schemas.microsoft.com/office/drawing/2014/main" xmlns="" id="{4E45D578-62A4-A5B2-85EF-AB3D77337321}"/>
               </a:ext>
             </a:extLst>
           </p:cNvPr>
@@ -14584,7 +14574,7 @@
           <p:cNvPr id="3" name="İçerik Yer Tutucusu 2">
             <a:extLst>
               <a:ext uri="{FF2B5EF4-FFF2-40B4-BE49-F238E27FC236}">
-                <a16:creationId xmlns="" xmlns:a16="http://schemas.microsoft.com/office/drawing/2014/main" id="{B4A53707-5E94-4D00-D72C-B15639E860D3}"/>
+                <a16:creationId xmlns:a16="http://schemas.microsoft.com/office/drawing/2014/main" xmlns="" id="{B4A53707-5E94-4D00-D72C-B15639E860D3}"/>
               </a:ext>
             </a:extLst>
           </p:cNvPr>
@@ -15041,7 +15031,7 @@
           <p:cNvPr id="5" name="İçerik Yer Tutucusu 2">
             <a:extLst>
               <a:ext uri="{FF2B5EF4-FFF2-40B4-BE49-F238E27FC236}">
-                <a16:creationId xmlns="" xmlns:a16="http://schemas.microsoft.com/office/drawing/2014/main" id="{95B399E2-6035-6066-056D-804E1C081AEC}"/>
+                <a16:creationId xmlns:a16="http://schemas.microsoft.com/office/drawing/2014/main" xmlns="" id="{95B399E2-6035-6066-056D-804E1C081AEC}"/>
               </a:ext>
             </a:extLst>
           </p:cNvPr>
@@ -15347,7 +15337,7 @@
     </p:spTree>
     <p:extLst>
       <p:ext uri="{BB962C8B-B14F-4D97-AF65-F5344CB8AC3E}">
-        <p14:creationId xmlns="" xmlns:p14="http://schemas.microsoft.com/office/powerpoint/2010/main" val="1444931392"/>
+        <p14:creationId xmlns:p14="http://schemas.microsoft.com/office/powerpoint/2010/main" xmlns="" val="1444931392"/>
       </p:ext>
     </p:extLst>
   </p:cSld>
@@ -15410,10 +15400,10 @@
           <p:cNvPr id="8" name="Rectangle 7">
             <a:extLst>
               <a:ext uri="{FF2B5EF4-FFF2-40B4-BE49-F238E27FC236}">
-                <a16:creationId xmlns="" xmlns:a16="http://schemas.microsoft.com/office/drawing/2014/main" id="{0D9B8FD4-CDEB-4EB4-B4DE-C89E11938958}"/>
+                <a16:creationId xmlns:a16="http://schemas.microsoft.com/office/drawing/2014/main" xmlns="" id="{0D9B8FD4-CDEB-4EB4-B4DE-C89E11938958}"/>
               </a:ext>
               <a:ext uri="{C183D7F6-B498-43B3-948B-1728B52AA6E4}">
-                <adec:decorative xmlns="" xmlns:adec="http://schemas.microsoft.com/office/drawing/2017/decorative" val="1"/>
+                <adec:decorative xmlns:adec="http://schemas.microsoft.com/office/drawing/2017/decorative" xmlns="" val="1"/>
               </a:ext>
             </a:extLst>
           </p:cNvPr>
@@ -15423,7 +15413,7 @@
           <p:nvPr>
             <p:extLst>
               <p:ext uri="{386F3935-93C4-4BCD-93E2-E3B085C9AB24}">
-                <p16:designElem xmlns="" xmlns:p16="http://schemas.microsoft.com/office/powerpoint/2015/main" val="1"/>
+                <p16:designElem xmlns:p16="http://schemas.microsoft.com/office/powerpoint/2015/main" xmlns="" val="1"/>
               </p:ext>
             </p:extLst>
           </p:nvPr>
@@ -15470,10 +15460,10 @@
           <p:cNvPr id="10" name="Freeform 36">
             <a:extLst>
               <a:ext uri="{FF2B5EF4-FFF2-40B4-BE49-F238E27FC236}">
-                <a16:creationId xmlns="" xmlns:a16="http://schemas.microsoft.com/office/drawing/2014/main" id="{5A2E3D1D-9E9F-4739-BA14-D4D7FA9FBDD1}"/>
+                <a16:creationId xmlns:a16="http://schemas.microsoft.com/office/drawing/2014/main" xmlns="" id="{5A2E3D1D-9E9F-4739-BA14-D4D7FA9FBDD1}"/>
               </a:ext>
               <a:ext uri="{C183D7F6-B498-43B3-948B-1728B52AA6E4}">
-                <adec:decorative xmlns="" xmlns:adec="http://schemas.microsoft.com/office/drawing/2017/decorative" val="1"/>
+                <adec:decorative xmlns:adec="http://schemas.microsoft.com/office/drawing/2017/decorative" xmlns="" val="1"/>
               </a:ext>
             </a:extLst>
           </p:cNvPr>
@@ -15483,7 +15473,7 @@
           <p:nvPr>
             <p:extLst>
               <p:ext uri="{386F3935-93C4-4BCD-93E2-E3B085C9AB24}">
-                <p16:designElem xmlns="" xmlns:p16="http://schemas.microsoft.com/office/powerpoint/2015/main" val="1"/>
+                <p16:designElem xmlns:p16="http://schemas.microsoft.com/office/powerpoint/2015/main" xmlns="" val="1"/>
               </p:ext>
             </p:extLst>
           </p:nvPr>
@@ -15822,10 +15812,10 @@
           <p:cNvPr id="12" name="Freeform: Shape 11">
             <a:extLst>
               <a:ext uri="{FF2B5EF4-FFF2-40B4-BE49-F238E27FC236}">
-                <a16:creationId xmlns="" xmlns:a16="http://schemas.microsoft.com/office/drawing/2014/main" id="{1FFB365B-E9DC-4859-B8AB-CB83EEBE4E28}"/>
+                <a16:creationId xmlns:a16="http://schemas.microsoft.com/office/drawing/2014/main" xmlns="" id="{1FFB365B-E9DC-4859-B8AB-CB83EEBE4E28}"/>
               </a:ext>
               <a:ext uri="{C183D7F6-B498-43B3-948B-1728B52AA6E4}">
-                <adec:decorative xmlns="" xmlns:adec="http://schemas.microsoft.com/office/drawing/2017/decorative" val="1"/>
+                <adec:decorative xmlns:adec="http://schemas.microsoft.com/office/drawing/2017/decorative" xmlns="" val="1"/>
               </a:ext>
             </a:extLst>
           </p:cNvPr>
@@ -15835,7 +15825,7 @@
           <p:nvPr>
             <p:extLst>
               <p:ext uri="{386F3935-93C4-4BCD-93E2-E3B085C9AB24}">
-                <p16:designElem xmlns="" xmlns:p16="http://schemas.microsoft.com/office/powerpoint/2015/main" val="1"/>
+                <p16:designElem xmlns:p16="http://schemas.microsoft.com/office/powerpoint/2015/main" xmlns="" val="1"/>
               </p:ext>
             </p:extLst>
           </p:nvPr>
@@ -16312,10 +16302,10 @@
           <p:cNvPr id="14" name="Rectangle 13">
             <a:extLst>
               <a:ext uri="{FF2B5EF4-FFF2-40B4-BE49-F238E27FC236}">
-                <a16:creationId xmlns="" xmlns:a16="http://schemas.microsoft.com/office/drawing/2014/main" id="{8ADAB9C8-EB37-4914-A699-C716FC8FE4FE}"/>
+                <a16:creationId xmlns:a16="http://schemas.microsoft.com/office/drawing/2014/main" xmlns="" id="{8ADAB9C8-EB37-4914-A699-C716FC8FE4FE}"/>
               </a:ext>
               <a:ext uri="{C183D7F6-B498-43B3-948B-1728B52AA6E4}">
-                <adec:decorative xmlns="" xmlns:adec="http://schemas.microsoft.com/office/drawing/2017/decorative" val="1"/>
+                <adec:decorative xmlns:adec="http://schemas.microsoft.com/office/drawing/2017/decorative" xmlns="" val="1"/>
               </a:ext>
             </a:extLst>
           </p:cNvPr>
@@ -16325,7 +16315,7 @@
           <p:nvPr>
             <p:extLst>
               <p:ext uri="{386F3935-93C4-4BCD-93E2-E3B085C9AB24}">
-                <p16:designElem xmlns="" xmlns:p16="http://schemas.microsoft.com/office/powerpoint/2015/main" val="1"/>
+                <p16:designElem xmlns:p16="http://schemas.microsoft.com/office/powerpoint/2015/main" xmlns="" val="1"/>
               </p:ext>
             </p:extLst>
           </p:nvPr>
@@ -16365,7 +16355,7 @@
           <p:cNvPr id="2" name="Başlık 1">
             <a:extLst>
               <a:ext uri="{FF2B5EF4-FFF2-40B4-BE49-F238E27FC236}">
-                <a16:creationId xmlns="" xmlns:a16="http://schemas.microsoft.com/office/drawing/2014/main" id="{4E45D578-62A4-A5B2-85EF-AB3D77337321}"/>
+                <a16:creationId xmlns:a16="http://schemas.microsoft.com/office/drawing/2014/main" xmlns="" id="{4E45D578-62A4-A5B2-85EF-AB3D77337321}"/>
               </a:ext>
             </a:extLst>
           </p:cNvPr>
@@ -16421,7 +16411,7 @@
           <p:cNvPr id="3" name="İçerik Yer Tutucusu 2">
             <a:extLst>
               <a:ext uri="{FF2B5EF4-FFF2-40B4-BE49-F238E27FC236}">
-                <a16:creationId xmlns="" xmlns:a16="http://schemas.microsoft.com/office/drawing/2014/main" id="{B4A53707-5E94-4D00-D72C-B15639E860D3}"/>
+                <a16:creationId xmlns:a16="http://schemas.microsoft.com/office/drawing/2014/main" xmlns="" id="{B4A53707-5E94-4D00-D72C-B15639E860D3}"/>
               </a:ext>
             </a:extLst>
           </p:cNvPr>
@@ -16440,7 +16430,7 @@
         </p:spPr>
         <p:txBody>
           <a:bodyPr vert="horz" lIns="91440" tIns="45720" rIns="91440" bIns="45720" rtlCol="0" anchor="t">
-            <a:normAutofit lnSpcReduction="10000"/>
+            <a:normAutofit fontScale="85000" lnSpcReduction="20000"/>
           </a:bodyPr>
           <a:lstStyle/>
           <a:p>
@@ -16995,7 +16985,154 @@
                 <a:ea typeface="+mj-lt"/>
                 <a:cs typeface="+mj-lt"/>
               </a:rPr>
-              <a:t> 192.168.1.1 255.255.255.0</a:t>
+              <a:t> 192.168.1.1 </a:t>
+            </a:r>
+            <a:r>
+              <a:rPr lang="tr-TR" sz="1800" dirty="0" smtClean="0">
+                <a:solidFill>
+                  <a:schemeClr val="bg1"/>
+                </a:solidFill>
+                <a:ea typeface="+mj-lt"/>
+                <a:cs typeface="+mj-lt"/>
+              </a:rPr>
+              <a:t>255.255.255.0</a:t>
+            </a:r>
+          </a:p>
+          <a:p>
+            <a:pPr>
+              <a:buClr>
+                <a:srgbClr val="8AD0D6"/>
+              </a:buClr>
+            </a:pPr>
+            <a:r>
+              <a:rPr lang="tr-TR" sz="1800" dirty="0" err="1" smtClean="0">
+                <a:solidFill>
+                  <a:schemeClr val="bg1"/>
+                </a:solidFill>
+                <a:ea typeface="+mj-lt"/>
+                <a:cs typeface="+mj-lt"/>
+              </a:rPr>
+              <a:t>Multi</a:t>
+            </a:r>
+            <a:r>
+              <a:rPr lang="tr-TR" sz="1800" dirty="0" smtClean="0">
+                <a:solidFill>
+                  <a:schemeClr val="bg1"/>
+                </a:solidFill>
+                <a:ea typeface="+mj-lt"/>
+                <a:cs typeface="+mj-lt"/>
+              </a:rPr>
+              <a:t> </a:t>
+            </a:r>
+            <a:r>
+              <a:rPr lang="tr-TR" sz="1800" dirty="0" err="1" smtClean="0">
+                <a:solidFill>
+                  <a:schemeClr val="bg1"/>
+                </a:solidFill>
+                <a:ea typeface="+mj-lt"/>
+                <a:cs typeface="+mj-lt"/>
+              </a:rPr>
+              <a:t>switch</a:t>
+            </a:r>
+            <a:r>
+              <a:rPr lang="tr-TR" sz="1800" dirty="0" smtClean="0">
+                <a:solidFill>
+                  <a:schemeClr val="bg1"/>
+                </a:solidFill>
+                <a:ea typeface="+mj-lt"/>
+                <a:cs typeface="+mj-lt"/>
+              </a:rPr>
+              <a:t> </a:t>
+            </a:r>
+            <a:r>
+              <a:rPr lang="tr-TR" sz="1800" dirty="0" err="1" smtClean="0">
+                <a:solidFill>
+                  <a:schemeClr val="bg1"/>
+                </a:solidFill>
+                <a:ea typeface="+mj-lt"/>
+                <a:cs typeface="+mj-lt"/>
+              </a:rPr>
+              <a:t>cihazınının</a:t>
+            </a:r>
+            <a:r>
+              <a:rPr lang="tr-TR" sz="1800" dirty="0" smtClean="0">
+                <a:solidFill>
+                  <a:schemeClr val="bg1"/>
+                </a:solidFill>
+                <a:ea typeface="+mj-lt"/>
+                <a:cs typeface="+mj-lt"/>
+              </a:rPr>
+              <a:t> f</a:t>
+            </a:r>
+            <a:r>
+              <a:rPr lang="tr-TR" sz="1800" dirty="0" smtClean="0">
+                <a:solidFill>
+                  <a:schemeClr val="bg1"/>
+                </a:solidFill>
+                <a:ea typeface="+mj-lt"/>
+                <a:cs typeface="+mj-lt"/>
+              </a:rPr>
+              <a:t>0/1 </a:t>
+            </a:r>
+            <a:r>
+              <a:rPr lang="tr-TR" sz="1800" dirty="0" err="1" smtClean="0">
+                <a:solidFill>
+                  <a:schemeClr val="bg1"/>
+                </a:solidFill>
+                <a:ea typeface="+mj-lt"/>
+                <a:cs typeface="+mj-lt"/>
+              </a:rPr>
+              <a:t>portunda</a:t>
+            </a:r>
+            <a:r>
+              <a:rPr lang="tr-TR" sz="1800" dirty="0" smtClean="0">
+                <a:solidFill>
+                  <a:schemeClr val="bg1"/>
+                </a:solidFill>
+                <a:ea typeface="+mj-lt"/>
+                <a:cs typeface="+mj-lt"/>
+              </a:rPr>
+              <a:t> </a:t>
+            </a:r>
+            <a:r>
+              <a:rPr lang="tr-TR" sz="1800" dirty="0" err="1" smtClean="0">
+                <a:solidFill>
+                  <a:schemeClr val="bg1"/>
+                </a:solidFill>
+                <a:ea typeface="+mj-lt"/>
+                <a:cs typeface="+mj-lt"/>
+              </a:rPr>
+              <a:t>trunking’in</a:t>
+            </a:r>
+            <a:r>
+              <a:rPr lang="tr-TR" sz="1800" dirty="0" smtClean="0">
+                <a:solidFill>
+                  <a:schemeClr val="bg1"/>
+                </a:solidFill>
+                <a:ea typeface="+mj-lt"/>
+                <a:cs typeface="+mj-lt"/>
+              </a:rPr>
+              <a:t> doğru çalıştığını kontrol etmek için yeni bir cihaz ekleyerek </a:t>
+            </a:r>
+            <a:r>
+              <a:rPr lang="tr-TR" sz="1800" dirty="0" err="1" smtClean="0">
+                <a:solidFill>
+                  <a:schemeClr val="bg1"/>
+                </a:solidFill>
+                <a:ea typeface="+mj-lt"/>
+                <a:cs typeface="+mj-lt"/>
+              </a:rPr>
+              <a:t>vtp</a:t>
+            </a:r>
+            <a:r>
+              <a:rPr lang="tr-TR" sz="1800" dirty="0" smtClean="0">
+                <a:solidFill>
+                  <a:schemeClr val="bg1"/>
+                </a:solidFill>
+                <a:ea typeface="+mj-lt"/>
+                <a:cs typeface="+mj-lt"/>
+              </a:rPr>
+              <a:t> domain ismi verip denedim. Daha sonra bu cihazı sildim.</a:t>
             </a:r>
             <a:endParaRPr lang="tr-TR" dirty="0">
               <a:solidFill>
@@ -17060,8 +17197,34 @@
         </p:blipFill>
         <p:spPr bwMode="auto">
           <a:xfrm>
-            <a:off x="4974017" y="0"/>
-            <a:ext cx="6688137" cy="6478588"/>
+            <a:off x="3796818" y="3093308"/>
+            <a:ext cx="3886460" cy="3764692"/>
+          </a:xfrm>
+          <a:prstGeom prst="rect">
+            <a:avLst/>
+          </a:prstGeom>
+          <a:noFill/>
+        </p:spPr>
+      </p:pic>
+      <p:pic>
+        <p:nvPicPr>
+          <p:cNvPr id="1026" name="Picture 2" descr="C:\Users\Heath Del Mar\Desktop\Sunum sunum sunum\vtp domain ciscoo.PNG"/>
+          <p:cNvPicPr>
+            <a:picLocks noChangeAspect="1" noChangeArrowheads="1"/>
+          </p:cNvPicPr>
+          <p:nvPr/>
+        </p:nvPicPr>
+        <p:blipFill>
+          <a:blip r:embed="rId4"/>
+          <a:srcRect/>
+          <a:stretch>
+            <a:fillRect/>
+          </a:stretch>
+        </p:blipFill>
+        <p:spPr bwMode="auto">
+          <a:xfrm>
+            <a:off x="6288719" y="0"/>
+            <a:ext cx="5903281" cy="4658614"/>
           </a:xfrm>
           <a:prstGeom prst="rect">
             <a:avLst/>
@@ -17072,7 +17235,7 @@
     </p:spTree>
     <p:extLst>
       <p:ext uri="{BB962C8B-B14F-4D97-AF65-F5344CB8AC3E}">
-        <p14:creationId xmlns="" xmlns:p14="http://schemas.microsoft.com/office/powerpoint/2010/main" val="4268731730"/>
+        <p14:creationId xmlns:p14="http://schemas.microsoft.com/office/powerpoint/2010/main" xmlns="" val="4268731730"/>
       </p:ext>
     </p:extLst>
   </p:cSld>
@@ -17135,10 +17298,10 @@
           <p:cNvPr id="8" name="Rectangle 7">
             <a:extLst>
               <a:ext uri="{FF2B5EF4-FFF2-40B4-BE49-F238E27FC236}">
-                <a16:creationId xmlns="" xmlns:a16="http://schemas.microsoft.com/office/drawing/2014/main" id="{0D9B8FD4-CDEB-4EB4-B4DE-C89E11938958}"/>
+                <a16:creationId xmlns:a16="http://schemas.microsoft.com/office/drawing/2014/main" xmlns="" id="{0D9B8FD4-CDEB-4EB4-B4DE-C89E11938958}"/>
               </a:ext>
               <a:ext uri="{C183D7F6-B498-43B3-948B-1728B52AA6E4}">
-                <adec:decorative xmlns="" xmlns:adec="http://schemas.microsoft.com/office/drawing/2017/decorative" val="1"/>
+                <adec:decorative xmlns:adec="http://schemas.microsoft.com/office/drawing/2017/decorative" xmlns="" val="1"/>
               </a:ext>
             </a:extLst>
           </p:cNvPr>
@@ -17148,7 +17311,7 @@
           <p:nvPr>
             <p:extLst>
               <p:ext uri="{386F3935-93C4-4BCD-93E2-E3B085C9AB24}">
-                <p16:designElem xmlns="" xmlns:p16="http://schemas.microsoft.com/office/powerpoint/2015/main" val="1"/>
+                <p16:designElem xmlns:p16="http://schemas.microsoft.com/office/powerpoint/2015/main" xmlns="" val="1"/>
               </p:ext>
             </p:extLst>
           </p:nvPr>
@@ -17195,10 +17358,10 @@
           <p:cNvPr id="10" name="Freeform 36">
             <a:extLst>
               <a:ext uri="{FF2B5EF4-FFF2-40B4-BE49-F238E27FC236}">
-                <a16:creationId xmlns="" xmlns:a16="http://schemas.microsoft.com/office/drawing/2014/main" id="{5A2E3D1D-9E9F-4739-BA14-D4D7FA9FBDD1}"/>
+                <a16:creationId xmlns:a16="http://schemas.microsoft.com/office/drawing/2014/main" xmlns="" id="{5A2E3D1D-9E9F-4739-BA14-D4D7FA9FBDD1}"/>
               </a:ext>
               <a:ext uri="{C183D7F6-B498-43B3-948B-1728B52AA6E4}">
-                <adec:decorative xmlns="" xmlns:adec="http://schemas.microsoft.com/office/drawing/2017/decorative" val="1"/>
+                <adec:decorative xmlns:adec="http://schemas.microsoft.com/office/drawing/2017/decorative" xmlns="" val="1"/>
               </a:ext>
             </a:extLst>
           </p:cNvPr>
@@ -17208,7 +17371,7 @@
           <p:nvPr>
             <p:extLst>
               <p:ext uri="{386F3935-93C4-4BCD-93E2-E3B085C9AB24}">
-                <p16:designElem xmlns="" xmlns:p16="http://schemas.microsoft.com/office/powerpoint/2015/main" val="1"/>
+                <p16:designElem xmlns:p16="http://schemas.microsoft.com/office/powerpoint/2015/main" xmlns="" val="1"/>
               </p:ext>
             </p:extLst>
           </p:nvPr>
@@ -17547,10 +17710,10 @@
           <p:cNvPr id="12" name="Freeform: Shape 11">
             <a:extLst>
               <a:ext uri="{FF2B5EF4-FFF2-40B4-BE49-F238E27FC236}">
-                <a16:creationId xmlns="" xmlns:a16="http://schemas.microsoft.com/office/drawing/2014/main" id="{1FFB365B-E9DC-4859-B8AB-CB83EEBE4E28}"/>
+                <a16:creationId xmlns:a16="http://schemas.microsoft.com/office/drawing/2014/main" xmlns="" id="{1FFB365B-E9DC-4859-B8AB-CB83EEBE4E28}"/>
               </a:ext>
               <a:ext uri="{C183D7F6-B498-43B3-948B-1728B52AA6E4}">
-                <adec:decorative xmlns="" xmlns:adec="http://schemas.microsoft.com/office/drawing/2017/decorative" val="1"/>
+                <adec:decorative xmlns:adec="http://schemas.microsoft.com/office/drawing/2017/decorative" xmlns="" val="1"/>
               </a:ext>
             </a:extLst>
           </p:cNvPr>
@@ -17560,7 +17723,7 @@
           <p:nvPr>
             <p:extLst>
               <p:ext uri="{386F3935-93C4-4BCD-93E2-E3B085C9AB24}">
-                <p16:designElem xmlns="" xmlns:p16="http://schemas.microsoft.com/office/powerpoint/2015/main" val="1"/>
+                <p16:designElem xmlns:p16="http://schemas.microsoft.com/office/powerpoint/2015/main" xmlns="" val="1"/>
               </p:ext>
             </p:extLst>
           </p:nvPr>
@@ -18037,10 +18200,10 @@
           <p:cNvPr id="14" name="Rectangle 13">
             <a:extLst>
               <a:ext uri="{FF2B5EF4-FFF2-40B4-BE49-F238E27FC236}">
-                <a16:creationId xmlns="" xmlns:a16="http://schemas.microsoft.com/office/drawing/2014/main" id="{8ADAB9C8-EB37-4914-A699-C716FC8FE4FE}"/>
+                <a16:creationId xmlns:a16="http://schemas.microsoft.com/office/drawing/2014/main" xmlns="" id="{8ADAB9C8-EB37-4914-A699-C716FC8FE4FE}"/>
               </a:ext>
               <a:ext uri="{C183D7F6-B498-43B3-948B-1728B52AA6E4}">
-                <adec:decorative xmlns="" xmlns:adec="http://schemas.microsoft.com/office/drawing/2017/decorative" val="1"/>
+                <adec:decorative xmlns:adec="http://schemas.microsoft.com/office/drawing/2017/decorative" xmlns="" val="1"/>
               </a:ext>
             </a:extLst>
           </p:cNvPr>
@@ -18050,7 +18213,7 @@
           <p:nvPr>
             <p:extLst>
               <p:ext uri="{386F3935-93C4-4BCD-93E2-E3B085C9AB24}">
-                <p16:designElem xmlns="" xmlns:p16="http://schemas.microsoft.com/office/powerpoint/2015/main" val="1"/>
+                <p16:designElem xmlns:p16="http://schemas.microsoft.com/office/powerpoint/2015/main" xmlns="" val="1"/>
               </p:ext>
             </p:extLst>
           </p:nvPr>
@@ -18090,7 +18253,7 @@
           <p:cNvPr id="2" name="Başlık 1">
             <a:extLst>
               <a:ext uri="{FF2B5EF4-FFF2-40B4-BE49-F238E27FC236}">
-                <a16:creationId xmlns="" xmlns:a16="http://schemas.microsoft.com/office/drawing/2014/main" id="{4E45D578-62A4-A5B2-85EF-AB3D77337321}"/>
+                <a16:creationId xmlns:a16="http://schemas.microsoft.com/office/drawing/2014/main" xmlns="" id="{4E45D578-62A4-A5B2-85EF-AB3D77337321}"/>
               </a:ext>
             </a:extLst>
           </p:cNvPr>
@@ -18146,7 +18309,7 @@
           <p:cNvPr id="3" name="İçerik Yer Tutucusu 2">
             <a:extLst>
               <a:ext uri="{FF2B5EF4-FFF2-40B4-BE49-F238E27FC236}">
-                <a16:creationId xmlns="" xmlns:a16="http://schemas.microsoft.com/office/drawing/2014/main" id="{B4A53707-5E94-4D00-D72C-B15639E860D3}"/>
+                <a16:creationId xmlns:a16="http://schemas.microsoft.com/office/drawing/2014/main" xmlns="" id="{B4A53707-5E94-4D00-D72C-B15639E860D3}"/>
               </a:ext>
             </a:extLst>
           </p:cNvPr>
@@ -18578,7 +18741,7 @@
     </p:spTree>
     <p:extLst>
       <p:ext uri="{BB962C8B-B14F-4D97-AF65-F5344CB8AC3E}">
-        <p14:creationId xmlns="" xmlns:p14="http://schemas.microsoft.com/office/powerpoint/2010/main" val="3655957923"/>
+        <p14:creationId xmlns:p14="http://schemas.microsoft.com/office/powerpoint/2010/main" xmlns="" val="3655957923"/>
       </p:ext>
     </p:extLst>
   </p:cSld>
@@ -18641,10 +18804,10 @@
           <p:cNvPr id="8" name="Rectangle 7">
             <a:extLst>
               <a:ext uri="{FF2B5EF4-FFF2-40B4-BE49-F238E27FC236}">
-                <a16:creationId xmlns="" xmlns:a16="http://schemas.microsoft.com/office/drawing/2014/main" id="{0D9B8FD4-CDEB-4EB4-B4DE-C89E11938958}"/>
+                <a16:creationId xmlns:a16="http://schemas.microsoft.com/office/drawing/2014/main" xmlns="" id="{0D9B8FD4-CDEB-4EB4-B4DE-C89E11938958}"/>
               </a:ext>
               <a:ext uri="{C183D7F6-B498-43B3-948B-1728B52AA6E4}">
-                <adec:decorative xmlns="" xmlns:adec="http://schemas.microsoft.com/office/drawing/2017/decorative" val="1"/>
+                <adec:decorative xmlns:adec="http://schemas.microsoft.com/office/drawing/2017/decorative" xmlns="" val="1"/>
               </a:ext>
             </a:extLst>
           </p:cNvPr>
@@ -18654,7 +18817,7 @@
           <p:nvPr>
             <p:extLst>
               <p:ext uri="{386F3935-93C4-4BCD-93E2-E3B085C9AB24}">
-                <p16:designElem xmlns="" xmlns:p16="http://schemas.microsoft.com/office/powerpoint/2015/main" val="1"/>
+                <p16:designElem xmlns:p16="http://schemas.microsoft.com/office/powerpoint/2015/main" xmlns="" val="1"/>
               </p:ext>
             </p:extLst>
           </p:nvPr>
@@ -18701,10 +18864,10 @@
           <p:cNvPr id="10" name="Freeform 36">
             <a:extLst>
               <a:ext uri="{FF2B5EF4-FFF2-40B4-BE49-F238E27FC236}">
-                <a16:creationId xmlns="" xmlns:a16="http://schemas.microsoft.com/office/drawing/2014/main" id="{5A2E3D1D-9E9F-4739-BA14-D4D7FA9FBDD1}"/>
+                <a16:creationId xmlns:a16="http://schemas.microsoft.com/office/drawing/2014/main" xmlns="" id="{5A2E3D1D-9E9F-4739-BA14-D4D7FA9FBDD1}"/>
               </a:ext>
               <a:ext uri="{C183D7F6-B498-43B3-948B-1728B52AA6E4}">
-                <adec:decorative xmlns="" xmlns:adec="http://schemas.microsoft.com/office/drawing/2017/decorative" val="1"/>
+                <adec:decorative xmlns:adec="http://schemas.microsoft.com/office/drawing/2017/decorative" xmlns="" val="1"/>
               </a:ext>
             </a:extLst>
           </p:cNvPr>
@@ -18714,7 +18877,7 @@
           <p:nvPr>
             <p:extLst>
               <p:ext uri="{386F3935-93C4-4BCD-93E2-E3B085C9AB24}">
-                <p16:designElem xmlns="" xmlns:p16="http://schemas.microsoft.com/office/powerpoint/2015/main" val="1"/>
+                <p16:designElem xmlns:p16="http://schemas.microsoft.com/office/powerpoint/2015/main" xmlns="" val="1"/>
               </p:ext>
             </p:extLst>
           </p:nvPr>
@@ -19053,10 +19216,10 @@
           <p:cNvPr id="12" name="Freeform: Shape 11">
             <a:extLst>
               <a:ext uri="{FF2B5EF4-FFF2-40B4-BE49-F238E27FC236}">
-                <a16:creationId xmlns="" xmlns:a16="http://schemas.microsoft.com/office/drawing/2014/main" id="{1FFB365B-E9DC-4859-B8AB-CB83EEBE4E28}"/>
+                <a16:creationId xmlns:a16="http://schemas.microsoft.com/office/drawing/2014/main" xmlns="" id="{1FFB365B-E9DC-4859-B8AB-CB83EEBE4E28}"/>
               </a:ext>
               <a:ext uri="{C183D7F6-B498-43B3-948B-1728B52AA6E4}">
-                <adec:decorative xmlns="" xmlns:adec="http://schemas.microsoft.com/office/drawing/2017/decorative" val="1"/>
+                <adec:decorative xmlns:adec="http://schemas.microsoft.com/office/drawing/2017/decorative" xmlns="" val="1"/>
               </a:ext>
             </a:extLst>
           </p:cNvPr>
@@ -19066,7 +19229,7 @@
           <p:nvPr>
             <p:extLst>
               <p:ext uri="{386F3935-93C4-4BCD-93E2-E3B085C9AB24}">
-                <p16:designElem xmlns="" xmlns:p16="http://schemas.microsoft.com/office/powerpoint/2015/main" val="1"/>
+                <p16:designElem xmlns:p16="http://schemas.microsoft.com/office/powerpoint/2015/main" xmlns="" val="1"/>
               </p:ext>
             </p:extLst>
           </p:nvPr>
@@ -19543,10 +19706,10 @@
           <p:cNvPr id="14" name="Rectangle 13">
             <a:extLst>
               <a:ext uri="{FF2B5EF4-FFF2-40B4-BE49-F238E27FC236}">
-                <a16:creationId xmlns="" xmlns:a16="http://schemas.microsoft.com/office/drawing/2014/main" id="{8ADAB9C8-EB37-4914-A699-C716FC8FE4FE}"/>
+                <a16:creationId xmlns:a16="http://schemas.microsoft.com/office/drawing/2014/main" xmlns="" id="{8ADAB9C8-EB37-4914-A699-C716FC8FE4FE}"/>
               </a:ext>
               <a:ext uri="{C183D7F6-B498-43B3-948B-1728B52AA6E4}">
-                <adec:decorative xmlns="" xmlns:adec="http://schemas.microsoft.com/office/drawing/2017/decorative" val="1"/>
+                <adec:decorative xmlns:adec="http://schemas.microsoft.com/office/drawing/2017/decorative" xmlns="" val="1"/>
               </a:ext>
             </a:extLst>
           </p:cNvPr>
@@ -19556,7 +19719,7 @@
           <p:nvPr>
             <p:extLst>
               <p:ext uri="{386F3935-93C4-4BCD-93E2-E3B085C9AB24}">
-                <p16:designElem xmlns="" xmlns:p16="http://schemas.microsoft.com/office/powerpoint/2015/main" val="1"/>
+                <p16:designElem xmlns:p16="http://schemas.microsoft.com/office/powerpoint/2015/main" xmlns="" val="1"/>
               </p:ext>
             </p:extLst>
           </p:nvPr>
@@ -19596,7 +19759,7 @@
           <p:cNvPr id="2" name="Başlık 1">
             <a:extLst>
               <a:ext uri="{FF2B5EF4-FFF2-40B4-BE49-F238E27FC236}">
-                <a16:creationId xmlns="" xmlns:a16="http://schemas.microsoft.com/office/drawing/2014/main" id="{4E45D578-62A4-A5B2-85EF-AB3D77337321}"/>
+                <a16:creationId xmlns:a16="http://schemas.microsoft.com/office/drawing/2014/main" xmlns="" id="{4E45D578-62A4-A5B2-85EF-AB3D77337321}"/>
               </a:ext>
             </a:extLst>
           </p:cNvPr>
@@ -19660,7 +19823,7 @@
           <p:cNvPr id="3" name="İçerik Yer Tutucusu 2">
             <a:extLst>
               <a:ext uri="{FF2B5EF4-FFF2-40B4-BE49-F238E27FC236}">
-                <a16:creationId xmlns="" xmlns:a16="http://schemas.microsoft.com/office/drawing/2014/main" id="{B4A53707-5E94-4D00-D72C-B15639E860D3}"/>
+                <a16:creationId xmlns:a16="http://schemas.microsoft.com/office/drawing/2014/main" xmlns="" id="{B4A53707-5E94-4D00-D72C-B15639E860D3}"/>
               </a:ext>
             </a:extLst>
           </p:cNvPr>
@@ -20466,7 +20629,7 @@
     </p:spTree>
     <p:extLst>
       <p:ext uri="{BB962C8B-B14F-4D97-AF65-F5344CB8AC3E}">
-        <p14:creationId xmlns="" xmlns:p14="http://schemas.microsoft.com/office/powerpoint/2010/main" val="686345420"/>
+        <p14:creationId xmlns:p14="http://schemas.microsoft.com/office/powerpoint/2010/main" xmlns="" val="686345420"/>
       </p:ext>
     </p:extLst>
   </p:cSld>
@@ -20505,10 +20668,10 @@
           <p:cNvPr id="8" name="Rectangle 7">
             <a:extLst>
               <a:ext uri="{FF2B5EF4-FFF2-40B4-BE49-F238E27FC236}">
-                <a16:creationId xmlns="" xmlns:a16="http://schemas.microsoft.com/office/drawing/2014/main" id="{0D9B8FD4-CDEB-4EB4-B4DE-C89E11938958}"/>
+                <a16:creationId xmlns:a16="http://schemas.microsoft.com/office/drawing/2014/main" xmlns="" id="{0D9B8FD4-CDEB-4EB4-B4DE-C89E11938958}"/>
               </a:ext>
               <a:ext uri="{C183D7F6-B498-43B3-948B-1728B52AA6E4}">
-                <adec:decorative xmlns="" xmlns:adec="http://schemas.microsoft.com/office/drawing/2017/decorative" val="1"/>
+                <adec:decorative xmlns:adec="http://schemas.microsoft.com/office/drawing/2017/decorative" xmlns="" val="1"/>
               </a:ext>
             </a:extLst>
           </p:cNvPr>
@@ -20518,7 +20681,7 @@
           <p:nvPr>
             <p:extLst>
               <p:ext uri="{386F3935-93C4-4BCD-93E2-E3B085C9AB24}">
-                <p16:designElem xmlns="" xmlns:p16="http://schemas.microsoft.com/office/powerpoint/2015/main" val="1"/>
+                <p16:designElem xmlns:p16="http://schemas.microsoft.com/office/powerpoint/2015/main" xmlns="" val="1"/>
               </p:ext>
             </p:extLst>
           </p:nvPr>
@@ -20565,10 +20728,10 @@
           <p:cNvPr id="10" name="Freeform 36">
             <a:extLst>
               <a:ext uri="{FF2B5EF4-FFF2-40B4-BE49-F238E27FC236}">
-                <a16:creationId xmlns="" xmlns:a16="http://schemas.microsoft.com/office/drawing/2014/main" id="{5A2E3D1D-9E9F-4739-BA14-D4D7FA9FBDD1}"/>
+                <a16:creationId xmlns:a16="http://schemas.microsoft.com/office/drawing/2014/main" xmlns="" id="{5A2E3D1D-9E9F-4739-BA14-D4D7FA9FBDD1}"/>
               </a:ext>
               <a:ext uri="{C183D7F6-B498-43B3-948B-1728B52AA6E4}">
-                <adec:decorative xmlns="" xmlns:adec="http://schemas.microsoft.com/office/drawing/2017/decorative" val="1"/>
+                <adec:decorative xmlns:adec="http://schemas.microsoft.com/office/drawing/2017/decorative" xmlns="" val="1"/>
               </a:ext>
             </a:extLst>
           </p:cNvPr>
@@ -20578,7 +20741,7 @@
           <p:nvPr>
             <p:extLst>
               <p:ext uri="{386F3935-93C4-4BCD-93E2-E3B085C9AB24}">
-                <p16:designElem xmlns="" xmlns:p16="http://schemas.microsoft.com/office/powerpoint/2015/main" val="1"/>
+                <p16:designElem xmlns:p16="http://schemas.microsoft.com/office/powerpoint/2015/main" xmlns="" val="1"/>
               </p:ext>
             </p:extLst>
           </p:nvPr>
@@ -20917,10 +21080,10 @@
           <p:cNvPr id="12" name="Freeform: Shape 11">
             <a:extLst>
               <a:ext uri="{FF2B5EF4-FFF2-40B4-BE49-F238E27FC236}">
-                <a16:creationId xmlns="" xmlns:a16="http://schemas.microsoft.com/office/drawing/2014/main" id="{1FFB365B-E9DC-4859-B8AB-CB83EEBE4E28}"/>
+                <a16:creationId xmlns:a16="http://schemas.microsoft.com/office/drawing/2014/main" xmlns="" id="{1FFB365B-E9DC-4859-B8AB-CB83EEBE4E28}"/>
               </a:ext>
               <a:ext uri="{C183D7F6-B498-43B3-948B-1728B52AA6E4}">
-                <adec:decorative xmlns="" xmlns:adec="http://schemas.microsoft.com/office/drawing/2017/decorative" val="1"/>
+                <adec:decorative xmlns:adec="http://schemas.microsoft.com/office/drawing/2017/decorative" xmlns="" val="1"/>
               </a:ext>
             </a:extLst>
           </p:cNvPr>
@@ -20930,7 +21093,7 @@
           <p:nvPr>
             <p:extLst>
               <p:ext uri="{386F3935-93C4-4BCD-93E2-E3B085C9AB24}">
-                <p16:designElem xmlns="" xmlns:p16="http://schemas.microsoft.com/office/powerpoint/2015/main" val="1"/>
+                <p16:designElem xmlns:p16="http://schemas.microsoft.com/office/powerpoint/2015/main" xmlns="" val="1"/>
               </p:ext>
             </p:extLst>
           </p:nvPr>
@@ -21407,10 +21570,10 @@
           <p:cNvPr id="14" name="Rectangle 13">
             <a:extLst>
               <a:ext uri="{FF2B5EF4-FFF2-40B4-BE49-F238E27FC236}">
-                <a16:creationId xmlns="" xmlns:a16="http://schemas.microsoft.com/office/drawing/2014/main" id="{8ADAB9C8-EB37-4914-A699-C716FC8FE4FE}"/>
+                <a16:creationId xmlns:a16="http://schemas.microsoft.com/office/drawing/2014/main" xmlns="" id="{8ADAB9C8-EB37-4914-A699-C716FC8FE4FE}"/>
               </a:ext>
               <a:ext uri="{C183D7F6-B498-43B3-948B-1728B52AA6E4}">
-                <adec:decorative xmlns="" xmlns:adec="http://schemas.microsoft.com/office/drawing/2017/decorative" val="1"/>
+                <adec:decorative xmlns:adec="http://schemas.microsoft.com/office/drawing/2017/decorative" xmlns="" val="1"/>
               </a:ext>
             </a:extLst>
           </p:cNvPr>
@@ -21420,7 +21583,7 @@
           <p:nvPr>
             <p:extLst>
               <p:ext uri="{386F3935-93C4-4BCD-93E2-E3B085C9AB24}">
-                <p16:designElem xmlns="" xmlns:p16="http://schemas.microsoft.com/office/powerpoint/2015/main" val="1"/>
+                <p16:designElem xmlns:p16="http://schemas.microsoft.com/office/powerpoint/2015/main" xmlns="" val="1"/>
               </p:ext>
             </p:extLst>
           </p:nvPr>
@@ -21460,7 +21623,7 @@
           <p:cNvPr id="2" name="Başlık 1">
             <a:extLst>
               <a:ext uri="{FF2B5EF4-FFF2-40B4-BE49-F238E27FC236}">
-                <a16:creationId xmlns="" xmlns:a16="http://schemas.microsoft.com/office/drawing/2014/main" id="{4E45D578-62A4-A5B2-85EF-AB3D77337321}"/>
+                <a16:creationId xmlns:a16="http://schemas.microsoft.com/office/drawing/2014/main" xmlns="" id="{4E45D578-62A4-A5B2-85EF-AB3D77337321}"/>
               </a:ext>
             </a:extLst>
           </p:cNvPr>
@@ -21556,7 +21719,7 @@
           <p:cNvPr id="3" name="İçerik Yer Tutucusu 2">
             <a:extLst>
               <a:ext uri="{FF2B5EF4-FFF2-40B4-BE49-F238E27FC236}">
-                <a16:creationId xmlns="" xmlns:a16="http://schemas.microsoft.com/office/drawing/2014/main" id="{B4A53707-5E94-4D00-D72C-B15639E860D3}"/>
+                <a16:creationId xmlns:a16="http://schemas.microsoft.com/office/drawing/2014/main" xmlns="" id="{B4A53707-5E94-4D00-D72C-B15639E860D3}"/>
               </a:ext>
             </a:extLst>
           </p:cNvPr>
@@ -21956,7 +22119,7 @@
           <p:cNvPr id="5" name="İçerik Yer Tutucusu 2">
             <a:extLst>
               <a:ext uri="{FF2B5EF4-FFF2-40B4-BE49-F238E27FC236}">
-                <a16:creationId xmlns="" xmlns:a16="http://schemas.microsoft.com/office/drawing/2014/main" id="{95B399E2-6035-6066-056D-804E1C081AEC}"/>
+                <a16:creationId xmlns:a16="http://schemas.microsoft.com/office/drawing/2014/main" xmlns="" id="{95B399E2-6035-6066-056D-804E1C081AEC}"/>
               </a:ext>
             </a:extLst>
           </p:cNvPr>
@@ -22262,7 +22425,7 @@
     </p:spTree>
     <p:extLst>
       <p:ext uri="{BB962C8B-B14F-4D97-AF65-F5344CB8AC3E}">
-        <p14:creationId xmlns="" xmlns:p14="http://schemas.microsoft.com/office/powerpoint/2010/main" val="1444931392"/>
+        <p14:creationId xmlns:p14="http://schemas.microsoft.com/office/powerpoint/2010/main" xmlns="" val="1444931392"/>
       </p:ext>
     </p:extLst>
   </p:cSld>
@@ -22301,10 +22464,10 @@
           <p:cNvPr id="8" name="Rectangle 7">
             <a:extLst>
               <a:ext uri="{FF2B5EF4-FFF2-40B4-BE49-F238E27FC236}">
-                <a16:creationId xmlns="" xmlns:a16="http://schemas.microsoft.com/office/drawing/2014/main" id="{0D9B8FD4-CDEB-4EB4-B4DE-C89E11938958}"/>
+                <a16:creationId xmlns:a16="http://schemas.microsoft.com/office/drawing/2014/main" xmlns="" id="{0D9B8FD4-CDEB-4EB4-B4DE-C89E11938958}"/>
               </a:ext>
               <a:ext uri="{C183D7F6-B498-43B3-948B-1728B52AA6E4}">
-                <adec:decorative xmlns="" xmlns:adec="http://schemas.microsoft.com/office/drawing/2017/decorative" val="1"/>
+                <adec:decorative xmlns:adec="http://schemas.microsoft.com/office/drawing/2017/decorative" xmlns="" val="1"/>
               </a:ext>
             </a:extLst>
           </p:cNvPr>
@@ -22314,7 +22477,7 @@
           <p:nvPr>
             <p:extLst>
               <p:ext uri="{386F3935-93C4-4BCD-93E2-E3B085C9AB24}">
-                <p16:designElem xmlns="" xmlns:p16="http://schemas.microsoft.com/office/powerpoint/2015/main" val="1"/>
+                <p16:designElem xmlns:p16="http://schemas.microsoft.com/office/powerpoint/2015/main" xmlns="" val="1"/>
               </p:ext>
             </p:extLst>
           </p:nvPr>
@@ -22361,10 +22524,10 @@
           <p:cNvPr id="10" name="Freeform 36">
             <a:extLst>
               <a:ext uri="{FF2B5EF4-FFF2-40B4-BE49-F238E27FC236}">
-                <a16:creationId xmlns="" xmlns:a16="http://schemas.microsoft.com/office/drawing/2014/main" id="{5A2E3D1D-9E9F-4739-BA14-D4D7FA9FBDD1}"/>
+                <a16:creationId xmlns:a16="http://schemas.microsoft.com/office/drawing/2014/main" xmlns="" id="{5A2E3D1D-9E9F-4739-BA14-D4D7FA9FBDD1}"/>
               </a:ext>
               <a:ext uri="{C183D7F6-B498-43B3-948B-1728B52AA6E4}">
-                <adec:decorative xmlns="" xmlns:adec="http://schemas.microsoft.com/office/drawing/2017/decorative" val="1"/>
+                <adec:decorative xmlns:adec="http://schemas.microsoft.com/office/drawing/2017/decorative" xmlns="" val="1"/>
               </a:ext>
             </a:extLst>
           </p:cNvPr>
@@ -22374,7 +22537,7 @@
           <p:nvPr>
             <p:extLst>
               <p:ext uri="{386F3935-93C4-4BCD-93E2-E3B085C9AB24}">
-                <p16:designElem xmlns="" xmlns:p16="http://schemas.microsoft.com/office/powerpoint/2015/main" val="1"/>
+                <p16:designElem xmlns:p16="http://schemas.microsoft.com/office/powerpoint/2015/main" xmlns="" val="1"/>
               </p:ext>
             </p:extLst>
           </p:nvPr>
@@ -22713,10 +22876,10 @@
           <p:cNvPr id="12" name="Freeform: Shape 11">
             <a:extLst>
               <a:ext uri="{FF2B5EF4-FFF2-40B4-BE49-F238E27FC236}">
-                <a16:creationId xmlns="" xmlns:a16="http://schemas.microsoft.com/office/drawing/2014/main" id="{1FFB365B-E9DC-4859-B8AB-CB83EEBE4E28}"/>
+                <a16:creationId xmlns:a16="http://schemas.microsoft.com/office/drawing/2014/main" xmlns="" id="{1FFB365B-E9DC-4859-B8AB-CB83EEBE4E28}"/>
               </a:ext>
               <a:ext uri="{C183D7F6-B498-43B3-948B-1728B52AA6E4}">
-                <adec:decorative xmlns="" xmlns:adec="http://schemas.microsoft.com/office/drawing/2017/decorative" val="1"/>
+                <adec:decorative xmlns:adec="http://schemas.microsoft.com/office/drawing/2017/decorative" xmlns="" val="1"/>
               </a:ext>
             </a:extLst>
           </p:cNvPr>
@@ -22726,7 +22889,7 @@
           <p:nvPr>
             <p:extLst>
               <p:ext uri="{386F3935-93C4-4BCD-93E2-E3B085C9AB24}">
-                <p16:designElem xmlns="" xmlns:p16="http://schemas.microsoft.com/office/powerpoint/2015/main" val="1"/>
+                <p16:designElem xmlns:p16="http://schemas.microsoft.com/office/powerpoint/2015/main" xmlns="" val="1"/>
               </p:ext>
             </p:extLst>
           </p:nvPr>
@@ -23203,10 +23366,10 @@
           <p:cNvPr id="14" name="Rectangle 13">
             <a:extLst>
               <a:ext uri="{FF2B5EF4-FFF2-40B4-BE49-F238E27FC236}">
-                <a16:creationId xmlns="" xmlns:a16="http://schemas.microsoft.com/office/drawing/2014/main" id="{8ADAB9C8-EB37-4914-A699-C716FC8FE4FE}"/>
+                <a16:creationId xmlns:a16="http://schemas.microsoft.com/office/drawing/2014/main" xmlns="" id="{8ADAB9C8-EB37-4914-A699-C716FC8FE4FE}"/>
               </a:ext>
               <a:ext uri="{C183D7F6-B498-43B3-948B-1728B52AA6E4}">
-                <adec:decorative xmlns="" xmlns:adec="http://schemas.microsoft.com/office/drawing/2017/decorative" val="1"/>
+                <adec:decorative xmlns:adec="http://schemas.microsoft.com/office/drawing/2017/decorative" xmlns="" val="1"/>
               </a:ext>
             </a:extLst>
           </p:cNvPr>
@@ -23216,7 +23379,7 @@
           <p:nvPr>
             <p:extLst>
               <p:ext uri="{386F3935-93C4-4BCD-93E2-E3B085C9AB24}">
-                <p16:designElem xmlns="" xmlns:p16="http://schemas.microsoft.com/office/powerpoint/2015/main" val="1"/>
+                <p16:designElem xmlns:p16="http://schemas.microsoft.com/office/powerpoint/2015/main" xmlns="" val="1"/>
               </p:ext>
             </p:extLst>
           </p:nvPr>
@@ -23256,7 +23419,7 @@
           <p:cNvPr id="2" name="Başlık 1">
             <a:extLst>
               <a:ext uri="{FF2B5EF4-FFF2-40B4-BE49-F238E27FC236}">
-                <a16:creationId xmlns="" xmlns:a16="http://schemas.microsoft.com/office/drawing/2014/main" id="{4E45D578-62A4-A5B2-85EF-AB3D77337321}"/>
+                <a16:creationId xmlns:a16="http://schemas.microsoft.com/office/drawing/2014/main" xmlns="" id="{4E45D578-62A4-A5B2-85EF-AB3D77337321}"/>
               </a:ext>
             </a:extLst>
           </p:cNvPr>
@@ -23359,7 +23522,7 @@
           <p:cNvPr id="3" name="İçerik Yer Tutucusu 2">
             <a:extLst>
               <a:ext uri="{FF2B5EF4-FFF2-40B4-BE49-F238E27FC236}">
-                <a16:creationId xmlns="" xmlns:a16="http://schemas.microsoft.com/office/drawing/2014/main" id="{B4A53707-5E94-4D00-D72C-B15639E860D3}"/>
+                <a16:creationId xmlns:a16="http://schemas.microsoft.com/office/drawing/2014/main" xmlns="" id="{B4A53707-5E94-4D00-D72C-B15639E860D3}"/>
               </a:ext>
             </a:extLst>
           </p:cNvPr>
@@ -23814,7 +23977,7 @@
     </p:spTree>
     <p:extLst>
       <p:ext uri="{BB962C8B-B14F-4D97-AF65-F5344CB8AC3E}">
-        <p14:creationId xmlns="" xmlns:p14="http://schemas.microsoft.com/office/powerpoint/2010/main" val="3655957923"/>
+        <p14:creationId xmlns:p14="http://schemas.microsoft.com/office/powerpoint/2010/main" xmlns="" val="3655957923"/>
       </p:ext>
     </p:extLst>
   </p:cSld>
@@ -24091,7 +24254,7 @@
   <a:extraClrSchemeLst/>
   <a:extLst>
     <a:ext uri="{05A4C25C-085E-4340-85A3-A5531E510DB2}">
-      <thm15:themeFamily xmlns="" xmlns:thm15="http://schemas.microsoft.com/office/thememl/2012/main" name="Ion" id="{B8441ADB-2E43-4AF7-B97A-BD870242C6A8}" vid="{292E63A9-BB86-4E3D-B92A-7223C6510D2E}"/>
+      <thm15:themeFamily xmlns:thm15="http://schemas.microsoft.com/office/thememl/2012/main" xmlns="" name="Ion" id="{B8441ADB-2E43-4AF7-B97A-BD870242C6A8}" vid="{292E63A9-BB86-4E3D-B92A-7223C6510D2E}"/>
     </a:ext>
   </a:extLst>
 </a:theme>

--- a/Proje Sunum.pptx
+++ b/Proje Sunum.pptx
@@ -117,7 +117,7 @@
   </p:defaultTextStyle>
   <p:extLst>
     <p:ext uri="{EFAFB233-063F-42B5-8137-9DF3F51BA10A}">
-      <p15:sldGuideLst xmlns:p15="http://schemas.microsoft.com/office/powerpoint/2012/main" xmlns=""/>
+      <p15:sldGuideLst xmlns="" xmlns:p15="http://schemas.microsoft.com/office/powerpoint/2012/main"/>
     </p:ext>
   </p:extLst>
 </p:presentation>
@@ -318,7 +318,7 @@
             <a:fld id="{4AAD347D-5ACD-4C99-B74B-A9C85AD731AF}" type="datetimeFigureOut">
               <a:rPr lang="en-US" dirty="0"/>
               <a:pPr/>
-              <a:t>11/17/2022</a:t>
+              <a:t>11/18/2022</a:t>
             </a:fld>
             <a:endParaRPr lang="en-US" dirty="0"/>
           </a:p>
@@ -370,7 +370,7 @@
     </p:spTree>
     <p:extLst>
       <p:ext uri="{BB962C8B-B14F-4D97-AF65-F5344CB8AC3E}">
-        <p14:creationId xmlns:p14="http://schemas.microsoft.com/office/powerpoint/2010/main" xmlns="" val="2254084792"/>
+        <p14:creationId xmlns="" xmlns:p14="http://schemas.microsoft.com/office/powerpoint/2010/main" val="2254084792"/>
       </p:ext>
     </p:extLst>
   </p:cSld>
@@ -590,7 +590,7 @@
             <a:fld id="{4509A250-FF31-4206-8172-F9D3106AACB1}" type="datetimeFigureOut">
               <a:rPr lang="en-US" dirty="0"/>
               <a:pPr/>
-              <a:t>11/17/2022</a:t>
+              <a:t>11/18/2022</a:t>
             </a:fld>
             <a:endParaRPr lang="en-US" dirty="0"/>
           </a:p>
@@ -642,7 +642,7 @@
     </p:spTree>
     <p:extLst>
       <p:ext uri="{BB962C8B-B14F-4D97-AF65-F5344CB8AC3E}">
-        <p14:creationId xmlns:p14="http://schemas.microsoft.com/office/powerpoint/2010/main" xmlns="" val="2654568743"/>
+        <p14:creationId xmlns="" xmlns:p14="http://schemas.microsoft.com/office/powerpoint/2010/main" val="2654568743"/>
       </p:ext>
     </p:extLst>
   </p:cSld>
@@ -785,7 +785,7 @@
             <a:fld id="{4509A250-FF31-4206-8172-F9D3106AACB1}" type="datetimeFigureOut">
               <a:rPr lang="en-US" dirty="0"/>
               <a:pPr/>
-              <a:t>11/17/2022</a:t>
+              <a:t>11/18/2022</a:t>
             </a:fld>
             <a:endParaRPr lang="en-US" dirty="0"/>
           </a:p>
@@ -837,7 +837,7 @@
     </p:spTree>
     <p:extLst>
       <p:ext uri="{BB962C8B-B14F-4D97-AF65-F5344CB8AC3E}">
-        <p14:creationId xmlns:p14="http://schemas.microsoft.com/office/powerpoint/2010/main" xmlns="" val="3586117780"/>
+        <p14:creationId xmlns="" xmlns:p14="http://schemas.microsoft.com/office/powerpoint/2010/main" val="3586117780"/>
       </p:ext>
     </p:extLst>
   </p:cSld>
@@ -1059,7 +1059,7 @@
             <a:fld id="{4509A250-FF31-4206-8172-F9D3106AACB1}" type="datetimeFigureOut">
               <a:rPr lang="en-US" dirty="0"/>
               <a:pPr/>
-              <a:t>11/17/2022</a:t>
+              <a:t>11/18/2022</a:t>
             </a:fld>
             <a:endParaRPr lang="en-US" dirty="0"/>
           </a:p>
@@ -1205,7 +1205,7 @@
     </p:spTree>
     <p:extLst>
       <p:ext uri="{BB962C8B-B14F-4D97-AF65-F5344CB8AC3E}">
-        <p14:creationId xmlns:p14="http://schemas.microsoft.com/office/powerpoint/2010/main" xmlns="" val="862634667"/>
+        <p14:creationId xmlns="" xmlns:p14="http://schemas.microsoft.com/office/powerpoint/2010/main" val="862634667"/>
       </p:ext>
     </p:extLst>
   </p:cSld>
@@ -1401,7 +1401,7 @@
             <a:fld id="{4509A250-FF31-4206-8172-F9D3106AACB1}" type="datetimeFigureOut">
               <a:rPr lang="en-US" dirty="0"/>
               <a:pPr/>
-              <a:t>11/17/2022</a:t>
+              <a:t>11/18/2022</a:t>
             </a:fld>
             <a:endParaRPr lang="en-US" dirty="0"/>
           </a:p>
@@ -1453,7 +1453,7 @@
     </p:spTree>
     <p:extLst>
       <p:ext uri="{BB962C8B-B14F-4D97-AF65-F5344CB8AC3E}">
-        <p14:creationId xmlns:p14="http://schemas.microsoft.com/office/powerpoint/2010/main" xmlns="" val="4257264900"/>
+        <p14:creationId xmlns="" xmlns:p14="http://schemas.microsoft.com/office/powerpoint/2010/main" val="4257264900"/>
       </p:ext>
     </p:extLst>
   </p:cSld>
@@ -2025,7 +2025,7 @@
             <a:fld id="{4509A250-FF31-4206-8172-F9D3106AACB1}" type="datetimeFigureOut">
               <a:rPr lang="en-US" dirty="0"/>
               <a:pPr/>
-              <a:t>11/17/2022</a:t>
+              <a:t>11/18/2022</a:t>
             </a:fld>
             <a:endParaRPr lang="en-US" dirty="0"/>
           </a:p>
@@ -2077,7 +2077,7 @@
     </p:spTree>
     <p:extLst>
       <p:ext uri="{BB962C8B-B14F-4D97-AF65-F5344CB8AC3E}">
-        <p14:creationId xmlns:p14="http://schemas.microsoft.com/office/powerpoint/2010/main" xmlns="" val="836080638"/>
+        <p14:creationId xmlns="" xmlns:p14="http://schemas.microsoft.com/office/powerpoint/2010/main" val="836080638"/>
       </p:ext>
     </p:extLst>
   </p:cSld>
@@ -2874,7 +2874,7 @@
             <a:fld id="{4509A250-FF31-4206-8172-F9D3106AACB1}" type="datetimeFigureOut">
               <a:rPr lang="en-US" dirty="0"/>
               <a:pPr/>
-              <a:t>11/17/2022</a:t>
+              <a:t>11/18/2022</a:t>
             </a:fld>
             <a:endParaRPr lang="en-US" dirty="0"/>
           </a:p>
@@ -2926,7 +2926,7 @@
     </p:spTree>
     <p:extLst>
       <p:ext uri="{BB962C8B-B14F-4D97-AF65-F5344CB8AC3E}">
-        <p14:creationId xmlns:p14="http://schemas.microsoft.com/office/powerpoint/2010/main" xmlns="" val="3323339623"/>
+        <p14:creationId xmlns="" xmlns:p14="http://schemas.microsoft.com/office/powerpoint/2010/main" val="3323339623"/>
       </p:ext>
     </p:extLst>
   </p:cSld>
@@ -3044,7 +3044,7 @@
             <a:fld id="{4509A250-FF31-4206-8172-F9D3106AACB1}" type="datetimeFigureOut">
               <a:rPr lang="en-US" dirty="0"/>
               <a:pPr/>
-              <a:t>11/17/2022</a:t>
+              <a:t>11/18/2022</a:t>
             </a:fld>
             <a:endParaRPr lang="en-US" dirty="0"/>
           </a:p>
@@ -3096,7 +3096,7 @@
     </p:spTree>
     <p:extLst>
       <p:ext uri="{BB962C8B-B14F-4D97-AF65-F5344CB8AC3E}">
-        <p14:creationId xmlns:p14="http://schemas.microsoft.com/office/powerpoint/2010/main" xmlns="" val="1832952344"/>
+        <p14:creationId xmlns="" xmlns:p14="http://schemas.microsoft.com/office/powerpoint/2010/main" val="1832952344"/>
       </p:ext>
     </p:extLst>
   </p:cSld>
@@ -3224,7 +3224,7 @@
             <a:fld id="{4509A250-FF31-4206-8172-F9D3106AACB1}" type="datetimeFigureOut">
               <a:rPr lang="en-US" dirty="0"/>
               <a:pPr/>
-              <a:t>11/17/2022</a:t>
+              <a:t>11/18/2022</a:t>
             </a:fld>
             <a:endParaRPr lang="en-US" dirty="0"/>
           </a:p>
@@ -3276,7 +3276,7 @@
     </p:spTree>
     <p:extLst>
       <p:ext uri="{BB962C8B-B14F-4D97-AF65-F5344CB8AC3E}">
-        <p14:creationId xmlns:p14="http://schemas.microsoft.com/office/powerpoint/2010/main" xmlns="" val="2940627593"/>
+        <p14:creationId xmlns="" xmlns:p14="http://schemas.microsoft.com/office/powerpoint/2010/main" val="2940627593"/>
       </p:ext>
     </p:extLst>
   </p:cSld>
@@ -3394,7 +3394,7 @@
             <a:fld id="{4509A250-FF31-4206-8172-F9D3106AACB1}" type="datetimeFigureOut">
               <a:rPr lang="en-US" dirty="0"/>
               <a:pPr/>
-              <a:t>11/17/2022</a:t>
+              <a:t>11/18/2022</a:t>
             </a:fld>
             <a:endParaRPr lang="en-US" dirty="0"/>
           </a:p>
@@ -3446,7 +3446,7 @@
     </p:spTree>
     <p:extLst>
       <p:ext uri="{BB962C8B-B14F-4D97-AF65-F5344CB8AC3E}">
-        <p14:creationId xmlns:p14="http://schemas.microsoft.com/office/powerpoint/2010/main" xmlns="" val="3689649559"/>
+        <p14:creationId xmlns="" xmlns:p14="http://schemas.microsoft.com/office/powerpoint/2010/main" val="3689649559"/>
       </p:ext>
     </p:extLst>
   </p:cSld>
@@ -3642,7 +3642,7 @@
             <a:fld id="{9796027F-7875-4030-9381-8BD8C4F21935}" type="datetimeFigureOut">
               <a:rPr lang="en-US" dirty="0"/>
               <a:pPr/>
-              <a:t>11/17/2022</a:t>
+              <a:t>11/18/2022</a:t>
             </a:fld>
             <a:endParaRPr lang="en-US" dirty="0"/>
           </a:p>
@@ -3694,7 +3694,7 @@
     </p:spTree>
     <p:extLst>
       <p:ext uri="{BB962C8B-B14F-4D97-AF65-F5344CB8AC3E}">
-        <p14:creationId xmlns:p14="http://schemas.microsoft.com/office/powerpoint/2010/main" xmlns="" val="837868047"/>
+        <p14:creationId xmlns="" xmlns:p14="http://schemas.microsoft.com/office/powerpoint/2010/main" val="837868047"/>
       </p:ext>
     </p:extLst>
   </p:cSld>
@@ -3933,7 +3933,7 @@
             <a:fld id="{9796027F-7875-4030-9381-8BD8C4F21935}" type="datetimeFigureOut">
               <a:rPr lang="en-US" dirty="0"/>
               <a:pPr/>
-              <a:t>11/17/2022</a:t>
+              <a:t>11/18/2022</a:t>
             </a:fld>
             <a:endParaRPr lang="en-US" dirty="0"/>
           </a:p>
@@ -3985,7 +3985,7 @@
     </p:spTree>
     <p:extLst>
       <p:ext uri="{BB962C8B-B14F-4D97-AF65-F5344CB8AC3E}">
-        <p14:creationId xmlns:p14="http://schemas.microsoft.com/office/powerpoint/2010/main" xmlns="" val="4000229937"/>
+        <p14:creationId xmlns="" xmlns:p14="http://schemas.microsoft.com/office/powerpoint/2010/main" val="4000229937"/>
       </p:ext>
     </p:extLst>
   </p:cSld>
@@ -4376,7 +4376,7 @@
             <a:fld id="{9796027F-7875-4030-9381-8BD8C4F21935}" type="datetimeFigureOut">
               <a:rPr lang="en-US" dirty="0"/>
               <a:pPr/>
-              <a:t>11/17/2022</a:t>
+              <a:t>11/18/2022</a:t>
             </a:fld>
             <a:endParaRPr lang="en-US" dirty="0"/>
           </a:p>
@@ -4428,7 +4428,7 @@
     </p:spTree>
     <p:extLst>
       <p:ext uri="{BB962C8B-B14F-4D97-AF65-F5344CB8AC3E}">
-        <p14:creationId xmlns:p14="http://schemas.microsoft.com/office/powerpoint/2010/main" xmlns="" val="3196192440"/>
+        <p14:creationId xmlns="" xmlns:p14="http://schemas.microsoft.com/office/powerpoint/2010/main" val="3196192440"/>
       </p:ext>
     </p:extLst>
   </p:cSld>
@@ -4495,7 +4495,7 @@
             <a:fld id="{4509A250-FF31-4206-8172-F9D3106AACB1}" type="datetimeFigureOut">
               <a:rPr lang="en-US" dirty="0"/>
               <a:pPr/>
-              <a:t>11/17/2022</a:t>
+              <a:t>11/18/2022</a:t>
             </a:fld>
             <a:endParaRPr lang="en-US" dirty="0"/>
           </a:p>
@@ -4547,7 +4547,7 @@
     </p:spTree>
     <p:extLst>
       <p:ext uri="{BB962C8B-B14F-4D97-AF65-F5344CB8AC3E}">
-        <p14:creationId xmlns:p14="http://schemas.microsoft.com/office/powerpoint/2010/main" xmlns="" val="125619223"/>
+        <p14:creationId xmlns="" xmlns:p14="http://schemas.microsoft.com/office/powerpoint/2010/main" val="125619223"/>
       </p:ext>
     </p:extLst>
   </p:cSld>
@@ -4592,7 +4592,7 @@
             <a:fld id="{4509A250-FF31-4206-8172-F9D3106AACB1}" type="datetimeFigureOut">
               <a:rPr lang="en-US" dirty="0"/>
               <a:pPr/>
-              <a:t>11/17/2022</a:t>
+              <a:t>11/18/2022</a:t>
             </a:fld>
             <a:endParaRPr lang="en-US" dirty="0"/>
           </a:p>
@@ -4644,7 +4644,7 @@
     </p:spTree>
     <p:extLst>
       <p:ext uri="{BB962C8B-B14F-4D97-AF65-F5344CB8AC3E}">
-        <p14:creationId xmlns:p14="http://schemas.microsoft.com/office/powerpoint/2010/main" xmlns="" val="3418342862"/>
+        <p14:creationId xmlns="" xmlns:p14="http://schemas.microsoft.com/office/powerpoint/2010/main" val="3418342862"/>
       </p:ext>
     </p:extLst>
   </p:cSld>
@@ -4871,7 +4871,7 @@
             <a:fld id="{4509A250-FF31-4206-8172-F9D3106AACB1}" type="datetimeFigureOut">
               <a:rPr lang="en-US" dirty="0"/>
               <a:pPr/>
-              <a:t>11/17/2022</a:t>
+              <a:t>11/18/2022</a:t>
             </a:fld>
             <a:endParaRPr lang="en-US" dirty="0"/>
           </a:p>
@@ -4923,7 +4923,7 @@
     </p:spTree>
     <p:extLst>
       <p:ext uri="{BB962C8B-B14F-4D97-AF65-F5344CB8AC3E}">
-        <p14:creationId xmlns:p14="http://schemas.microsoft.com/office/powerpoint/2010/main" xmlns="" val="2893213198"/>
+        <p14:creationId xmlns="" xmlns:p14="http://schemas.microsoft.com/office/powerpoint/2010/main" val="2893213198"/>
       </p:ext>
     </p:extLst>
   </p:cSld>
@@ -5143,7 +5143,7 @@
             <a:fld id="{4509A250-FF31-4206-8172-F9D3106AACB1}" type="datetimeFigureOut">
               <a:rPr lang="en-US" dirty="0"/>
               <a:pPr/>
-              <a:t>11/17/2022</a:t>
+              <a:t>11/18/2022</a:t>
             </a:fld>
             <a:endParaRPr lang="en-US" dirty="0"/>
           </a:p>
@@ -5195,7 +5195,7 @@
     </p:spTree>
     <p:extLst>
       <p:ext uri="{BB962C8B-B14F-4D97-AF65-F5344CB8AC3E}">
-        <p14:creationId xmlns:p14="http://schemas.microsoft.com/office/powerpoint/2010/main" xmlns="" val="2355492052"/>
+        <p14:creationId xmlns="" xmlns:p14="http://schemas.microsoft.com/office/powerpoint/2010/main" val="2355492052"/>
       </p:ext>
     </p:extLst>
   </p:cSld>
@@ -5239,7 +5239,7 @@
           <a:blip r:embed="rId19">
             <a:extLst>
               <a:ext uri="{28A0092B-C50C-407E-A947-70E740481C1C}">
-                <a14:useLocalDpi xmlns:a14="http://schemas.microsoft.com/office/drawing/2010/main" xmlns="" val="0"/>
+                <a14:useLocalDpi xmlns="" xmlns:a14="http://schemas.microsoft.com/office/drawing/2010/main" val="0"/>
               </a:ext>
             </a:extLst>
           </a:blip>
@@ -5268,7 +5268,7 @@
           <a:blip r:embed="rId20">
             <a:extLst>
               <a:ext uri="{28A0092B-C50C-407E-A947-70E740481C1C}">
-                <a14:useLocalDpi xmlns:a14="http://schemas.microsoft.com/office/drawing/2010/main" xmlns="" val="0"/>
+                <a14:useLocalDpi xmlns="" xmlns:a14="http://schemas.microsoft.com/office/drawing/2010/main" val="0"/>
               </a:ext>
             </a:extLst>
           </a:blip>
@@ -5360,7 +5360,7 @@
           <a:blip r:embed="rId21">
             <a:extLst>
               <a:ext uri="{28A0092B-C50C-407E-A947-70E740481C1C}">
-                <a14:useLocalDpi xmlns:a14="http://schemas.microsoft.com/office/drawing/2010/main" xmlns="" val="0"/>
+                <a14:useLocalDpi xmlns="" xmlns:a14="http://schemas.microsoft.com/office/drawing/2010/main" val="0"/>
               </a:ext>
             </a:extLst>
           </a:blip>
@@ -5389,7 +5389,7 @@
           <a:blip r:embed="rId22">
             <a:extLst>
               <a:ext uri="{28A0092B-C50C-407E-A947-70E740481C1C}">
-                <a14:useLocalDpi xmlns:a14="http://schemas.microsoft.com/office/drawing/2010/main" xmlns="" val="0"/>
+                <a14:useLocalDpi xmlns="" xmlns:a14="http://schemas.microsoft.com/office/drawing/2010/main" val="0"/>
               </a:ext>
             </a:extLst>
           </a:blip>
@@ -5572,7 +5572,7 @@
             <a:fld id="{4AAD347D-5ACD-4C99-B74B-A9C85AD731AF}" type="datetimeFigureOut">
               <a:rPr lang="en-US" dirty="0"/>
               <a:pPr/>
-              <a:t>11/17/2022</a:t>
+              <a:t>11/18/2022</a:t>
             </a:fld>
             <a:endParaRPr lang="en-US" dirty="0"/>
           </a:p>
@@ -5661,7 +5661,7 @@
     </p:spTree>
     <p:extLst>
       <p:ext uri="{BB962C8B-B14F-4D97-AF65-F5344CB8AC3E}">
-        <p14:creationId xmlns:p14="http://schemas.microsoft.com/office/powerpoint/2010/main" xmlns="" val="2073951621"/>
+        <p14:creationId xmlns="" xmlns:p14="http://schemas.microsoft.com/office/powerpoint/2010/main" val="2073951621"/>
       </p:ext>
     </p:extLst>
   </p:cSld>
@@ -6136,10 +6136,10 @@
           <p:cNvPr id="19" name="Rectangle 18">
             <a:extLst>
               <a:ext uri="{FF2B5EF4-FFF2-40B4-BE49-F238E27FC236}">
-                <a16:creationId xmlns:a16="http://schemas.microsoft.com/office/drawing/2014/main" xmlns="" id="{DE27238C-8EAF-4098-86E6-7723B7DAE601}"/>
+                <a16:creationId xmlns="" xmlns:a16="http://schemas.microsoft.com/office/drawing/2014/main" id="{DE27238C-8EAF-4098-86E6-7723B7DAE601}"/>
               </a:ext>
               <a:ext uri="{C183D7F6-B498-43B3-948B-1728B52AA6E4}">
-                <adec:decorative xmlns:adec="http://schemas.microsoft.com/office/drawing/2017/decorative" xmlns="" val="1"/>
+                <adec:decorative xmlns="" xmlns:adec="http://schemas.microsoft.com/office/drawing/2017/decorative" val="1"/>
               </a:ext>
             </a:extLst>
           </p:cNvPr>
@@ -6149,7 +6149,7 @@
           <p:nvPr>
             <p:extLst>
               <p:ext uri="{386F3935-93C4-4BCD-93E2-E3B085C9AB24}">
-                <p16:designElem xmlns:p16="http://schemas.microsoft.com/office/powerpoint/2015/main" xmlns="" val="1"/>
+                <p16:designElem xmlns="" xmlns:p16="http://schemas.microsoft.com/office/powerpoint/2015/main" val="1"/>
               </p:ext>
             </p:extLst>
           </p:nvPr>
@@ -6199,10 +6199,10 @@
           <p:cNvPr id="21" name="Freeform 36">
             <a:extLst>
               <a:ext uri="{FF2B5EF4-FFF2-40B4-BE49-F238E27FC236}">
-                <a16:creationId xmlns:a16="http://schemas.microsoft.com/office/drawing/2014/main" xmlns="" id="{992F97B1-1891-4FCC-9E5F-BA97EDB48F89}"/>
+                <a16:creationId xmlns="" xmlns:a16="http://schemas.microsoft.com/office/drawing/2014/main" id="{992F97B1-1891-4FCC-9E5F-BA97EDB48F89}"/>
               </a:ext>
               <a:ext uri="{C183D7F6-B498-43B3-948B-1728B52AA6E4}">
-                <adec:decorative xmlns:adec="http://schemas.microsoft.com/office/drawing/2017/decorative" xmlns="" val="1"/>
+                <adec:decorative xmlns="" xmlns:adec="http://schemas.microsoft.com/office/drawing/2017/decorative" val="1"/>
               </a:ext>
             </a:extLst>
           </p:cNvPr>
@@ -6212,7 +6212,7 @@
           <p:nvPr>
             <p:extLst>
               <p:ext uri="{386F3935-93C4-4BCD-93E2-E3B085C9AB24}">
-                <p16:designElem xmlns:p16="http://schemas.microsoft.com/office/powerpoint/2015/main" xmlns="" val="1"/>
+                <p16:designElem xmlns="" xmlns:p16="http://schemas.microsoft.com/office/powerpoint/2015/main" val="1"/>
               </p:ext>
             </p:extLst>
           </p:nvPr>
@@ -6553,10 +6553,10 @@
           <p:cNvPr id="23" name="Freeform: Shape 22">
             <a:extLst>
               <a:ext uri="{FF2B5EF4-FFF2-40B4-BE49-F238E27FC236}">
-                <a16:creationId xmlns:a16="http://schemas.microsoft.com/office/drawing/2014/main" xmlns="" id="{78C6C821-FEE1-4EB6-9590-C021440C77DE}"/>
+                <a16:creationId xmlns="" xmlns:a16="http://schemas.microsoft.com/office/drawing/2014/main" id="{78C6C821-FEE1-4EB6-9590-C021440C77DE}"/>
               </a:ext>
               <a:ext uri="{C183D7F6-B498-43B3-948B-1728B52AA6E4}">
-                <adec:decorative xmlns:adec="http://schemas.microsoft.com/office/drawing/2017/decorative" xmlns="" val="1"/>
+                <adec:decorative xmlns="" xmlns:adec="http://schemas.microsoft.com/office/drawing/2017/decorative" val="1"/>
               </a:ext>
             </a:extLst>
           </p:cNvPr>
@@ -6566,7 +6566,7 @@
           <p:nvPr>
             <p:extLst>
               <p:ext uri="{386F3935-93C4-4BCD-93E2-E3B085C9AB24}">
-                <p16:designElem xmlns:p16="http://schemas.microsoft.com/office/powerpoint/2015/main" xmlns="" val="1"/>
+                <p16:designElem xmlns="" xmlns:p16="http://schemas.microsoft.com/office/powerpoint/2015/main" val="1"/>
               </p:ext>
             </p:extLst>
           </p:nvPr>
@@ -7311,10 +7311,10 @@
           <p:cNvPr id="25" name="Rectangle 24">
             <a:extLst>
               <a:ext uri="{FF2B5EF4-FFF2-40B4-BE49-F238E27FC236}">
-                <a16:creationId xmlns:a16="http://schemas.microsoft.com/office/drawing/2014/main" xmlns="" id="{B61A74B3-E247-44D4-8C48-FAE8E2056401}"/>
+                <a16:creationId xmlns="" xmlns:a16="http://schemas.microsoft.com/office/drawing/2014/main" id="{B61A74B3-E247-44D4-8C48-FAE8E2056401}"/>
               </a:ext>
               <a:ext uri="{C183D7F6-B498-43B3-948B-1728B52AA6E4}">
-                <adec:decorative xmlns:adec="http://schemas.microsoft.com/office/drawing/2017/decorative" xmlns="" val="1"/>
+                <adec:decorative xmlns="" xmlns:adec="http://schemas.microsoft.com/office/drawing/2017/decorative" val="1"/>
               </a:ext>
             </a:extLst>
           </p:cNvPr>
@@ -7324,7 +7324,7 @@
           <p:nvPr>
             <p:extLst>
               <p:ext uri="{386F3935-93C4-4BCD-93E2-E3B085C9AB24}">
-                <p16:designElem xmlns:p16="http://schemas.microsoft.com/office/powerpoint/2015/main" xmlns="" val="1"/>
+                <p16:designElem xmlns="" xmlns:p16="http://schemas.microsoft.com/office/powerpoint/2015/main" val="1"/>
               </p:ext>
             </p:extLst>
           </p:nvPr>
@@ -7362,7 +7362,7 @@
     </p:spTree>
     <p:extLst>
       <p:ext uri="{BB962C8B-B14F-4D97-AF65-F5344CB8AC3E}">
-        <p14:creationId xmlns:p14="http://schemas.microsoft.com/office/powerpoint/2010/main" xmlns="" val="2299734367"/>
+        <p14:creationId xmlns="" xmlns:p14="http://schemas.microsoft.com/office/powerpoint/2010/main" val="2299734367"/>
       </p:ext>
     </p:extLst>
   </p:cSld>
@@ -7597,10 +7597,10 @@
           <p:cNvPr id="8" name="Rectangle 7">
             <a:extLst>
               <a:ext uri="{FF2B5EF4-FFF2-40B4-BE49-F238E27FC236}">
-                <a16:creationId xmlns:a16="http://schemas.microsoft.com/office/drawing/2014/main" xmlns="" id="{0D9B8FD4-CDEB-4EB4-B4DE-C89E11938958}"/>
+                <a16:creationId xmlns="" xmlns:a16="http://schemas.microsoft.com/office/drawing/2014/main" id="{0D9B8FD4-CDEB-4EB4-B4DE-C89E11938958}"/>
               </a:ext>
               <a:ext uri="{C183D7F6-B498-43B3-948B-1728B52AA6E4}">
-                <adec:decorative xmlns:adec="http://schemas.microsoft.com/office/drawing/2017/decorative" xmlns="" val="1"/>
+                <adec:decorative xmlns="" xmlns:adec="http://schemas.microsoft.com/office/drawing/2017/decorative" val="1"/>
               </a:ext>
             </a:extLst>
           </p:cNvPr>
@@ -7610,7 +7610,7 @@
           <p:nvPr>
             <p:extLst>
               <p:ext uri="{386F3935-93C4-4BCD-93E2-E3B085C9AB24}">
-                <p16:designElem xmlns:p16="http://schemas.microsoft.com/office/powerpoint/2015/main" xmlns="" val="1"/>
+                <p16:designElem xmlns="" xmlns:p16="http://schemas.microsoft.com/office/powerpoint/2015/main" val="1"/>
               </p:ext>
             </p:extLst>
           </p:nvPr>
@@ -7657,10 +7657,10 @@
           <p:cNvPr id="10" name="Freeform 36">
             <a:extLst>
               <a:ext uri="{FF2B5EF4-FFF2-40B4-BE49-F238E27FC236}">
-                <a16:creationId xmlns:a16="http://schemas.microsoft.com/office/drawing/2014/main" xmlns="" id="{5A2E3D1D-9E9F-4739-BA14-D4D7FA9FBDD1}"/>
+                <a16:creationId xmlns="" xmlns:a16="http://schemas.microsoft.com/office/drawing/2014/main" id="{5A2E3D1D-9E9F-4739-BA14-D4D7FA9FBDD1}"/>
               </a:ext>
               <a:ext uri="{C183D7F6-B498-43B3-948B-1728B52AA6E4}">
-                <adec:decorative xmlns:adec="http://schemas.microsoft.com/office/drawing/2017/decorative" xmlns="" val="1"/>
+                <adec:decorative xmlns="" xmlns:adec="http://schemas.microsoft.com/office/drawing/2017/decorative" val="1"/>
               </a:ext>
             </a:extLst>
           </p:cNvPr>
@@ -7670,7 +7670,7 @@
           <p:nvPr>
             <p:extLst>
               <p:ext uri="{386F3935-93C4-4BCD-93E2-E3B085C9AB24}">
-                <p16:designElem xmlns:p16="http://schemas.microsoft.com/office/powerpoint/2015/main" xmlns="" val="1"/>
+                <p16:designElem xmlns="" xmlns:p16="http://schemas.microsoft.com/office/powerpoint/2015/main" val="1"/>
               </p:ext>
             </p:extLst>
           </p:nvPr>
@@ -8009,10 +8009,10 @@
           <p:cNvPr id="12" name="Freeform: Shape 11">
             <a:extLst>
               <a:ext uri="{FF2B5EF4-FFF2-40B4-BE49-F238E27FC236}">
-                <a16:creationId xmlns:a16="http://schemas.microsoft.com/office/drawing/2014/main" xmlns="" id="{1FFB365B-E9DC-4859-B8AB-CB83EEBE4E28}"/>
+                <a16:creationId xmlns="" xmlns:a16="http://schemas.microsoft.com/office/drawing/2014/main" id="{1FFB365B-E9DC-4859-B8AB-CB83EEBE4E28}"/>
               </a:ext>
               <a:ext uri="{C183D7F6-B498-43B3-948B-1728B52AA6E4}">
-                <adec:decorative xmlns:adec="http://schemas.microsoft.com/office/drawing/2017/decorative" xmlns="" val="1"/>
+                <adec:decorative xmlns="" xmlns:adec="http://schemas.microsoft.com/office/drawing/2017/decorative" val="1"/>
               </a:ext>
             </a:extLst>
           </p:cNvPr>
@@ -8022,7 +8022,7 @@
           <p:nvPr>
             <p:extLst>
               <p:ext uri="{386F3935-93C4-4BCD-93E2-E3B085C9AB24}">
-                <p16:designElem xmlns:p16="http://schemas.microsoft.com/office/powerpoint/2015/main" xmlns="" val="1"/>
+                <p16:designElem xmlns="" xmlns:p16="http://schemas.microsoft.com/office/powerpoint/2015/main" val="1"/>
               </p:ext>
             </p:extLst>
           </p:nvPr>
@@ -8499,10 +8499,10 @@
           <p:cNvPr id="14" name="Rectangle 13">
             <a:extLst>
               <a:ext uri="{FF2B5EF4-FFF2-40B4-BE49-F238E27FC236}">
-                <a16:creationId xmlns:a16="http://schemas.microsoft.com/office/drawing/2014/main" xmlns="" id="{8ADAB9C8-EB37-4914-A699-C716FC8FE4FE}"/>
+                <a16:creationId xmlns="" xmlns:a16="http://schemas.microsoft.com/office/drawing/2014/main" id="{8ADAB9C8-EB37-4914-A699-C716FC8FE4FE}"/>
               </a:ext>
               <a:ext uri="{C183D7F6-B498-43B3-948B-1728B52AA6E4}">
-                <adec:decorative xmlns:adec="http://schemas.microsoft.com/office/drawing/2017/decorative" xmlns="" val="1"/>
+                <adec:decorative xmlns="" xmlns:adec="http://schemas.microsoft.com/office/drawing/2017/decorative" val="1"/>
               </a:ext>
             </a:extLst>
           </p:cNvPr>
@@ -8512,7 +8512,7 @@
           <p:nvPr>
             <p:extLst>
               <p:ext uri="{386F3935-93C4-4BCD-93E2-E3B085C9AB24}">
-                <p16:designElem xmlns:p16="http://schemas.microsoft.com/office/powerpoint/2015/main" xmlns="" val="1"/>
+                <p16:designElem xmlns="" xmlns:p16="http://schemas.microsoft.com/office/powerpoint/2015/main" val="1"/>
               </p:ext>
             </p:extLst>
           </p:nvPr>
@@ -8552,7 +8552,7 @@
           <p:cNvPr id="2" name="Başlık 1">
             <a:extLst>
               <a:ext uri="{FF2B5EF4-FFF2-40B4-BE49-F238E27FC236}">
-                <a16:creationId xmlns:a16="http://schemas.microsoft.com/office/drawing/2014/main" xmlns="" id="{4E45D578-62A4-A5B2-85EF-AB3D77337321}"/>
+                <a16:creationId xmlns="" xmlns:a16="http://schemas.microsoft.com/office/drawing/2014/main" id="{4E45D578-62A4-A5B2-85EF-AB3D77337321}"/>
               </a:ext>
             </a:extLst>
           </p:cNvPr>
@@ -8640,7 +8640,7 @@
           <p:cNvPr id="3" name="İçerik Yer Tutucusu 2">
             <a:extLst>
               <a:ext uri="{FF2B5EF4-FFF2-40B4-BE49-F238E27FC236}">
-                <a16:creationId xmlns:a16="http://schemas.microsoft.com/office/drawing/2014/main" xmlns="" id="{B4A53707-5E94-4D00-D72C-B15639E860D3}"/>
+                <a16:creationId xmlns="" xmlns:a16="http://schemas.microsoft.com/office/drawing/2014/main" id="{B4A53707-5E94-4D00-D72C-B15639E860D3}"/>
               </a:ext>
             </a:extLst>
           </p:cNvPr>
@@ -9305,7 +9305,7 @@
     </p:spTree>
     <p:extLst>
       <p:ext uri="{BB962C8B-B14F-4D97-AF65-F5344CB8AC3E}">
-        <p14:creationId xmlns:p14="http://schemas.microsoft.com/office/powerpoint/2010/main" xmlns="" val="686345420"/>
+        <p14:creationId xmlns="" xmlns:p14="http://schemas.microsoft.com/office/powerpoint/2010/main" val="686345420"/>
       </p:ext>
     </p:extLst>
   </p:cSld>
@@ -9368,10 +9368,10 @@
           <p:cNvPr id="8" name="Rectangle 7">
             <a:extLst>
               <a:ext uri="{FF2B5EF4-FFF2-40B4-BE49-F238E27FC236}">
-                <a16:creationId xmlns:a16="http://schemas.microsoft.com/office/drawing/2014/main" xmlns="" id="{0D9B8FD4-CDEB-4EB4-B4DE-C89E11938958}"/>
+                <a16:creationId xmlns="" xmlns:a16="http://schemas.microsoft.com/office/drawing/2014/main" id="{0D9B8FD4-CDEB-4EB4-B4DE-C89E11938958}"/>
               </a:ext>
               <a:ext uri="{C183D7F6-B498-43B3-948B-1728B52AA6E4}">
-                <adec:decorative xmlns:adec="http://schemas.microsoft.com/office/drawing/2017/decorative" xmlns="" val="1"/>
+                <adec:decorative xmlns="" xmlns:adec="http://schemas.microsoft.com/office/drawing/2017/decorative" val="1"/>
               </a:ext>
             </a:extLst>
           </p:cNvPr>
@@ -9381,7 +9381,7 @@
           <p:nvPr>
             <p:extLst>
               <p:ext uri="{386F3935-93C4-4BCD-93E2-E3B085C9AB24}">
-                <p16:designElem xmlns:p16="http://schemas.microsoft.com/office/powerpoint/2015/main" xmlns="" val="1"/>
+                <p16:designElem xmlns="" xmlns:p16="http://schemas.microsoft.com/office/powerpoint/2015/main" val="1"/>
               </p:ext>
             </p:extLst>
           </p:nvPr>
@@ -9428,10 +9428,10 @@
           <p:cNvPr id="10" name="Freeform 36">
             <a:extLst>
               <a:ext uri="{FF2B5EF4-FFF2-40B4-BE49-F238E27FC236}">
-                <a16:creationId xmlns:a16="http://schemas.microsoft.com/office/drawing/2014/main" xmlns="" id="{5A2E3D1D-9E9F-4739-BA14-D4D7FA9FBDD1}"/>
+                <a16:creationId xmlns="" xmlns:a16="http://schemas.microsoft.com/office/drawing/2014/main" id="{5A2E3D1D-9E9F-4739-BA14-D4D7FA9FBDD1}"/>
               </a:ext>
               <a:ext uri="{C183D7F6-B498-43B3-948B-1728B52AA6E4}">
-                <adec:decorative xmlns:adec="http://schemas.microsoft.com/office/drawing/2017/decorative" xmlns="" val="1"/>
+                <adec:decorative xmlns="" xmlns:adec="http://schemas.microsoft.com/office/drawing/2017/decorative" val="1"/>
               </a:ext>
             </a:extLst>
           </p:cNvPr>
@@ -9441,7 +9441,7 @@
           <p:nvPr>
             <p:extLst>
               <p:ext uri="{386F3935-93C4-4BCD-93E2-E3B085C9AB24}">
-                <p16:designElem xmlns:p16="http://schemas.microsoft.com/office/powerpoint/2015/main" xmlns="" val="1"/>
+                <p16:designElem xmlns="" xmlns:p16="http://schemas.microsoft.com/office/powerpoint/2015/main" val="1"/>
               </p:ext>
             </p:extLst>
           </p:nvPr>
@@ -9780,10 +9780,10 @@
           <p:cNvPr id="12" name="Freeform: Shape 11">
             <a:extLst>
               <a:ext uri="{FF2B5EF4-FFF2-40B4-BE49-F238E27FC236}">
-                <a16:creationId xmlns:a16="http://schemas.microsoft.com/office/drawing/2014/main" xmlns="" id="{1FFB365B-E9DC-4859-B8AB-CB83EEBE4E28}"/>
+                <a16:creationId xmlns="" xmlns:a16="http://schemas.microsoft.com/office/drawing/2014/main" id="{1FFB365B-E9DC-4859-B8AB-CB83EEBE4E28}"/>
               </a:ext>
               <a:ext uri="{C183D7F6-B498-43B3-948B-1728B52AA6E4}">
-                <adec:decorative xmlns:adec="http://schemas.microsoft.com/office/drawing/2017/decorative" xmlns="" val="1"/>
+                <adec:decorative xmlns="" xmlns:adec="http://schemas.microsoft.com/office/drawing/2017/decorative" val="1"/>
               </a:ext>
             </a:extLst>
           </p:cNvPr>
@@ -9793,7 +9793,7 @@
           <p:nvPr>
             <p:extLst>
               <p:ext uri="{386F3935-93C4-4BCD-93E2-E3B085C9AB24}">
-                <p16:designElem xmlns:p16="http://schemas.microsoft.com/office/powerpoint/2015/main" xmlns="" val="1"/>
+                <p16:designElem xmlns="" xmlns:p16="http://schemas.microsoft.com/office/powerpoint/2015/main" val="1"/>
               </p:ext>
             </p:extLst>
           </p:nvPr>
@@ -10270,10 +10270,10 @@
           <p:cNvPr id="14" name="Rectangle 13">
             <a:extLst>
               <a:ext uri="{FF2B5EF4-FFF2-40B4-BE49-F238E27FC236}">
-                <a16:creationId xmlns:a16="http://schemas.microsoft.com/office/drawing/2014/main" xmlns="" id="{8ADAB9C8-EB37-4914-A699-C716FC8FE4FE}"/>
+                <a16:creationId xmlns="" xmlns:a16="http://schemas.microsoft.com/office/drawing/2014/main" id="{8ADAB9C8-EB37-4914-A699-C716FC8FE4FE}"/>
               </a:ext>
               <a:ext uri="{C183D7F6-B498-43B3-948B-1728B52AA6E4}">
-                <adec:decorative xmlns:adec="http://schemas.microsoft.com/office/drawing/2017/decorative" xmlns="" val="1"/>
+                <adec:decorative xmlns="" xmlns:adec="http://schemas.microsoft.com/office/drawing/2017/decorative" val="1"/>
               </a:ext>
             </a:extLst>
           </p:cNvPr>
@@ -10283,7 +10283,7 @@
           <p:nvPr>
             <p:extLst>
               <p:ext uri="{386F3935-93C4-4BCD-93E2-E3B085C9AB24}">
-                <p16:designElem xmlns:p16="http://schemas.microsoft.com/office/powerpoint/2015/main" xmlns="" val="1"/>
+                <p16:designElem xmlns="" xmlns:p16="http://schemas.microsoft.com/office/powerpoint/2015/main" val="1"/>
               </p:ext>
             </p:extLst>
           </p:nvPr>
@@ -10323,7 +10323,7 @@
           <p:cNvPr id="2" name="Başlık 1">
             <a:extLst>
               <a:ext uri="{FF2B5EF4-FFF2-40B4-BE49-F238E27FC236}">
-                <a16:creationId xmlns:a16="http://schemas.microsoft.com/office/drawing/2014/main" xmlns="" id="{4E45D578-62A4-A5B2-85EF-AB3D77337321}"/>
+                <a16:creationId xmlns="" xmlns:a16="http://schemas.microsoft.com/office/drawing/2014/main" id="{4E45D578-62A4-A5B2-85EF-AB3D77337321}"/>
               </a:ext>
             </a:extLst>
           </p:cNvPr>
@@ -10395,7 +10395,7 @@
           <p:cNvPr id="3" name="İçerik Yer Tutucusu 2">
             <a:extLst>
               <a:ext uri="{FF2B5EF4-FFF2-40B4-BE49-F238E27FC236}">
-                <a16:creationId xmlns:a16="http://schemas.microsoft.com/office/drawing/2014/main" xmlns="" id="{B4A53707-5E94-4D00-D72C-B15639E860D3}"/>
+                <a16:creationId xmlns="" xmlns:a16="http://schemas.microsoft.com/office/drawing/2014/main" id="{B4A53707-5E94-4D00-D72C-B15639E860D3}"/>
               </a:ext>
             </a:extLst>
           </p:cNvPr>
@@ -10696,7 +10696,7 @@
     </p:spTree>
     <p:extLst>
       <p:ext uri="{BB962C8B-B14F-4D97-AF65-F5344CB8AC3E}">
-        <p14:creationId xmlns:p14="http://schemas.microsoft.com/office/powerpoint/2010/main" xmlns="" val="746760588"/>
+        <p14:creationId xmlns="" xmlns:p14="http://schemas.microsoft.com/office/powerpoint/2010/main" val="746760588"/>
       </p:ext>
     </p:extLst>
   </p:cSld>
@@ -10806,10 +10806,10 @@
           <p:cNvPr id="19" name="Rectangle 18">
             <a:extLst>
               <a:ext uri="{FF2B5EF4-FFF2-40B4-BE49-F238E27FC236}">
-                <a16:creationId xmlns:a16="http://schemas.microsoft.com/office/drawing/2014/main" xmlns="" id="{74CD14DB-BB81-479F-A1FC-1C75640E9F84}"/>
+                <a16:creationId xmlns="" xmlns:a16="http://schemas.microsoft.com/office/drawing/2014/main" id="{74CD14DB-BB81-479F-A1FC-1C75640E9F84}"/>
               </a:ext>
               <a:ext uri="{C183D7F6-B498-43B3-948B-1728B52AA6E4}">
-                <adec:decorative xmlns:adec="http://schemas.microsoft.com/office/drawing/2017/decorative" xmlns="" val="1"/>
+                <adec:decorative xmlns="" xmlns:adec="http://schemas.microsoft.com/office/drawing/2017/decorative" val="1"/>
               </a:ext>
             </a:extLst>
           </p:cNvPr>
@@ -10819,7 +10819,7 @@
           <p:nvPr>
             <p:extLst>
               <p:ext uri="{386F3935-93C4-4BCD-93E2-E3B085C9AB24}">
-                <p16:designElem xmlns:p16="http://schemas.microsoft.com/office/powerpoint/2015/main" xmlns="" val="1"/>
+                <p16:designElem xmlns="" xmlns:p16="http://schemas.microsoft.com/office/powerpoint/2015/main" val="1"/>
               </p:ext>
             </p:extLst>
           </p:nvPr>
@@ -10895,10 +10895,10 @@
           <p:cNvPr id="21" name="Rectangle 20">
             <a:extLst>
               <a:ext uri="{FF2B5EF4-FFF2-40B4-BE49-F238E27FC236}">
-                <a16:creationId xmlns:a16="http://schemas.microsoft.com/office/drawing/2014/main" xmlns="" id="{C943A91B-7CA7-4592-A975-73B1BF8C4C74}"/>
+                <a16:creationId xmlns="" xmlns:a16="http://schemas.microsoft.com/office/drawing/2014/main" id="{C943A91B-7CA7-4592-A975-73B1BF8C4C74}"/>
               </a:ext>
               <a:ext uri="{C183D7F6-B498-43B3-948B-1728B52AA6E4}">
-                <adec:decorative xmlns:adec="http://schemas.microsoft.com/office/drawing/2017/decorative" xmlns="" val="1"/>
+                <adec:decorative xmlns="" xmlns:adec="http://schemas.microsoft.com/office/drawing/2017/decorative" val="1"/>
               </a:ext>
             </a:extLst>
           </p:cNvPr>
@@ -10908,7 +10908,7 @@
           <p:nvPr>
             <p:extLst>
               <p:ext uri="{386F3935-93C4-4BCD-93E2-E3B085C9AB24}">
-                <p16:designElem xmlns:p16="http://schemas.microsoft.com/office/powerpoint/2015/main" xmlns="" val="1"/>
+                <p16:designElem xmlns="" xmlns:p16="http://schemas.microsoft.com/office/powerpoint/2015/main" val="1"/>
               </p:ext>
             </p:extLst>
           </p:nvPr>
@@ -10948,10 +10948,10 @@
           <p:cNvPr id="23" name="Freeform 7">
             <a:extLst>
               <a:ext uri="{FF2B5EF4-FFF2-40B4-BE49-F238E27FC236}">
-                <a16:creationId xmlns:a16="http://schemas.microsoft.com/office/drawing/2014/main" xmlns="" id="{EC471314-E46A-414B-8D91-74880E84F187}"/>
+                <a16:creationId xmlns="" xmlns:a16="http://schemas.microsoft.com/office/drawing/2014/main" id="{EC471314-E46A-414B-8D91-74880E84F187}"/>
               </a:ext>
               <a:ext uri="{C183D7F6-B498-43B3-948B-1728B52AA6E4}">
-                <adec:decorative xmlns:adec="http://schemas.microsoft.com/office/drawing/2017/decorative" xmlns="" val="1"/>
+                <adec:decorative xmlns="" xmlns:adec="http://schemas.microsoft.com/office/drawing/2017/decorative" val="1"/>
               </a:ext>
             </a:extLst>
           </p:cNvPr>
@@ -10961,7 +10961,7 @@
           <p:nvPr>
             <p:extLst>
               <p:ext uri="{386F3935-93C4-4BCD-93E2-E3B085C9AB24}">
-                <p16:designElem xmlns:p16="http://schemas.microsoft.com/office/powerpoint/2015/main" xmlns="" val="1"/>
+                <p16:designElem xmlns="" xmlns:p16="http://schemas.microsoft.com/office/powerpoint/2015/main" val="1"/>
               </p:ext>
             </p:extLst>
           </p:nvPr>
@@ -11337,10 +11337,10 @@
           <p:cNvPr id="25" name="Freeform: Shape 24">
             <a:extLst>
               <a:ext uri="{FF2B5EF4-FFF2-40B4-BE49-F238E27FC236}">
-                <a16:creationId xmlns:a16="http://schemas.microsoft.com/office/drawing/2014/main" xmlns="" id="{6A681326-1C9D-44A3-A627-3871BDAE4127}"/>
+                <a16:creationId xmlns="" xmlns:a16="http://schemas.microsoft.com/office/drawing/2014/main" id="{6A681326-1C9D-44A3-A627-3871BDAE4127}"/>
               </a:ext>
               <a:ext uri="{C183D7F6-B498-43B3-948B-1728B52AA6E4}">
-                <adec:decorative xmlns:adec="http://schemas.microsoft.com/office/drawing/2017/decorative" xmlns="" val="1"/>
+                <adec:decorative xmlns="" xmlns:adec="http://schemas.microsoft.com/office/drawing/2017/decorative" val="1"/>
               </a:ext>
             </a:extLst>
           </p:cNvPr>
@@ -11350,7 +11350,7 @@
           <p:nvPr>
             <p:extLst>
               <p:ext uri="{386F3935-93C4-4BCD-93E2-E3B085C9AB24}">
-                <p16:designElem xmlns:p16="http://schemas.microsoft.com/office/powerpoint/2015/main" xmlns="" val="1"/>
+                <p16:designElem xmlns="" xmlns:p16="http://schemas.microsoft.com/office/powerpoint/2015/main" val="1"/>
               </p:ext>
             </p:extLst>
           </p:nvPr>
@@ -11800,7 +11800,7 @@
           <p:cNvPr id="2" name="Başlık 1">
             <a:extLst>
               <a:ext uri="{FF2B5EF4-FFF2-40B4-BE49-F238E27FC236}">
-                <a16:creationId xmlns:a16="http://schemas.microsoft.com/office/drawing/2014/main" xmlns="" id="{44093D04-AA21-04E4-1AA2-2DAC7455E62E}"/>
+                <a16:creationId xmlns="" xmlns:a16="http://schemas.microsoft.com/office/drawing/2014/main" id="{44093D04-AA21-04E4-1AA2-2DAC7455E62E}"/>
               </a:ext>
             </a:extLst>
           </p:cNvPr>
@@ -11841,7 +11841,7 @@
           <p:cNvPr id="3" name="İçerik Yer Tutucusu 2">
             <a:extLst>
               <a:ext uri="{FF2B5EF4-FFF2-40B4-BE49-F238E27FC236}">
-                <a16:creationId xmlns:a16="http://schemas.microsoft.com/office/drawing/2014/main" xmlns="" id="{EC727538-DD4C-013E-4C69-13314DC1F01E}"/>
+                <a16:creationId xmlns="" xmlns:a16="http://schemas.microsoft.com/office/drawing/2014/main" id="{EC727538-DD4C-013E-4C69-13314DC1F01E}"/>
               </a:ext>
             </a:extLst>
           </p:cNvPr>
@@ -11960,7 +11960,7 @@
           <p:cNvPr id="4" name="Resim 8">
             <a:extLst>
               <a:ext uri="{FF2B5EF4-FFF2-40B4-BE49-F238E27FC236}">
-                <a16:creationId xmlns:a16="http://schemas.microsoft.com/office/drawing/2014/main" xmlns="" id="{919A568A-B331-432D-3E04-DE6EDE0E5392}"/>
+                <a16:creationId xmlns="" xmlns:a16="http://schemas.microsoft.com/office/drawing/2014/main" id="{919A568A-B331-432D-3E04-DE6EDE0E5392}"/>
               </a:ext>
             </a:extLst>
           </p:cNvPr>
@@ -11988,7 +11988,7 @@
     </p:spTree>
     <p:extLst>
       <p:ext uri="{BB962C8B-B14F-4D97-AF65-F5344CB8AC3E}">
-        <p14:creationId xmlns:p14="http://schemas.microsoft.com/office/powerpoint/2010/main" xmlns="" val="483292212"/>
+        <p14:creationId xmlns="" xmlns:p14="http://schemas.microsoft.com/office/powerpoint/2010/main" val="483292212"/>
       </p:ext>
     </p:extLst>
   </p:cSld>
@@ -12051,10 +12051,10 @@
           <p:cNvPr id="8" name="Rectangle 7">
             <a:extLst>
               <a:ext uri="{FF2B5EF4-FFF2-40B4-BE49-F238E27FC236}">
-                <a16:creationId xmlns:a16="http://schemas.microsoft.com/office/drawing/2014/main" xmlns="" id="{0D9B8FD4-CDEB-4EB4-B4DE-C89E11938958}"/>
+                <a16:creationId xmlns="" xmlns:a16="http://schemas.microsoft.com/office/drawing/2014/main" id="{0D9B8FD4-CDEB-4EB4-B4DE-C89E11938958}"/>
               </a:ext>
               <a:ext uri="{C183D7F6-B498-43B3-948B-1728B52AA6E4}">
-                <adec:decorative xmlns:adec="http://schemas.microsoft.com/office/drawing/2017/decorative" xmlns="" val="1"/>
+                <adec:decorative xmlns="" xmlns:adec="http://schemas.microsoft.com/office/drawing/2017/decorative" val="1"/>
               </a:ext>
             </a:extLst>
           </p:cNvPr>
@@ -12064,7 +12064,7 @@
           <p:nvPr>
             <p:extLst>
               <p:ext uri="{386F3935-93C4-4BCD-93E2-E3B085C9AB24}">
-                <p16:designElem xmlns:p16="http://schemas.microsoft.com/office/powerpoint/2015/main" xmlns="" val="1"/>
+                <p16:designElem xmlns="" xmlns:p16="http://schemas.microsoft.com/office/powerpoint/2015/main" val="1"/>
               </p:ext>
             </p:extLst>
           </p:nvPr>
@@ -12111,10 +12111,10 @@
           <p:cNvPr id="10" name="Freeform 36">
             <a:extLst>
               <a:ext uri="{FF2B5EF4-FFF2-40B4-BE49-F238E27FC236}">
-                <a16:creationId xmlns:a16="http://schemas.microsoft.com/office/drawing/2014/main" xmlns="" id="{5A2E3D1D-9E9F-4739-BA14-D4D7FA9FBDD1}"/>
+                <a16:creationId xmlns="" xmlns:a16="http://schemas.microsoft.com/office/drawing/2014/main" id="{5A2E3D1D-9E9F-4739-BA14-D4D7FA9FBDD1}"/>
               </a:ext>
               <a:ext uri="{C183D7F6-B498-43B3-948B-1728B52AA6E4}">
-                <adec:decorative xmlns:adec="http://schemas.microsoft.com/office/drawing/2017/decorative" xmlns="" val="1"/>
+                <adec:decorative xmlns="" xmlns:adec="http://schemas.microsoft.com/office/drawing/2017/decorative" val="1"/>
               </a:ext>
             </a:extLst>
           </p:cNvPr>
@@ -12124,7 +12124,7 @@
           <p:nvPr>
             <p:extLst>
               <p:ext uri="{386F3935-93C4-4BCD-93E2-E3B085C9AB24}">
-                <p16:designElem xmlns:p16="http://schemas.microsoft.com/office/powerpoint/2015/main" xmlns="" val="1"/>
+                <p16:designElem xmlns="" xmlns:p16="http://schemas.microsoft.com/office/powerpoint/2015/main" val="1"/>
               </p:ext>
             </p:extLst>
           </p:nvPr>
@@ -12463,10 +12463,10 @@
           <p:cNvPr id="12" name="Freeform: Shape 11">
             <a:extLst>
               <a:ext uri="{FF2B5EF4-FFF2-40B4-BE49-F238E27FC236}">
-                <a16:creationId xmlns:a16="http://schemas.microsoft.com/office/drawing/2014/main" xmlns="" id="{1FFB365B-E9DC-4859-B8AB-CB83EEBE4E28}"/>
+                <a16:creationId xmlns="" xmlns:a16="http://schemas.microsoft.com/office/drawing/2014/main" id="{1FFB365B-E9DC-4859-B8AB-CB83EEBE4E28}"/>
               </a:ext>
               <a:ext uri="{C183D7F6-B498-43B3-948B-1728B52AA6E4}">
-                <adec:decorative xmlns:adec="http://schemas.microsoft.com/office/drawing/2017/decorative" xmlns="" val="1"/>
+                <adec:decorative xmlns="" xmlns:adec="http://schemas.microsoft.com/office/drawing/2017/decorative" val="1"/>
               </a:ext>
             </a:extLst>
           </p:cNvPr>
@@ -12476,7 +12476,7 @@
           <p:nvPr>
             <p:extLst>
               <p:ext uri="{386F3935-93C4-4BCD-93E2-E3B085C9AB24}">
-                <p16:designElem xmlns:p16="http://schemas.microsoft.com/office/powerpoint/2015/main" xmlns="" val="1"/>
+                <p16:designElem xmlns="" xmlns:p16="http://schemas.microsoft.com/office/powerpoint/2015/main" val="1"/>
               </p:ext>
             </p:extLst>
           </p:nvPr>
@@ -12953,10 +12953,10 @@
           <p:cNvPr id="14" name="Rectangle 13">
             <a:extLst>
               <a:ext uri="{FF2B5EF4-FFF2-40B4-BE49-F238E27FC236}">
-                <a16:creationId xmlns:a16="http://schemas.microsoft.com/office/drawing/2014/main" xmlns="" id="{8ADAB9C8-EB37-4914-A699-C716FC8FE4FE}"/>
+                <a16:creationId xmlns="" xmlns:a16="http://schemas.microsoft.com/office/drawing/2014/main" id="{8ADAB9C8-EB37-4914-A699-C716FC8FE4FE}"/>
               </a:ext>
               <a:ext uri="{C183D7F6-B498-43B3-948B-1728B52AA6E4}">
-                <adec:decorative xmlns:adec="http://schemas.microsoft.com/office/drawing/2017/decorative" xmlns="" val="1"/>
+                <adec:decorative xmlns="" xmlns:adec="http://schemas.microsoft.com/office/drawing/2017/decorative" val="1"/>
               </a:ext>
             </a:extLst>
           </p:cNvPr>
@@ -12966,7 +12966,7 @@
           <p:nvPr>
             <p:extLst>
               <p:ext uri="{386F3935-93C4-4BCD-93E2-E3B085C9AB24}">
-                <p16:designElem xmlns:p16="http://schemas.microsoft.com/office/powerpoint/2015/main" xmlns="" val="1"/>
+                <p16:designElem xmlns="" xmlns:p16="http://schemas.microsoft.com/office/powerpoint/2015/main" val="1"/>
               </p:ext>
             </p:extLst>
           </p:nvPr>
@@ -13006,7 +13006,7 @@
           <p:cNvPr id="2" name="Başlık 1">
             <a:extLst>
               <a:ext uri="{FF2B5EF4-FFF2-40B4-BE49-F238E27FC236}">
-                <a16:creationId xmlns:a16="http://schemas.microsoft.com/office/drawing/2014/main" xmlns="" id="{4E45D578-62A4-A5B2-85EF-AB3D77337321}"/>
+                <a16:creationId xmlns="" xmlns:a16="http://schemas.microsoft.com/office/drawing/2014/main" id="{4E45D578-62A4-A5B2-85EF-AB3D77337321}"/>
               </a:ext>
             </a:extLst>
           </p:cNvPr>
@@ -13077,7 +13077,7 @@
           <p:cNvPr id="3" name="İçerik Yer Tutucusu 2">
             <a:extLst>
               <a:ext uri="{FF2B5EF4-FFF2-40B4-BE49-F238E27FC236}">
-                <a16:creationId xmlns:a16="http://schemas.microsoft.com/office/drawing/2014/main" xmlns="" id="{B4A53707-5E94-4D00-D72C-B15639E860D3}"/>
+                <a16:creationId xmlns="" xmlns:a16="http://schemas.microsoft.com/office/drawing/2014/main" id="{B4A53707-5E94-4D00-D72C-B15639E860D3}"/>
               </a:ext>
             </a:extLst>
           </p:cNvPr>
@@ -13440,7 +13440,7 @@
           <p:cNvPr id="6" name="Resim 6" descr="metin içeren bir resim&#10;&#10;Açıklama otomatik olarak oluşturuldu">
             <a:extLst>
               <a:ext uri="{FF2B5EF4-FFF2-40B4-BE49-F238E27FC236}">
-                <a16:creationId xmlns:a16="http://schemas.microsoft.com/office/drawing/2014/main" xmlns="" id="{40729E82-1BFB-EF34-C945-D837B0ABF1CC}"/>
+                <a16:creationId xmlns="" xmlns:a16="http://schemas.microsoft.com/office/drawing/2014/main" id="{40729E82-1BFB-EF34-C945-D837B0ABF1CC}"/>
               </a:ext>
             </a:extLst>
           </p:cNvPr>
@@ -13468,7 +13468,7 @@
     </p:spTree>
     <p:extLst>
       <p:ext uri="{BB962C8B-B14F-4D97-AF65-F5344CB8AC3E}">
-        <p14:creationId xmlns:p14="http://schemas.microsoft.com/office/powerpoint/2010/main" xmlns="" val="880301623"/>
+        <p14:creationId xmlns="" xmlns:p14="http://schemas.microsoft.com/office/powerpoint/2010/main" val="880301623"/>
       </p:ext>
     </p:extLst>
   </p:cSld>
@@ -13531,10 +13531,10 @@
           <p:cNvPr id="8" name="Rectangle 7">
             <a:extLst>
               <a:ext uri="{FF2B5EF4-FFF2-40B4-BE49-F238E27FC236}">
-                <a16:creationId xmlns:a16="http://schemas.microsoft.com/office/drawing/2014/main" xmlns="" id="{0D9B8FD4-CDEB-4EB4-B4DE-C89E11938958}"/>
+                <a16:creationId xmlns="" xmlns:a16="http://schemas.microsoft.com/office/drawing/2014/main" id="{0D9B8FD4-CDEB-4EB4-B4DE-C89E11938958}"/>
               </a:ext>
               <a:ext uri="{C183D7F6-B498-43B3-948B-1728B52AA6E4}">
-                <adec:decorative xmlns:adec="http://schemas.microsoft.com/office/drawing/2017/decorative" xmlns="" val="1"/>
+                <adec:decorative xmlns="" xmlns:adec="http://schemas.microsoft.com/office/drawing/2017/decorative" val="1"/>
               </a:ext>
             </a:extLst>
           </p:cNvPr>
@@ -13544,7 +13544,7 @@
           <p:nvPr>
             <p:extLst>
               <p:ext uri="{386F3935-93C4-4BCD-93E2-E3B085C9AB24}">
-                <p16:designElem xmlns:p16="http://schemas.microsoft.com/office/powerpoint/2015/main" xmlns="" val="1"/>
+                <p16:designElem xmlns="" xmlns:p16="http://schemas.microsoft.com/office/powerpoint/2015/main" val="1"/>
               </p:ext>
             </p:extLst>
           </p:nvPr>
@@ -13591,10 +13591,10 @@
           <p:cNvPr id="10" name="Freeform 36">
             <a:extLst>
               <a:ext uri="{FF2B5EF4-FFF2-40B4-BE49-F238E27FC236}">
-                <a16:creationId xmlns:a16="http://schemas.microsoft.com/office/drawing/2014/main" xmlns="" id="{5A2E3D1D-9E9F-4739-BA14-D4D7FA9FBDD1}"/>
+                <a16:creationId xmlns="" xmlns:a16="http://schemas.microsoft.com/office/drawing/2014/main" id="{5A2E3D1D-9E9F-4739-BA14-D4D7FA9FBDD1}"/>
               </a:ext>
               <a:ext uri="{C183D7F6-B498-43B3-948B-1728B52AA6E4}">
-                <adec:decorative xmlns:adec="http://schemas.microsoft.com/office/drawing/2017/decorative" xmlns="" val="1"/>
+                <adec:decorative xmlns="" xmlns:adec="http://schemas.microsoft.com/office/drawing/2017/decorative" val="1"/>
               </a:ext>
             </a:extLst>
           </p:cNvPr>
@@ -13604,7 +13604,7 @@
           <p:nvPr>
             <p:extLst>
               <p:ext uri="{386F3935-93C4-4BCD-93E2-E3B085C9AB24}">
-                <p16:designElem xmlns:p16="http://schemas.microsoft.com/office/powerpoint/2015/main" xmlns="" val="1"/>
+                <p16:designElem xmlns="" xmlns:p16="http://schemas.microsoft.com/office/powerpoint/2015/main" val="1"/>
               </p:ext>
             </p:extLst>
           </p:nvPr>
@@ -13943,10 +13943,10 @@
           <p:cNvPr id="12" name="Freeform: Shape 11">
             <a:extLst>
               <a:ext uri="{FF2B5EF4-FFF2-40B4-BE49-F238E27FC236}">
-                <a16:creationId xmlns:a16="http://schemas.microsoft.com/office/drawing/2014/main" xmlns="" id="{1FFB365B-E9DC-4859-B8AB-CB83EEBE4E28}"/>
+                <a16:creationId xmlns="" xmlns:a16="http://schemas.microsoft.com/office/drawing/2014/main" id="{1FFB365B-E9DC-4859-B8AB-CB83EEBE4E28}"/>
               </a:ext>
               <a:ext uri="{C183D7F6-B498-43B3-948B-1728B52AA6E4}">
-                <adec:decorative xmlns:adec="http://schemas.microsoft.com/office/drawing/2017/decorative" xmlns="" val="1"/>
+                <adec:decorative xmlns="" xmlns:adec="http://schemas.microsoft.com/office/drawing/2017/decorative" val="1"/>
               </a:ext>
             </a:extLst>
           </p:cNvPr>
@@ -13956,7 +13956,7 @@
           <p:nvPr>
             <p:extLst>
               <p:ext uri="{386F3935-93C4-4BCD-93E2-E3B085C9AB24}">
-                <p16:designElem xmlns:p16="http://schemas.microsoft.com/office/powerpoint/2015/main" xmlns="" val="1"/>
+                <p16:designElem xmlns="" xmlns:p16="http://schemas.microsoft.com/office/powerpoint/2015/main" val="1"/>
               </p:ext>
             </p:extLst>
           </p:nvPr>
@@ -14433,10 +14433,10 @@
           <p:cNvPr id="14" name="Rectangle 13">
             <a:extLst>
               <a:ext uri="{FF2B5EF4-FFF2-40B4-BE49-F238E27FC236}">
-                <a16:creationId xmlns:a16="http://schemas.microsoft.com/office/drawing/2014/main" xmlns="" id="{8ADAB9C8-EB37-4914-A699-C716FC8FE4FE}"/>
+                <a16:creationId xmlns="" xmlns:a16="http://schemas.microsoft.com/office/drawing/2014/main" id="{8ADAB9C8-EB37-4914-A699-C716FC8FE4FE}"/>
               </a:ext>
               <a:ext uri="{C183D7F6-B498-43B3-948B-1728B52AA6E4}">
-                <adec:decorative xmlns:adec="http://schemas.microsoft.com/office/drawing/2017/decorative" xmlns="" val="1"/>
+                <adec:decorative xmlns="" xmlns:adec="http://schemas.microsoft.com/office/drawing/2017/decorative" val="1"/>
               </a:ext>
             </a:extLst>
           </p:cNvPr>
@@ -14446,7 +14446,7 @@
           <p:nvPr>
             <p:extLst>
               <p:ext uri="{386F3935-93C4-4BCD-93E2-E3B085C9AB24}">
-                <p16:designElem xmlns:p16="http://schemas.microsoft.com/office/powerpoint/2015/main" xmlns="" val="1"/>
+                <p16:designElem xmlns="" xmlns:p16="http://schemas.microsoft.com/office/powerpoint/2015/main" val="1"/>
               </p:ext>
             </p:extLst>
           </p:nvPr>
@@ -14486,7 +14486,7 @@
           <p:cNvPr id="2" name="Başlık 1">
             <a:extLst>
               <a:ext uri="{FF2B5EF4-FFF2-40B4-BE49-F238E27FC236}">
-                <a16:creationId xmlns:a16="http://schemas.microsoft.com/office/drawing/2014/main" xmlns="" id="{4E45D578-62A4-A5B2-85EF-AB3D77337321}"/>
+                <a16:creationId xmlns="" xmlns:a16="http://schemas.microsoft.com/office/drawing/2014/main" id="{4E45D578-62A4-A5B2-85EF-AB3D77337321}"/>
               </a:ext>
             </a:extLst>
           </p:cNvPr>
@@ -14574,7 +14574,7 @@
           <p:cNvPr id="3" name="İçerik Yer Tutucusu 2">
             <a:extLst>
               <a:ext uri="{FF2B5EF4-FFF2-40B4-BE49-F238E27FC236}">
-                <a16:creationId xmlns:a16="http://schemas.microsoft.com/office/drawing/2014/main" xmlns="" id="{B4A53707-5E94-4D00-D72C-B15639E860D3}"/>
+                <a16:creationId xmlns="" xmlns:a16="http://schemas.microsoft.com/office/drawing/2014/main" id="{B4A53707-5E94-4D00-D72C-B15639E860D3}"/>
               </a:ext>
             </a:extLst>
           </p:cNvPr>
@@ -15031,7 +15031,7 @@
           <p:cNvPr id="5" name="İçerik Yer Tutucusu 2">
             <a:extLst>
               <a:ext uri="{FF2B5EF4-FFF2-40B4-BE49-F238E27FC236}">
-                <a16:creationId xmlns:a16="http://schemas.microsoft.com/office/drawing/2014/main" xmlns="" id="{95B399E2-6035-6066-056D-804E1C081AEC}"/>
+                <a16:creationId xmlns="" xmlns:a16="http://schemas.microsoft.com/office/drawing/2014/main" id="{95B399E2-6035-6066-056D-804E1C081AEC}"/>
               </a:ext>
             </a:extLst>
           </p:cNvPr>
@@ -15337,7 +15337,7 @@
     </p:spTree>
     <p:extLst>
       <p:ext uri="{BB962C8B-B14F-4D97-AF65-F5344CB8AC3E}">
-        <p14:creationId xmlns:p14="http://schemas.microsoft.com/office/powerpoint/2010/main" xmlns="" val="1444931392"/>
+        <p14:creationId xmlns="" xmlns:p14="http://schemas.microsoft.com/office/powerpoint/2010/main" val="1444931392"/>
       </p:ext>
     </p:extLst>
   </p:cSld>
@@ -15400,10 +15400,10 @@
           <p:cNvPr id="8" name="Rectangle 7">
             <a:extLst>
               <a:ext uri="{FF2B5EF4-FFF2-40B4-BE49-F238E27FC236}">
-                <a16:creationId xmlns:a16="http://schemas.microsoft.com/office/drawing/2014/main" xmlns="" id="{0D9B8FD4-CDEB-4EB4-B4DE-C89E11938958}"/>
+                <a16:creationId xmlns="" xmlns:a16="http://schemas.microsoft.com/office/drawing/2014/main" id="{0D9B8FD4-CDEB-4EB4-B4DE-C89E11938958}"/>
               </a:ext>
               <a:ext uri="{C183D7F6-B498-43B3-948B-1728B52AA6E4}">
-                <adec:decorative xmlns:adec="http://schemas.microsoft.com/office/drawing/2017/decorative" xmlns="" val="1"/>
+                <adec:decorative xmlns="" xmlns:adec="http://schemas.microsoft.com/office/drawing/2017/decorative" val="1"/>
               </a:ext>
             </a:extLst>
           </p:cNvPr>
@@ -15413,7 +15413,7 @@
           <p:nvPr>
             <p:extLst>
               <p:ext uri="{386F3935-93C4-4BCD-93E2-E3B085C9AB24}">
-                <p16:designElem xmlns:p16="http://schemas.microsoft.com/office/powerpoint/2015/main" xmlns="" val="1"/>
+                <p16:designElem xmlns="" xmlns:p16="http://schemas.microsoft.com/office/powerpoint/2015/main" val="1"/>
               </p:ext>
             </p:extLst>
           </p:nvPr>
@@ -15460,10 +15460,10 @@
           <p:cNvPr id="10" name="Freeform 36">
             <a:extLst>
               <a:ext uri="{FF2B5EF4-FFF2-40B4-BE49-F238E27FC236}">
-                <a16:creationId xmlns:a16="http://schemas.microsoft.com/office/drawing/2014/main" xmlns="" id="{5A2E3D1D-9E9F-4739-BA14-D4D7FA9FBDD1}"/>
+                <a16:creationId xmlns="" xmlns:a16="http://schemas.microsoft.com/office/drawing/2014/main" id="{5A2E3D1D-9E9F-4739-BA14-D4D7FA9FBDD1}"/>
               </a:ext>
               <a:ext uri="{C183D7F6-B498-43B3-948B-1728B52AA6E4}">
-                <adec:decorative xmlns:adec="http://schemas.microsoft.com/office/drawing/2017/decorative" xmlns="" val="1"/>
+                <adec:decorative xmlns="" xmlns:adec="http://schemas.microsoft.com/office/drawing/2017/decorative" val="1"/>
               </a:ext>
             </a:extLst>
           </p:cNvPr>
@@ -15473,7 +15473,7 @@
           <p:nvPr>
             <p:extLst>
               <p:ext uri="{386F3935-93C4-4BCD-93E2-E3B085C9AB24}">
-                <p16:designElem xmlns:p16="http://schemas.microsoft.com/office/powerpoint/2015/main" xmlns="" val="1"/>
+                <p16:designElem xmlns="" xmlns:p16="http://schemas.microsoft.com/office/powerpoint/2015/main" val="1"/>
               </p:ext>
             </p:extLst>
           </p:nvPr>
@@ -15812,10 +15812,10 @@
           <p:cNvPr id="12" name="Freeform: Shape 11">
             <a:extLst>
               <a:ext uri="{FF2B5EF4-FFF2-40B4-BE49-F238E27FC236}">
-                <a16:creationId xmlns:a16="http://schemas.microsoft.com/office/drawing/2014/main" xmlns="" id="{1FFB365B-E9DC-4859-B8AB-CB83EEBE4E28}"/>
+                <a16:creationId xmlns="" xmlns:a16="http://schemas.microsoft.com/office/drawing/2014/main" id="{1FFB365B-E9DC-4859-B8AB-CB83EEBE4E28}"/>
               </a:ext>
               <a:ext uri="{C183D7F6-B498-43B3-948B-1728B52AA6E4}">
-                <adec:decorative xmlns:adec="http://schemas.microsoft.com/office/drawing/2017/decorative" xmlns="" val="1"/>
+                <adec:decorative xmlns="" xmlns:adec="http://schemas.microsoft.com/office/drawing/2017/decorative" val="1"/>
               </a:ext>
             </a:extLst>
           </p:cNvPr>
@@ -15825,7 +15825,7 @@
           <p:nvPr>
             <p:extLst>
               <p:ext uri="{386F3935-93C4-4BCD-93E2-E3B085C9AB24}">
-                <p16:designElem xmlns:p16="http://schemas.microsoft.com/office/powerpoint/2015/main" xmlns="" val="1"/>
+                <p16:designElem xmlns="" xmlns:p16="http://schemas.microsoft.com/office/powerpoint/2015/main" val="1"/>
               </p:ext>
             </p:extLst>
           </p:nvPr>
@@ -16302,10 +16302,10 @@
           <p:cNvPr id="14" name="Rectangle 13">
             <a:extLst>
               <a:ext uri="{FF2B5EF4-FFF2-40B4-BE49-F238E27FC236}">
-                <a16:creationId xmlns:a16="http://schemas.microsoft.com/office/drawing/2014/main" xmlns="" id="{8ADAB9C8-EB37-4914-A699-C716FC8FE4FE}"/>
+                <a16:creationId xmlns="" xmlns:a16="http://schemas.microsoft.com/office/drawing/2014/main" id="{8ADAB9C8-EB37-4914-A699-C716FC8FE4FE}"/>
               </a:ext>
               <a:ext uri="{C183D7F6-B498-43B3-948B-1728B52AA6E4}">
-                <adec:decorative xmlns:adec="http://schemas.microsoft.com/office/drawing/2017/decorative" xmlns="" val="1"/>
+                <adec:decorative xmlns="" xmlns:adec="http://schemas.microsoft.com/office/drawing/2017/decorative" val="1"/>
               </a:ext>
             </a:extLst>
           </p:cNvPr>
@@ -16315,7 +16315,7 @@
           <p:nvPr>
             <p:extLst>
               <p:ext uri="{386F3935-93C4-4BCD-93E2-E3B085C9AB24}">
-                <p16:designElem xmlns:p16="http://schemas.microsoft.com/office/powerpoint/2015/main" xmlns="" val="1"/>
+                <p16:designElem xmlns="" xmlns:p16="http://schemas.microsoft.com/office/powerpoint/2015/main" val="1"/>
               </p:ext>
             </p:extLst>
           </p:nvPr>
@@ -16355,7 +16355,7 @@
           <p:cNvPr id="2" name="Başlık 1">
             <a:extLst>
               <a:ext uri="{FF2B5EF4-FFF2-40B4-BE49-F238E27FC236}">
-                <a16:creationId xmlns:a16="http://schemas.microsoft.com/office/drawing/2014/main" xmlns="" id="{4E45D578-62A4-A5B2-85EF-AB3D77337321}"/>
+                <a16:creationId xmlns="" xmlns:a16="http://schemas.microsoft.com/office/drawing/2014/main" id="{4E45D578-62A4-A5B2-85EF-AB3D77337321}"/>
               </a:ext>
             </a:extLst>
           </p:cNvPr>
@@ -16411,7 +16411,7 @@
           <p:cNvPr id="3" name="İçerik Yer Tutucusu 2">
             <a:extLst>
               <a:ext uri="{FF2B5EF4-FFF2-40B4-BE49-F238E27FC236}">
-                <a16:creationId xmlns:a16="http://schemas.microsoft.com/office/drawing/2014/main" xmlns="" id="{B4A53707-5E94-4D00-D72C-B15639E860D3}"/>
+                <a16:creationId xmlns="" xmlns:a16="http://schemas.microsoft.com/office/drawing/2014/main" id="{B4A53707-5E94-4D00-D72C-B15639E860D3}"/>
               </a:ext>
             </a:extLst>
           </p:cNvPr>
@@ -16430,7 +16430,7 @@
         </p:spPr>
         <p:txBody>
           <a:bodyPr vert="horz" lIns="91440" tIns="45720" rIns="91440" bIns="45720" rtlCol="0" anchor="t">
-            <a:normAutofit fontScale="85000" lnSpcReduction="20000"/>
+            <a:normAutofit fontScale="92500" lnSpcReduction="20000"/>
           </a:bodyPr>
           <a:lstStyle/>
           <a:p>
@@ -16796,7 +16796,7 @@
               <a:t> </a:t>
             </a:r>
             <a:r>
-              <a:rPr lang="tr-TR" sz="1800" dirty="0" err="1">
+              <a:rPr lang="tr-TR" sz="1800" dirty="0" err="1" smtClean="0">
                 <a:solidFill>
                   <a:schemeClr val="bg1"/>
                 </a:solidFill>
@@ -16804,48 +16804,6 @@
                 <a:cs typeface="+mj-lt"/>
               </a:rPr>
               <a:t>access</a:t>
-            </a:r>
-            <a:endParaRPr lang="tr-TR" sz="1800" dirty="0">
-              <a:solidFill>
-                <a:schemeClr val="bg1"/>
-              </a:solidFill>
-            </a:endParaRPr>
-          </a:p>
-          <a:p>
-            <a:pPr>
-              <a:buClr>
-                <a:srgbClr val="8AD0D6"/>
-              </a:buClr>
-            </a:pPr>
-            <a:r>
-              <a:rPr lang="tr-TR" sz="1800" dirty="0" smtClean="0">
-                <a:solidFill>
-                  <a:schemeClr val="bg1"/>
-                </a:solidFill>
-                <a:ea typeface="+mj-lt"/>
-                <a:cs typeface="+mj-lt"/>
-              </a:rPr>
-              <a:t>ip </a:t>
-            </a:r>
-            <a:r>
-              <a:rPr lang="tr-TR" sz="1800" dirty="0" err="1">
-                <a:solidFill>
-                  <a:schemeClr val="bg1"/>
-                </a:solidFill>
-                <a:ea typeface="+mj-lt"/>
-                <a:cs typeface="+mj-lt"/>
-              </a:rPr>
-              <a:t>add</a:t>
-            </a:r>
-            <a:r>
-              <a:rPr lang="tr-TR" sz="1800" dirty="0">
-                <a:solidFill>
-                  <a:schemeClr val="bg1"/>
-                </a:solidFill>
-                <a:ea typeface="+mj-lt"/>
-                <a:cs typeface="+mj-lt"/>
-              </a:rPr>
-              <a:t> 192.168.1.1 255.255.255.0</a:t>
             </a:r>
             <a:endParaRPr lang="tr-TR" sz="1800" dirty="0">
               <a:solidFill>
@@ -17062,17 +17020,7 @@
                 <a:ea typeface="+mj-lt"/>
                 <a:cs typeface="+mj-lt"/>
               </a:rPr>
-              <a:t> f</a:t>
-            </a:r>
-            <a:r>
-              <a:rPr lang="tr-TR" sz="1800" dirty="0" smtClean="0">
-                <a:solidFill>
-                  <a:schemeClr val="bg1"/>
-                </a:solidFill>
-                <a:ea typeface="+mj-lt"/>
-                <a:cs typeface="+mj-lt"/>
-              </a:rPr>
-              <a:t>0/1 </a:t>
+              <a:t> f0/1 </a:t>
             </a:r>
             <a:r>
               <a:rPr lang="tr-TR" sz="1800" dirty="0" err="1" smtClean="0">
@@ -17235,7 +17183,7 @@
     </p:spTree>
     <p:extLst>
       <p:ext uri="{BB962C8B-B14F-4D97-AF65-F5344CB8AC3E}">
-        <p14:creationId xmlns:p14="http://schemas.microsoft.com/office/powerpoint/2010/main" xmlns="" val="4268731730"/>
+        <p14:creationId xmlns="" xmlns:p14="http://schemas.microsoft.com/office/powerpoint/2010/main" val="4268731730"/>
       </p:ext>
     </p:extLst>
   </p:cSld>
@@ -17298,10 +17246,10 @@
           <p:cNvPr id="8" name="Rectangle 7">
             <a:extLst>
               <a:ext uri="{FF2B5EF4-FFF2-40B4-BE49-F238E27FC236}">
-                <a16:creationId xmlns:a16="http://schemas.microsoft.com/office/drawing/2014/main" xmlns="" id="{0D9B8FD4-CDEB-4EB4-B4DE-C89E11938958}"/>
+                <a16:creationId xmlns="" xmlns:a16="http://schemas.microsoft.com/office/drawing/2014/main" id="{0D9B8FD4-CDEB-4EB4-B4DE-C89E11938958}"/>
               </a:ext>
               <a:ext uri="{C183D7F6-B498-43B3-948B-1728B52AA6E4}">
-                <adec:decorative xmlns:adec="http://schemas.microsoft.com/office/drawing/2017/decorative" xmlns="" val="1"/>
+                <adec:decorative xmlns="" xmlns:adec="http://schemas.microsoft.com/office/drawing/2017/decorative" val="1"/>
               </a:ext>
             </a:extLst>
           </p:cNvPr>
@@ -17311,7 +17259,7 @@
           <p:nvPr>
             <p:extLst>
               <p:ext uri="{386F3935-93C4-4BCD-93E2-E3B085C9AB24}">
-                <p16:designElem xmlns:p16="http://schemas.microsoft.com/office/powerpoint/2015/main" xmlns="" val="1"/>
+                <p16:designElem xmlns="" xmlns:p16="http://schemas.microsoft.com/office/powerpoint/2015/main" val="1"/>
               </p:ext>
             </p:extLst>
           </p:nvPr>
@@ -17358,10 +17306,10 @@
           <p:cNvPr id="10" name="Freeform 36">
             <a:extLst>
               <a:ext uri="{FF2B5EF4-FFF2-40B4-BE49-F238E27FC236}">
-                <a16:creationId xmlns:a16="http://schemas.microsoft.com/office/drawing/2014/main" xmlns="" id="{5A2E3D1D-9E9F-4739-BA14-D4D7FA9FBDD1}"/>
+                <a16:creationId xmlns="" xmlns:a16="http://schemas.microsoft.com/office/drawing/2014/main" id="{5A2E3D1D-9E9F-4739-BA14-D4D7FA9FBDD1}"/>
               </a:ext>
               <a:ext uri="{C183D7F6-B498-43B3-948B-1728B52AA6E4}">
-                <adec:decorative xmlns:adec="http://schemas.microsoft.com/office/drawing/2017/decorative" xmlns="" val="1"/>
+                <adec:decorative xmlns="" xmlns:adec="http://schemas.microsoft.com/office/drawing/2017/decorative" val="1"/>
               </a:ext>
             </a:extLst>
           </p:cNvPr>
@@ -17371,7 +17319,7 @@
           <p:nvPr>
             <p:extLst>
               <p:ext uri="{386F3935-93C4-4BCD-93E2-E3B085C9AB24}">
-                <p16:designElem xmlns:p16="http://schemas.microsoft.com/office/powerpoint/2015/main" xmlns="" val="1"/>
+                <p16:designElem xmlns="" xmlns:p16="http://schemas.microsoft.com/office/powerpoint/2015/main" val="1"/>
               </p:ext>
             </p:extLst>
           </p:nvPr>
@@ -17710,10 +17658,10 @@
           <p:cNvPr id="12" name="Freeform: Shape 11">
             <a:extLst>
               <a:ext uri="{FF2B5EF4-FFF2-40B4-BE49-F238E27FC236}">
-                <a16:creationId xmlns:a16="http://schemas.microsoft.com/office/drawing/2014/main" xmlns="" id="{1FFB365B-E9DC-4859-B8AB-CB83EEBE4E28}"/>
+                <a16:creationId xmlns="" xmlns:a16="http://schemas.microsoft.com/office/drawing/2014/main" id="{1FFB365B-E9DC-4859-B8AB-CB83EEBE4E28}"/>
               </a:ext>
               <a:ext uri="{C183D7F6-B498-43B3-948B-1728B52AA6E4}">
-                <adec:decorative xmlns:adec="http://schemas.microsoft.com/office/drawing/2017/decorative" xmlns="" val="1"/>
+                <adec:decorative xmlns="" xmlns:adec="http://schemas.microsoft.com/office/drawing/2017/decorative" val="1"/>
               </a:ext>
             </a:extLst>
           </p:cNvPr>
@@ -17723,7 +17671,7 @@
           <p:nvPr>
             <p:extLst>
               <p:ext uri="{386F3935-93C4-4BCD-93E2-E3B085C9AB24}">
-                <p16:designElem xmlns:p16="http://schemas.microsoft.com/office/powerpoint/2015/main" xmlns="" val="1"/>
+                <p16:designElem xmlns="" xmlns:p16="http://schemas.microsoft.com/office/powerpoint/2015/main" val="1"/>
               </p:ext>
             </p:extLst>
           </p:nvPr>
@@ -18200,10 +18148,10 @@
           <p:cNvPr id="14" name="Rectangle 13">
             <a:extLst>
               <a:ext uri="{FF2B5EF4-FFF2-40B4-BE49-F238E27FC236}">
-                <a16:creationId xmlns:a16="http://schemas.microsoft.com/office/drawing/2014/main" xmlns="" id="{8ADAB9C8-EB37-4914-A699-C716FC8FE4FE}"/>
+                <a16:creationId xmlns="" xmlns:a16="http://schemas.microsoft.com/office/drawing/2014/main" id="{8ADAB9C8-EB37-4914-A699-C716FC8FE4FE}"/>
               </a:ext>
               <a:ext uri="{C183D7F6-B498-43B3-948B-1728B52AA6E4}">
-                <adec:decorative xmlns:adec="http://schemas.microsoft.com/office/drawing/2017/decorative" xmlns="" val="1"/>
+                <adec:decorative xmlns="" xmlns:adec="http://schemas.microsoft.com/office/drawing/2017/decorative" val="1"/>
               </a:ext>
             </a:extLst>
           </p:cNvPr>
@@ -18213,7 +18161,7 @@
           <p:nvPr>
             <p:extLst>
               <p:ext uri="{386F3935-93C4-4BCD-93E2-E3B085C9AB24}">
-                <p16:designElem xmlns:p16="http://schemas.microsoft.com/office/powerpoint/2015/main" xmlns="" val="1"/>
+                <p16:designElem xmlns="" xmlns:p16="http://schemas.microsoft.com/office/powerpoint/2015/main" val="1"/>
               </p:ext>
             </p:extLst>
           </p:nvPr>
@@ -18253,7 +18201,7 @@
           <p:cNvPr id="2" name="Başlık 1">
             <a:extLst>
               <a:ext uri="{FF2B5EF4-FFF2-40B4-BE49-F238E27FC236}">
-                <a16:creationId xmlns:a16="http://schemas.microsoft.com/office/drawing/2014/main" xmlns="" id="{4E45D578-62A4-A5B2-85EF-AB3D77337321}"/>
+                <a16:creationId xmlns="" xmlns:a16="http://schemas.microsoft.com/office/drawing/2014/main" id="{4E45D578-62A4-A5B2-85EF-AB3D77337321}"/>
               </a:ext>
             </a:extLst>
           </p:cNvPr>
@@ -18309,7 +18257,7 @@
           <p:cNvPr id="3" name="İçerik Yer Tutucusu 2">
             <a:extLst>
               <a:ext uri="{FF2B5EF4-FFF2-40B4-BE49-F238E27FC236}">
-                <a16:creationId xmlns:a16="http://schemas.microsoft.com/office/drawing/2014/main" xmlns="" id="{B4A53707-5E94-4D00-D72C-B15639E860D3}"/>
+                <a16:creationId xmlns="" xmlns:a16="http://schemas.microsoft.com/office/drawing/2014/main" id="{B4A53707-5E94-4D00-D72C-B15639E860D3}"/>
               </a:ext>
             </a:extLst>
           </p:cNvPr>
@@ -18741,7 +18689,7 @@
     </p:spTree>
     <p:extLst>
       <p:ext uri="{BB962C8B-B14F-4D97-AF65-F5344CB8AC3E}">
-        <p14:creationId xmlns:p14="http://schemas.microsoft.com/office/powerpoint/2010/main" xmlns="" val="3655957923"/>
+        <p14:creationId xmlns="" xmlns:p14="http://schemas.microsoft.com/office/powerpoint/2010/main" val="3655957923"/>
       </p:ext>
     </p:extLst>
   </p:cSld>
@@ -18804,10 +18752,10 @@
           <p:cNvPr id="8" name="Rectangle 7">
             <a:extLst>
               <a:ext uri="{FF2B5EF4-FFF2-40B4-BE49-F238E27FC236}">
-                <a16:creationId xmlns:a16="http://schemas.microsoft.com/office/drawing/2014/main" xmlns="" id="{0D9B8FD4-CDEB-4EB4-B4DE-C89E11938958}"/>
+                <a16:creationId xmlns="" xmlns:a16="http://schemas.microsoft.com/office/drawing/2014/main" id="{0D9B8FD4-CDEB-4EB4-B4DE-C89E11938958}"/>
               </a:ext>
               <a:ext uri="{C183D7F6-B498-43B3-948B-1728B52AA6E4}">
-                <adec:decorative xmlns:adec="http://schemas.microsoft.com/office/drawing/2017/decorative" xmlns="" val="1"/>
+                <adec:decorative xmlns="" xmlns:adec="http://schemas.microsoft.com/office/drawing/2017/decorative" val="1"/>
               </a:ext>
             </a:extLst>
           </p:cNvPr>
@@ -18817,7 +18765,7 @@
           <p:nvPr>
             <p:extLst>
               <p:ext uri="{386F3935-93C4-4BCD-93E2-E3B085C9AB24}">
-                <p16:designElem xmlns:p16="http://schemas.microsoft.com/office/powerpoint/2015/main" xmlns="" val="1"/>
+                <p16:designElem xmlns="" xmlns:p16="http://schemas.microsoft.com/office/powerpoint/2015/main" val="1"/>
               </p:ext>
             </p:extLst>
           </p:nvPr>
@@ -18864,10 +18812,10 @@
           <p:cNvPr id="10" name="Freeform 36">
             <a:extLst>
               <a:ext uri="{FF2B5EF4-FFF2-40B4-BE49-F238E27FC236}">
-                <a16:creationId xmlns:a16="http://schemas.microsoft.com/office/drawing/2014/main" xmlns="" id="{5A2E3D1D-9E9F-4739-BA14-D4D7FA9FBDD1}"/>
+                <a16:creationId xmlns="" xmlns:a16="http://schemas.microsoft.com/office/drawing/2014/main" id="{5A2E3D1D-9E9F-4739-BA14-D4D7FA9FBDD1}"/>
               </a:ext>
               <a:ext uri="{C183D7F6-B498-43B3-948B-1728B52AA6E4}">
-                <adec:decorative xmlns:adec="http://schemas.microsoft.com/office/drawing/2017/decorative" xmlns="" val="1"/>
+                <adec:decorative xmlns="" xmlns:adec="http://schemas.microsoft.com/office/drawing/2017/decorative" val="1"/>
               </a:ext>
             </a:extLst>
           </p:cNvPr>
@@ -18877,7 +18825,7 @@
           <p:nvPr>
             <p:extLst>
               <p:ext uri="{386F3935-93C4-4BCD-93E2-E3B085C9AB24}">
-                <p16:designElem xmlns:p16="http://schemas.microsoft.com/office/powerpoint/2015/main" xmlns="" val="1"/>
+                <p16:designElem xmlns="" xmlns:p16="http://schemas.microsoft.com/office/powerpoint/2015/main" val="1"/>
               </p:ext>
             </p:extLst>
           </p:nvPr>
@@ -19216,10 +19164,10 @@
           <p:cNvPr id="12" name="Freeform: Shape 11">
             <a:extLst>
               <a:ext uri="{FF2B5EF4-FFF2-40B4-BE49-F238E27FC236}">
-                <a16:creationId xmlns:a16="http://schemas.microsoft.com/office/drawing/2014/main" xmlns="" id="{1FFB365B-E9DC-4859-B8AB-CB83EEBE4E28}"/>
+                <a16:creationId xmlns="" xmlns:a16="http://schemas.microsoft.com/office/drawing/2014/main" id="{1FFB365B-E9DC-4859-B8AB-CB83EEBE4E28}"/>
               </a:ext>
               <a:ext uri="{C183D7F6-B498-43B3-948B-1728B52AA6E4}">
-                <adec:decorative xmlns:adec="http://schemas.microsoft.com/office/drawing/2017/decorative" xmlns="" val="1"/>
+                <adec:decorative xmlns="" xmlns:adec="http://schemas.microsoft.com/office/drawing/2017/decorative" val="1"/>
               </a:ext>
             </a:extLst>
           </p:cNvPr>
@@ -19229,7 +19177,7 @@
           <p:nvPr>
             <p:extLst>
               <p:ext uri="{386F3935-93C4-4BCD-93E2-E3B085C9AB24}">
-                <p16:designElem xmlns:p16="http://schemas.microsoft.com/office/powerpoint/2015/main" xmlns="" val="1"/>
+                <p16:designElem xmlns="" xmlns:p16="http://schemas.microsoft.com/office/powerpoint/2015/main" val="1"/>
               </p:ext>
             </p:extLst>
           </p:nvPr>
@@ -19706,10 +19654,10 @@
           <p:cNvPr id="14" name="Rectangle 13">
             <a:extLst>
               <a:ext uri="{FF2B5EF4-FFF2-40B4-BE49-F238E27FC236}">
-                <a16:creationId xmlns:a16="http://schemas.microsoft.com/office/drawing/2014/main" xmlns="" id="{8ADAB9C8-EB37-4914-A699-C716FC8FE4FE}"/>
+                <a16:creationId xmlns="" xmlns:a16="http://schemas.microsoft.com/office/drawing/2014/main" id="{8ADAB9C8-EB37-4914-A699-C716FC8FE4FE}"/>
               </a:ext>
               <a:ext uri="{C183D7F6-B498-43B3-948B-1728B52AA6E4}">
-                <adec:decorative xmlns:adec="http://schemas.microsoft.com/office/drawing/2017/decorative" xmlns="" val="1"/>
+                <adec:decorative xmlns="" xmlns:adec="http://schemas.microsoft.com/office/drawing/2017/decorative" val="1"/>
               </a:ext>
             </a:extLst>
           </p:cNvPr>
@@ -19719,7 +19667,7 @@
           <p:nvPr>
             <p:extLst>
               <p:ext uri="{386F3935-93C4-4BCD-93E2-E3B085C9AB24}">
-                <p16:designElem xmlns:p16="http://schemas.microsoft.com/office/powerpoint/2015/main" xmlns="" val="1"/>
+                <p16:designElem xmlns="" xmlns:p16="http://schemas.microsoft.com/office/powerpoint/2015/main" val="1"/>
               </p:ext>
             </p:extLst>
           </p:nvPr>
@@ -19759,7 +19707,7 @@
           <p:cNvPr id="2" name="Başlık 1">
             <a:extLst>
               <a:ext uri="{FF2B5EF4-FFF2-40B4-BE49-F238E27FC236}">
-                <a16:creationId xmlns:a16="http://schemas.microsoft.com/office/drawing/2014/main" xmlns="" id="{4E45D578-62A4-A5B2-85EF-AB3D77337321}"/>
+                <a16:creationId xmlns="" xmlns:a16="http://schemas.microsoft.com/office/drawing/2014/main" id="{4E45D578-62A4-A5B2-85EF-AB3D77337321}"/>
               </a:ext>
             </a:extLst>
           </p:cNvPr>
@@ -19823,7 +19771,7 @@
           <p:cNvPr id="3" name="İçerik Yer Tutucusu 2">
             <a:extLst>
               <a:ext uri="{FF2B5EF4-FFF2-40B4-BE49-F238E27FC236}">
-                <a16:creationId xmlns:a16="http://schemas.microsoft.com/office/drawing/2014/main" xmlns="" id="{B4A53707-5E94-4D00-D72C-B15639E860D3}"/>
+                <a16:creationId xmlns="" xmlns:a16="http://schemas.microsoft.com/office/drawing/2014/main" id="{B4A53707-5E94-4D00-D72C-B15639E860D3}"/>
               </a:ext>
             </a:extLst>
           </p:cNvPr>
@@ -20629,7 +20577,7 @@
     </p:spTree>
     <p:extLst>
       <p:ext uri="{BB962C8B-B14F-4D97-AF65-F5344CB8AC3E}">
-        <p14:creationId xmlns:p14="http://schemas.microsoft.com/office/powerpoint/2010/main" xmlns="" val="686345420"/>
+        <p14:creationId xmlns="" xmlns:p14="http://schemas.microsoft.com/office/powerpoint/2010/main" val="686345420"/>
       </p:ext>
     </p:extLst>
   </p:cSld>
@@ -20668,10 +20616,10 @@
           <p:cNvPr id="8" name="Rectangle 7">
             <a:extLst>
               <a:ext uri="{FF2B5EF4-FFF2-40B4-BE49-F238E27FC236}">
-                <a16:creationId xmlns:a16="http://schemas.microsoft.com/office/drawing/2014/main" xmlns="" id="{0D9B8FD4-CDEB-4EB4-B4DE-C89E11938958}"/>
+                <a16:creationId xmlns="" xmlns:a16="http://schemas.microsoft.com/office/drawing/2014/main" id="{0D9B8FD4-CDEB-4EB4-B4DE-C89E11938958}"/>
               </a:ext>
               <a:ext uri="{C183D7F6-B498-43B3-948B-1728B52AA6E4}">
-                <adec:decorative xmlns:adec="http://schemas.microsoft.com/office/drawing/2017/decorative" xmlns="" val="1"/>
+                <adec:decorative xmlns="" xmlns:adec="http://schemas.microsoft.com/office/drawing/2017/decorative" val="1"/>
               </a:ext>
             </a:extLst>
           </p:cNvPr>
@@ -20681,7 +20629,7 @@
           <p:nvPr>
             <p:extLst>
               <p:ext uri="{386F3935-93C4-4BCD-93E2-E3B085C9AB24}">
-                <p16:designElem xmlns:p16="http://schemas.microsoft.com/office/powerpoint/2015/main" xmlns="" val="1"/>
+                <p16:designElem xmlns="" xmlns:p16="http://schemas.microsoft.com/office/powerpoint/2015/main" val="1"/>
               </p:ext>
             </p:extLst>
           </p:nvPr>
@@ -20728,10 +20676,10 @@
           <p:cNvPr id="10" name="Freeform 36">
             <a:extLst>
               <a:ext uri="{FF2B5EF4-FFF2-40B4-BE49-F238E27FC236}">
-                <a16:creationId xmlns:a16="http://schemas.microsoft.com/office/drawing/2014/main" xmlns="" id="{5A2E3D1D-9E9F-4739-BA14-D4D7FA9FBDD1}"/>
+                <a16:creationId xmlns="" xmlns:a16="http://schemas.microsoft.com/office/drawing/2014/main" id="{5A2E3D1D-9E9F-4739-BA14-D4D7FA9FBDD1}"/>
               </a:ext>
               <a:ext uri="{C183D7F6-B498-43B3-948B-1728B52AA6E4}">
-                <adec:decorative xmlns:adec="http://schemas.microsoft.com/office/drawing/2017/decorative" xmlns="" val="1"/>
+                <adec:decorative xmlns="" xmlns:adec="http://schemas.microsoft.com/office/drawing/2017/decorative" val="1"/>
               </a:ext>
             </a:extLst>
           </p:cNvPr>
@@ -20741,7 +20689,7 @@
           <p:nvPr>
             <p:extLst>
               <p:ext uri="{386F3935-93C4-4BCD-93E2-E3B085C9AB24}">
-                <p16:designElem xmlns:p16="http://schemas.microsoft.com/office/powerpoint/2015/main" xmlns="" val="1"/>
+                <p16:designElem xmlns="" xmlns:p16="http://schemas.microsoft.com/office/powerpoint/2015/main" val="1"/>
               </p:ext>
             </p:extLst>
           </p:nvPr>
@@ -21080,10 +21028,10 @@
           <p:cNvPr id="12" name="Freeform: Shape 11">
             <a:extLst>
               <a:ext uri="{FF2B5EF4-FFF2-40B4-BE49-F238E27FC236}">
-                <a16:creationId xmlns:a16="http://schemas.microsoft.com/office/drawing/2014/main" xmlns="" id="{1FFB365B-E9DC-4859-B8AB-CB83EEBE4E28}"/>
+                <a16:creationId xmlns="" xmlns:a16="http://schemas.microsoft.com/office/drawing/2014/main" id="{1FFB365B-E9DC-4859-B8AB-CB83EEBE4E28}"/>
               </a:ext>
               <a:ext uri="{C183D7F6-B498-43B3-948B-1728B52AA6E4}">
-                <adec:decorative xmlns:adec="http://schemas.microsoft.com/office/drawing/2017/decorative" xmlns="" val="1"/>
+                <adec:decorative xmlns="" xmlns:adec="http://schemas.microsoft.com/office/drawing/2017/decorative" val="1"/>
               </a:ext>
             </a:extLst>
           </p:cNvPr>
@@ -21093,7 +21041,7 @@
           <p:nvPr>
             <p:extLst>
               <p:ext uri="{386F3935-93C4-4BCD-93E2-E3B085C9AB24}">
-                <p16:designElem xmlns:p16="http://schemas.microsoft.com/office/powerpoint/2015/main" xmlns="" val="1"/>
+                <p16:designElem xmlns="" xmlns:p16="http://schemas.microsoft.com/office/powerpoint/2015/main" val="1"/>
               </p:ext>
             </p:extLst>
           </p:nvPr>
@@ -21570,10 +21518,10 @@
           <p:cNvPr id="14" name="Rectangle 13">
             <a:extLst>
               <a:ext uri="{FF2B5EF4-FFF2-40B4-BE49-F238E27FC236}">
-                <a16:creationId xmlns:a16="http://schemas.microsoft.com/office/drawing/2014/main" xmlns="" id="{8ADAB9C8-EB37-4914-A699-C716FC8FE4FE}"/>
+                <a16:creationId xmlns="" xmlns:a16="http://schemas.microsoft.com/office/drawing/2014/main" id="{8ADAB9C8-EB37-4914-A699-C716FC8FE4FE}"/>
               </a:ext>
               <a:ext uri="{C183D7F6-B498-43B3-948B-1728B52AA6E4}">
-                <adec:decorative xmlns:adec="http://schemas.microsoft.com/office/drawing/2017/decorative" xmlns="" val="1"/>
+                <adec:decorative xmlns="" xmlns:adec="http://schemas.microsoft.com/office/drawing/2017/decorative" val="1"/>
               </a:ext>
             </a:extLst>
           </p:cNvPr>
@@ -21583,7 +21531,7 @@
           <p:nvPr>
             <p:extLst>
               <p:ext uri="{386F3935-93C4-4BCD-93E2-E3B085C9AB24}">
-                <p16:designElem xmlns:p16="http://schemas.microsoft.com/office/powerpoint/2015/main" xmlns="" val="1"/>
+                <p16:designElem xmlns="" xmlns:p16="http://schemas.microsoft.com/office/powerpoint/2015/main" val="1"/>
               </p:ext>
             </p:extLst>
           </p:nvPr>
@@ -21623,7 +21571,7 @@
           <p:cNvPr id="2" name="Başlık 1">
             <a:extLst>
               <a:ext uri="{FF2B5EF4-FFF2-40B4-BE49-F238E27FC236}">
-                <a16:creationId xmlns:a16="http://schemas.microsoft.com/office/drawing/2014/main" xmlns="" id="{4E45D578-62A4-A5B2-85EF-AB3D77337321}"/>
+                <a16:creationId xmlns="" xmlns:a16="http://schemas.microsoft.com/office/drawing/2014/main" id="{4E45D578-62A4-A5B2-85EF-AB3D77337321}"/>
               </a:ext>
             </a:extLst>
           </p:cNvPr>
@@ -21719,7 +21667,7 @@
           <p:cNvPr id="3" name="İçerik Yer Tutucusu 2">
             <a:extLst>
               <a:ext uri="{FF2B5EF4-FFF2-40B4-BE49-F238E27FC236}">
-                <a16:creationId xmlns:a16="http://schemas.microsoft.com/office/drawing/2014/main" xmlns="" id="{B4A53707-5E94-4D00-D72C-B15639E860D3}"/>
+                <a16:creationId xmlns="" xmlns:a16="http://schemas.microsoft.com/office/drawing/2014/main" id="{B4A53707-5E94-4D00-D72C-B15639E860D3}"/>
               </a:ext>
             </a:extLst>
           </p:cNvPr>
@@ -22119,7 +22067,7 @@
           <p:cNvPr id="5" name="İçerik Yer Tutucusu 2">
             <a:extLst>
               <a:ext uri="{FF2B5EF4-FFF2-40B4-BE49-F238E27FC236}">
-                <a16:creationId xmlns:a16="http://schemas.microsoft.com/office/drawing/2014/main" xmlns="" id="{95B399E2-6035-6066-056D-804E1C081AEC}"/>
+                <a16:creationId xmlns="" xmlns:a16="http://schemas.microsoft.com/office/drawing/2014/main" id="{95B399E2-6035-6066-056D-804E1C081AEC}"/>
               </a:ext>
             </a:extLst>
           </p:cNvPr>
@@ -22425,7 +22373,7 @@
     </p:spTree>
     <p:extLst>
       <p:ext uri="{BB962C8B-B14F-4D97-AF65-F5344CB8AC3E}">
-        <p14:creationId xmlns:p14="http://schemas.microsoft.com/office/powerpoint/2010/main" xmlns="" val="1444931392"/>
+        <p14:creationId xmlns="" xmlns:p14="http://schemas.microsoft.com/office/powerpoint/2010/main" val="1444931392"/>
       </p:ext>
     </p:extLst>
   </p:cSld>
@@ -22464,10 +22412,10 @@
           <p:cNvPr id="8" name="Rectangle 7">
             <a:extLst>
               <a:ext uri="{FF2B5EF4-FFF2-40B4-BE49-F238E27FC236}">
-                <a16:creationId xmlns:a16="http://schemas.microsoft.com/office/drawing/2014/main" xmlns="" id="{0D9B8FD4-CDEB-4EB4-B4DE-C89E11938958}"/>
+                <a16:creationId xmlns="" xmlns:a16="http://schemas.microsoft.com/office/drawing/2014/main" id="{0D9B8FD4-CDEB-4EB4-B4DE-C89E11938958}"/>
               </a:ext>
               <a:ext uri="{C183D7F6-B498-43B3-948B-1728B52AA6E4}">
-                <adec:decorative xmlns:adec="http://schemas.microsoft.com/office/drawing/2017/decorative" xmlns="" val="1"/>
+                <adec:decorative xmlns="" xmlns:adec="http://schemas.microsoft.com/office/drawing/2017/decorative" val="1"/>
               </a:ext>
             </a:extLst>
           </p:cNvPr>
@@ -22477,7 +22425,7 @@
           <p:nvPr>
             <p:extLst>
               <p:ext uri="{386F3935-93C4-4BCD-93E2-E3B085C9AB24}">
-                <p16:designElem xmlns:p16="http://schemas.microsoft.com/office/powerpoint/2015/main" xmlns="" val="1"/>
+                <p16:designElem xmlns="" xmlns:p16="http://schemas.microsoft.com/office/powerpoint/2015/main" val="1"/>
               </p:ext>
             </p:extLst>
           </p:nvPr>
@@ -22524,10 +22472,10 @@
           <p:cNvPr id="10" name="Freeform 36">
             <a:extLst>
               <a:ext uri="{FF2B5EF4-FFF2-40B4-BE49-F238E27FC236}">
-                <a16:creationId xmlns:a16="http://schemas.microsoft.com/office/drawing/2014/main" xmlns="" id="{5A2E3D1D-9E9F-4739-BA14-D4D7FA9FBDD1}"/>
+                <a16:creationId xmlns="" xmlns:a16="http://schemas.microsoft.com/office/drawing/2014/main" id="{5A2E3D1D-9E9F-4739-BA14-D4D7FA9FBDD1}"/>
               </a:ext>
               <a:ext uri="{C183D7F6-B498-43B3-948B-1728B52AA6E4}">
-                <adec:decorative xmlns:adec="http://schemas.microsoft.com/office/drawing/2017/decorative" xmlns="" val="1"/>
+                <adec:decorative xmlns="" xmlns:adec="http://schemas.microsoft.com/office/drawing/2017/decorative" val="1"/>
               </a:ext>
             </a:extLst>
           </p:cNvPr>
@@ -22537,7 +22485,7 @@
           <p:nvPr>
             <p:extLst>
               <p:ext uri="{386F3935-93C4-4BCD-93E2-E3B085C9AB24}">
-                <p16:designElem xmlns:p16="http://schemas.microsoft.com/office/powerpoint/2015/main" xmlns="" val="1"/>
+                <p16:designElem xmlns="" xmlns:p16="http://schemas.microsoft.com/office/powerpoint/2015/main" val="1"/>
               </p:ext>
             </p:extLst>
           </p:nvPr>
@@ -22876,10 +22824,10 @@
           <p:cNvPr id="12" name="Freeform: Shape 11">
             <a:extLst>
               <a:ext uri="{FF2B5EF4-FFF2-40B4-BE49-F238E27FC236}">
-                <a16:creationId xmlns:a16="http://schemas.microsoft.com/office/drawing/2014/main" xmlns="" id="{1FFB365B-E9DC-4859-B8AB-CB83EEBE4E28}"/>
+                <a16:creationId xmlns="" xmlns:a16="http://schemas.microsoft.com/office/drawing/2014/main" id="{1FFB365B-E9DC-4859-B8AB-CB83EEBE4E28}"/>
               </a:ext>
               <a:ext uri="{C183D7F6-B498-43B3-948B-1728B52AA6E4}">
-                <adec:decorative xmlns:adec="http://schemas.microsoft.com/office/drawing/2017/decorative" xmlns="" val="1"/>
+                <adec:decorative xmlns="" xmlns:adec="http://schemas.microsoft.com/office/drawing/2017/decorative" val="1"/>
               </a:ext>
             </a:extLst>
           </p:cNvPr>
@@ -22889,7 +22837,7 @@
           <p:nvPr>
             <p:extLst>
               <p:ext uri="{386F3935-93C4-4BCD-93E2-E3B085C9AB24}">
-                <p16:designElem xmlns:p16="http://schemas.microsoft.com/office/powerpoint/2015/main" xmlns="" val="1"/>
+                <p16:designElem xmlns="" xmlns:p16="http://schemas.microsoft.com/office/powerpoint/2015/main" val="1"/>
               </p:ext>
             </p:extLst>
           </p:nvPr>
@@ -23366,10 +23314,10 @@
           <p:cNvPr id="14" name="Rectangle 13">
             <a:extLst>
               <a:ext uri="{FF2B5EF4-FFF2-40B4-BE49-F238E27FC236}">
-                <a16:creationId xmlns:a16="http://schemas.microsoft.com/office/drawing/2014/main" xmlns="" id="{8ADAB9C8-EB37-4914-A699-C716FC8FE4FE}"/>
+                <a16:creationId xmlns="" xmlns:a16="http://schemas.microsoft.com/office/drawing/2014/main" id="{8ADAB9C8-EB37-4914-A699-C716FC8FE4FE}"/>
               </a:ext>
               <a:ext uri="{C183D7F6-B498-43B3-948B-1728B52AA6E4}">
-                <adec:decorative xmlns:adec="http://schemas.microsoft.com/office/drawing/2017/decorative" xmlns="" val="1"/>
+                <adec:decorative xmlns="" xmlns:adec="http://schemas.microsoft.com/office/drawing/2017/decorative" val="1"/>
               </a:ext>
             </a:extLst>
           </p:cNvPr>
@@ -23379,7 +23327,7 @@
           <p:nvPr>
             <p:extLst>
               <p:ext uri="{386F3935-93C4-4BCD-93E2-E3B085C9AB24}">
-                <p16:designElem xmlns:p16="http://schemas.microsoft.com/office/powerpoint/2015/main" xmlns="" val="1"/>
+                <p16:designElem xmlns="" xmlns:p16="http://schemas.microsoft.com/office/powerpoint/2015/main" val="1"/>
               </p:ext>
             </p:extLst>
           </p:nvPr>
@@ -23419,7 +23367,7 @@
           <p:cNvPr id="2" name="Başlık 1">
             <a:extLst>
               <a:ext uri="{FF2B5EF4-FFF2-40B4-BE49-F238E27FC236}">
-                <a16:creationId xmlns:a16="http://schemas.microsoft.com/office/drawing/2014/main" xmlns="" id="{4E45D578-62A4-A5B2-85EF-AB3D77337321}"/>
+                <a16:creationId xmlns="" xmlns:a16="http://schemas.microsoft.com/office/drawing/2014/main" id="{4E45D578-62A4-A5B2-85EF-AB3D77337321}"/>
               </a:ext>
             </a:extLst>
           </p:cNvPr>
@@ -23522,7 +23470,7 @@
           <p:cNvPr id="3" name="İçerik Yer Tutucusu 2">
             <a:extLst>
               <a:ext uri="{FF2B5EF4-FFF2-40B4-BE49-F238E27FC236}">
-                <a16:creationId xmlns:a16="http://schemas.microsoft.com/office/drawing/2014/main" xmlns="" id="{B4A53707-5E94-4D00-D72C-B15639E860D3}"/>
+                <a16:creationId xmlns="" xmlns:a16="http://schemas.microsoft.com/office/drawing/2014/main" id="{B4A53707-5E94-4D00-D72C-B15639E860D3}"/>
               </a:ext>
             </a:extLst>
           </p:cNvPr>
@@ -23977,7 +23925,7 @@
     </p:spTree>
     <p:extLst>
       <p:ext uri="{BB962C8B-B14F-4D97-AF65-F5344CB8AC3E}">
-        <p14:creationId xmlns:p14="http://schemas.microsoft.com/office/powerpoint/2010/main" xmlns="" val="3655957923"/>
+        <p14:creationId xmlns="" xmlns:p14="http://schemas.microsoft.com/office/powerpoint/2010/main" val="3655957923"/>
       </p:ext>
     </p:extLst>
   </p:cSld>
@@ -24254,7 +24202,7 @@
   <a:extraClrSchemeLst/>
   <a:extLst>
     <a:ext uri="{05A4C25C-085E-4340-85A3-A5531E510DB2}">
-      <thm15:themeFamily xmlns:thm15="http://schemas.microsoft.com/office/thememl/2012/main" xmlns="" name="Ion" id="{B8441ADB-2E43-4AF7-B97A-BD870242C6A8}" vid="{292E63A9-BB86-4E3D-B92A-7223C6510D2E}"/>
+      <thm15:themeFamily xmlns="" xmlns:thm15="http://schemas.microsoft.com/office/thememl/2012/main" name="Ion" id="{B8441ADB-2E43-4AF7-B97A-BD870242C6A8}" vid="{292E63A9-BB86-4E3D-B92A-7223C6510D2E}"/>
     </a:ext>
   </a:extLst>
 </a:theme>
